--- a/data_storytelling.pptx
+++ b/data_storytelling.pptx
@@ -5,7 +5,7 @@
     <p:sldMasterId id="2147483648" r:id="rId1"/>
   </p:sldMasterIdLst>
   <p:notesMasterIdLst>
-    <p:notesMasterId r:id="rId14"/>
+    <p:notesMasterId r:id="rId19"/>
   </p:notesMasterIdLst>
   <p:sldIdLst>
     <p:sldId id="256" r:id="rId2"/>
@@ -20,6 +20,11 @@
     <p:sldId id="263" r:id="rId11"/>
     <p:sldId id="267" r:id="rId12"/>
     <p:sldId id="266" r:id="rId13"/>
+    <p:sldId id="268" r:id="rId14"/>
+    <p:sldId id="269" r:id="rId15"/>
+    <p:sldId id="270" r:id="rId16"/>
+    <p:sldId id="271" r:id="rId17"/>
+    <p:sldId id="272" r:id="rId18"/>
   </p:sldIdLst>
   <p:sldSz cx="12192000" cy="6858000"/>
   <p:notesSz cx="6858000" cy="9144000"/>
@@ -118,6 +123,11 @@
       </a:defRPr>
     </a:lvl9pPr>
   </p:defaultTextStyle>
+  <p:extLst>
+    <p:ext uri="{EFAFB233-063F-42B5-8137-9DF3F51BA10A}">
+      <p15:sldGuideLst xmlns:p15="http://schemas.microsoft.com/office/powerpoint/2012/main"/>
+    </p:ext>
+  </p:extLst>
 </p:presentation>
 </file>
 
@@ -203,7 +213,7 @@
           <a:p>
             <a:fld id="{6C5ED3D5-97FE-4DBA-AA3E-73FC8EE07F3A}" type="datetimeFigureOut">
               <a:rPr lang="en-US" smtClean="0"/>
-              <a:t>2/6/2020</a:t>
+              <a:t>3/3/2020</a:t>
             </a:fld>
             <a:endParaRPr lang="en-US"/>
           </a:p>
@@ -1266,7 +1276,7 @@
           <a:p>
             <a:fld id="{8F1E76A4-08D0-4840-9552-A7A08FB3C11F}" type="datetimeFigureOut">
               <a:rPr lang="en-US" smtClean="0"/>
-              <a:t>2/6/2020</a:t>
+              <a:t>3/3/2020</a:t>
             </a:fld>
             <a:endParaRPr lang="en-US"/>
           </a:p>
@@ -1464,7 +1474,7 @@
           <a:p>
             <a:fld id="{8F1E76A4-08D0-4840-9552-A7A08FB3C11F}" type="datetimeFigureOut">
               <a:rPr lang="en-US" smtClean="0"/>
-              <a:t>2/6/2020</a:t>
+              <a:t>3/3/2020</a:t>
             </a:fld>
             <a:endParaRPr lang="en-US"/>
           </a:p>
@@ -1672,7 +1682,7 @@
           <a:p>
             <a:fld id="{8F1E76A4-08D0-4840-9552-A7A08FB3C11F}" type="datetimeFigureOut">
               <a:rPr lang="en-US" smtClean="0"/>
-              <a:t>2/6/2020</a:t>
+              <a:t>3/3/2020</a:t>
             </a:fld>
             <a:endParaRPr lang="en-US"/>
           </a:p>
@@ -1870,7 +1880,7 @@
           <a:p>
             <a:fld id="{8F1E76A4-08D0-4840-9552-A7A08FB3C11F}" type="datetimeFigureOut">
               <a:rPr lang="en-US" smtClean="0"/>
-              <a:t>2/6/2020</a:t>
+              <a:t>3/3/2020</a:t>
             </a:fld>
             <a:endParaRPr lang="en-US"/>
           </a:p>
@@ -2145,7 +2155,7 @@
           <a:p>
             <a:fld id="{8F1E76A4-08D0-4840-9552-A7A08FB3C11F}" type="datetimeFigureOut">
               <a:rPr lang="en-US" smtClean="0"/>
-              <a:t>2/6/2020</a:t>
+              <a:t>3/3/2020</a:t>
             </a:fld>
             <a:endParaRPr lang="en-US"/>
           </a:p>
@@ -2410,7 +2420,7 @@
           <a:p>
             <a:fld id="{8F1E76A4-08D0-4840-9552-A7A08FB3C11F}" type="datetimeFigureOut">
               <a:rPr lang="en-US" smtClean="0"/>
-              <a:t>2/6/2020</a:t>
+              <a:t>3/3/2020</a:t>
             </a:fld>
             <a:endParaRPr lang="en-US"/>
           </a:p>
@@ -2822,7 +2832,7 @@
           <a:p>
             <a:fld id="{8F1E76A4-08D0-4840-9552-A7A08FB3C11F}" type="datetimeFigureOut">
               <a:rPr lang="en-US" smtClean="0"/>
-              <a:t>2/6/2020</a:t>
+              <a:t>3/3/2020</a:t>
             </a:fld>
             <a:endParaRPr lang="en-US"/>
           </a:p>
@@ -2963,7 +2973,7 @@
           <a:p>
             <a:fld id="{8F1E76A4-08D0-4840-9552-A7A08FB3C11F}" type="datetimeFigureOut">
               <a:rPr lang="en-US" smtClean="0"/>
-              <a:t>2/6/2020</a:t>
+              <a:t>3/3/2020</a:t>
             </a:fld>
             <a:endParaRPr lang="en-US"/>
           </a:p>
@@ -3076,7 +3086,7 @@
           <a:p>
             <a:fld id="{8F1E76A4-08D0-4840-9552-A7A08FB3C11F}" type="datetimeFigureOut">
               <a:rPr lang="en-US" smtClean="0"/>
-              <a:t>2/6/2020</a:t>
+              <a:t>3/3/2020</a:t>
             </a:fld>
             <a:endParaRPr lang="en-US"/>
           </a:p>
@@ -3387,7 +3397,7 @@
           <a:p>
             <a:fld id="{8F1E76A4-08D0-4840-9552-A7A08FB3C11F}" type="datetimeFigureOut">
               <a:rPr lang="en-US" smtClean="0"/>
-              <a:t>2/6/2020</a:t>
+              <a:t>3/3/2020</a:t>
             </a:fld>
             <a:endParaRPr lang="en-US"/>
           </a:p>
@@ -3675,7 +3685,7 @@
           <a:p>
             <a:fld id="{8F1E76A4-08D0-4840-9552-A7A08FB3C11F}" type="datetimeFigureOut">
               <a:rPr lang="en-US" smtClean="0"/>
-              <a:t>2/6/2020</a:t>
+              <a:t>3/3/2020</a:t>
             </a:fld>
             <a:endParaRPr lang="en-US"/>
           </a:p>
@@ -3916,7 +3926,7 @@
           <a:p>
             <a:fld id="{8F1E76A4-08D0-4840-9552-A7A08FB3C11F}" type="datetimeFigureOut">
               <a:rPr lang="en-US" smtClean="0"/>
-              <a:t>2/6/2020</a:t>
+              <a:t>3/3/2020</a:t>
             </a:fld>
             <a:endParaRPr lang="en-US"/>
           </a:p>
@@ -4824,6 +4834,818 @@
     <p:extLst>
       <p:ext uri="{BB962C8B-B14F-4D97-AF65-F5344CB8AC3E}">
         <p14:creationId xmlns:p14="http://schemas.microsoft.com/office/powerpoint/2010/main" val="2412023290"/>
+      </p:ext>
+    </p:extLst>
+  </p:cSld>
+  <p:clrMapOvr>
+    <a:masterClrMapping/>
+  </p:clrMapOvr>
+</p:sld>
+</file>
+
+<file path=ppt/slides/slide13.xml><?xml version="1.0" encoding="utf-8"?>
+<p:sld xmlns:a="http://schemas.openxmlformats.org/drawingml/2006/main" xmlns:r="http://schemas.openxmlformats.org/officeDocument/2006/relationships" xmlns:p="http://schemas.openxmlformats.org/presentationml/2006/main">
+  <p:cSld>
+    <p:spTree>
+      <p:nvGrpSpPr>
+        <p:cNvPr id="1" name=""/>
+        <p:cNvGrpSpPr/>
+        <p:nvPr/>
+      </p:nvGrpSpPr>
+      <p:grpSpPr>
+        <a:xfrm>
+          <a:off x="0" y="0"/>
+          <a:ext cx="0" cy="0"/>
+          <a:chOff x="0" y="0"/>
+          <a:chExt cx="0" cy="0"/>
+        </a:xfrm>
+      </p:grpSpPr>
+      <p:sp>
+        <p:nvSpPr>
+          <p:cNvPr id="2" name="Title 1">
+            <a:extLst>
+              <a:ext uri="{FF2B5EF4-FFF2-40B4-BE49-F238E27FC236}">
+                <a16:creationId xmlns:a16="http://schemas.microsoft.com/office/drawing/2014/main" id="{F964AFC6-B7C8-4E47-91C1-4B08001030DD}"/>
+              </a:ext>
+            </a:extLst>
+          </p:cNvPr>
+          <p:cNvSpPr>
+            <a:spLocks noGrp="1"/>
+          </p:cNvSpPr>
+          <p:nvPr>
+            <p:ph type="title"/>
+          </p:nvPr>
+        </p:nvSpPr>
+        <p:spPr/>
+        <p:txBody>
+          <a:bodyPr/>
+          <a:lstStyle/>
+          <a:p>
+            <a:r>
+              <a:rPr lang="en-US" dirty="0"/>
+              <a:t>Meaningful correlations</a:t>
+            </a:r>
+          </a:p>
+        </p:txBody>
+      </p:sp>
+      <p:pic>
+        <p:nvPicPr>
+          <p:cNvPr id="4" name="Picture 3">
+            <a:extLst>
+              <a:ext uri="{FF2B5EF4-FFF2-40B4-BE49-F238E27FC236}">
+                <a16:creationId xmlns:a16="http://schemas.microsoft.com/office/drawing/2014/main" id="{4AC31FDB-9F4F-4957-A0D2-5E9E904552FC}"/>
+              </a:ext>
+            </a:extLst>
+          </p:cNvPr>
+          <p:cNvPicPr/>
+          <p:nvPr/>
+        </p:nvPicPr>
+        <p:blipFill rotWithShape="1">
+          <a:blip r:embed="rId2">
+            <a:extLst>
+              <a:ext uri="{28A0092B-C50C-407E-A947-70E740481C1C}">
+                <a14:useLocalDpi xmlns:a14="http://schemas.microsoft.com/office/drawing/2010/main" val="0"/>
+              </a:ext>
+            </a:extLst>
+          </a:blip>
+          <a:srcRect r="42488" b="42488"/>
+          <a:stretch/>
+        </p:blipFill>
+        <p:spPr>
+          <a:xfrm>
+            <a:off x="838200" y="1825625"/>
+            <a:ext cx="4193223" cy="4208462"/>
+          </a:xfrm>
+          <a:prstGeom prst="rect">
+            <a:avLst/>
+          </a:prstGeom>
+        </p:spPr>
+      </p:pic>
+      <p:pic>
+        <p:nvPicPr>
+          <p:cNvPr id="5" name="Content Placeholder 4">
+            <a:extLst>
+              <a:ext uri="{FF2B5EF4-FFF2-40B4-BE49-F238E27FC236}">
+                <a16:creationId xmlns:a16="http://schemas.microsoft.com/office/drawing/2014/main" id="{60F2EA0D-C47B-4134-A7A0-8203FE461E9E}"/>
+              </a:ext>
+            </a:extLst>
+          </p:cNvPr>
+          <p:cNvPicPr>
+            <a:picLocks noGrp="1"/>
+          </p:cNvPicPr>
+          <p:nvPr>
+            <p:ph idx="1"/>
+          </p:nvPr>
+        </p:nvPicPr>
+        <p:blipFill>
+          <a:blip r:embed="rId3">
+            <a:extLst>
+              <a:ext uri="{28A0092B-C50C-407E-A947-70E740481C1C}">
+                <a14:useLocalDpi xmlns:a14="http://schemas.microsoft.com/office/drawing/2010/main" val="0"/>
+              </a:ext>
+            </a:extLst>
+          </a:blip>
+          <a:srcRect/>
+          <a:stretch>
+            <a:fillRect/>
+          </a:stretch>
+        </p:blipFill>
+        <p:spPr bwMode="auto">
+          <a:xfrm>
+            <a:off x="6441837" y="1271905"/>
+            <a:ext cx="3658710" cy="2840990"/>
+          </a:xfrm>
+          <a:prstGeom prst="rect">
+            <a:avLst/>
+          </a:prstGeom>
+          <a:noFill/>
+          <a:ln>
+            <a:noFill/>
+          </a:ln>
+        </p:spPr>
+      </p:pic>
+      <p:pic>
+        <p:nvPicPr>
+          <p:cNvPr id="6" name="Picture 5">
+            <a:extLst>
+              <a:ext uri="{FF2B5EF4-FFF2-40B4-BE49-F238E27FC236}">
+                <a16:creationId xmlns:a16="http://schemas.microsoft.com/office/drawing/2014/main" id="{A1377F6F-ECAC-4CE3-AFDF-2C52B44CDD41}"/>
+              </a:ext>
+            </a:extLst>
+          </p:cNvPr>
+          <p:cNvPicPr/>
+          <p:nvPr/>
+        </p:nvPicPr>
+        <p:blipFill>
+          <a:blip r:embed="rId4">
+            <a:extLst>
+              <a:ext uri="{28A0092B-C50C-407E-A947-70E740481C1C}">
+                <a14:useLocalDpi xmlns:a14="http://schemas.microsoft.com/office/drawing/2010/main" val="0"/>
+              </a:ext>
+            </a:extLst>
+          </a:blip>
+          <a:srcRect/>
+          <a:stretch>
+            <a:fillRect/>
+          </a:stretch>
+        </p:blipFill>
+        <p:spPr bwMode="auto">
+          <a:xfrm>
+            <a:off x="5423217" y="4165600"/>
+            <a:ext cx="3000375" cy="2173605"/>
+          </a:xfrm>
+          <a:prstGeom prst="rect">
+            <a:avLst/>
+          </a:prstGeom>
+          <a:noFill/>
+          <a:ln>
+            <a:noFill/>
+          </a:ln>
+        </p:spPr>
+      </p:pic>
+      <p:pic>
+        <p:nvPicPr>
+          <p:cNvPr id="7" name="Picture 6">
+            <a:extLst>
+              <a:ext uri="{FF2B5EF4-FFF2-40B4-BE49-F238E27FC236}">
+                <a16:creationId xmlns:a16="http://schemas.microsoft.com/office/drawing/2014/main" id="{DCF3567B-B5EA-4076-9644-C05AB39700DD}"/>
+              </a:ext>
+            </a:extLst>
+          </p:cNvPr>
+          <p:cNvPicPr/>
+          <p:nvPr/>
+        </p:nvPicPr>
+        <p:blipFill>
+          <a:blip r:embed="rId5">
+            <a:extLst>
+              <a:ext uri="{28A0092B-C50C-407E-A947-70E740481C1C}">
+                <a14:useLocalDpi xmlns:a14="http://schemas.microsoft.com/office/drawing/2010/main" val="0"/>
+              </a:ext>
+            </a:extLst>
+          </a:blip>
+          <a:srcRect/>
+          <a:stretch>
+            <a:fillRect/>
+          </a:stretch>
+        </p:blipFill>
+        <p:spPr bwMode="auto">
+          <a:xfrm>
+            <a:off x="8600359" y="4165600"/>
+            <a:ext cx="3000375" cy="2173605"/>
+          </a:xfrm>
+          <a:prstGeom prst="rect">
+            <a:avLst/>
+          </a:prstGeom>
+          <a:noFill/>
+          <a:ln>
+            <a:noFill/>
+          </a:ln>
+        </p:spPr>
+      </p:pic>
+    </p:spTree>
+    <p:extLst>
+      <p:ext uri="{BB962C8B-B14F-4D97-AF65-F5344CB8AC3E}">
+        <p14:creationId xmlns:p14="http://schemas.microsoft.com/office/powerpoint/2010/main" val="1586444958"/>
+      </p:ext>
+    </p:extLst>
+  </p:cSld>
+  <p:clrMapOvr>
+    <a:masterClrMapping/>
+  </p:clrMapOvr>
+</p:sld>
+</file>
+
+<file path=ppt/slides/slide14.xml><?xml version="1.0" encoding="utf-8"?>
+<p:sld xmlns:a="http://schemas.openxmlformats.org/drawingml/2006/main" xmlns:r="http://schemas.openxmlformats.org/officeDocument/2006/relationships" xmlns:p="http://schemas.openxmlformats.org/presentationml/2006/main">
+  <p:cSld>
+    <p:spTree>
+      <p:nvGrpSpPr>
+        <p:cNvPr id="1" name=""/>
+        <p:cNvGrpSpPr/>
+        <p:nvPr/>
+      </p:nvGrpSpPr>
+      <p:grpSpPr>
+        <a:xfrm>
+          <a:off x="0" y="0"/>
+          <a:ext cx="0" cy="0"/>
+          <a:chOff x="0" y="0"/>
+          <a:chExt cx="0" cy="0"/>
+        </a:xfrm>
+      </p:grpSpPr>
+      <p:sp>
+        <p:nvSpPr>
+          <p:cNvPr id="2" name="Title 1">
+            <a:extLst>
+              <a:ext uri="{FF2B5EF4-FFF2-40B4-BE49-F238E27FC236}">
+                <a16:creationId xmlns:a16="http://schemas.microsoft.com/office/drawing/2014/main" id="{C0F91F16-D0B2-469F-B419-79B1264DA933}"/>
+              </a:ext>
+            </a:extLst>
+          </p:cNvPr>
+          <p:cNvSpPr>
+            <a:spLocks noGrp="1"/>
+          </p:cNvSpPr>
+          <p:nvPr>
+            <p:ph type="title"/>
+          </p:nvPr>
+        </p:nvSpPr>
+        <p:spPr/>
+        <p:txBody>
+          <a:bodyPr/>
+          <a:lstStyle/>
+          <a:p>
+            <a:r>
+              <a:rPr lang="en-US" dirty="0"/>
+              <a:t>Modeling Maximum Error</a:t>
+            </a:r>
+          </a:p>
+        </p:txBody>
+      </p:sp>
+      <p:pic>
+        <p:nvPicPr>
+          <p:cNvPr id="4" name="Content Placeholder 3">
+            <a:extLst>
+              <a:ext uri="{FF2B5EF4-FFF2-40B4-BE49-F238E27FC236}">
+                <a16:creationId xmlns:a16="http://schemas.microsoft.com/office/drawing/2014/main" id="{9418BD06-8AE6-4F7A-83E4-C509F2B38E86}"/>
+              </a:ext>
+            </a:extLst>
+          </p:cNvPr>
+          <p:cNvPicPr>
+            <a:picLocks noGrp="1" noChangeAspect="1"/>
+          </p:cNvPicPr>
+          <p:nvPr>
+            <p:ph idx="1"/>
+          </p:nvPr>
+        </p:nvPicPr>
+        <p:blipFill>
+          <a:blip r:embed="rId2">
+            <a:extLst>
+              <a:ext uri="{28A0092B-C50C-407E-A947-70E740481C1C}">
+                <a14:useLocalDpi xmlns:a14="http://schemas.microsoft.com/office/drawing/2010/main" val="0"/>
+              </a:ext>
+            </a:extLst>
+          </a:blip>
+          <a:stretch>
+            <a:fillRect/>
+          </a:stretch>
+        </p:blipFill>
+        <p:spPr>
+          <a:xfrm>
+            <a:off x="324541" y="1515520"/>
+            <a:ext cx="5081158" cy="3366267"/>
+          </a:xfrm>
+          <a:prstGeom prst="rect">
+            <a:avLst/>
+          </a:prstGeom>
+        </p:spPr>
+      </p:pic>
+      <p:pic>
+        <p:nvPicPr>
+          <p:cNvPr id="5" name="Picture 4" descr="A close up of a map&#10;&#10;Description automatically generated">
+            <a:extLst>
+              <a:ext uri="{FF2B5EF4-FFF2-40B4-BE49-F238E27FC236}">
+                <a16:creationId xmlns:a16="http://schemas.microsoft.com/office/drawing/2014/main" id="{7DBCB7E8-A2AD-40C7-944C-9B344325667E}"/>
+              </a:ext>
+            </a:extLst>
+          </p:cNvPr>
+          <p:cNvPicPr/>
+          <p:nvPr/>
+        </p:nvPicPr>
+        <p:blipFill>
+          <a:blip r:embed="rId3">
+            <a:extLst>
+              <a:ext uri="{28A0092B-C50C-407E-A947-70E740481C1C}">
+                <a14:useLocalDpi xmlns:a14="http://schemas.microsoft.com/office/drawing/2010/main" val="0"/>
+              </a:ext>
+            </a:extLst>
+          </a:blip>
+          <a:stretch>
+            <a:fillRect/>
+          </a:stretch>
+        </p:blipFill>
+        <p:spPr>
+          <a:xfrm>
+            <a:off x="5636548" y="1520600"/>
+            <a:ext cx="4848571" cy="3528920"/>
+          </a:xfrm>
+          <a:prstGeom prst="rect">
+            <a:avLst/>
+          </a:prstGeom>
+        </p:spPr>
+      </p:pic>
+    </p:spTree>
+    <p:extLst>
+      <p:ext uri="{BB962C8B-B14F-4D97-AF65-F5344CB8AC3E}">
+        <p14:creationId xmlns:p14="http://schemas.microsoft.com/office/powerpoint/2010/main" val="1816401655"/>
+      </p:ext>
+    </p:extLst>
+  </p:cSld>
+  <p:clrMapOvr>
+    <a:masterClrMapping/>
+  </p:clrMapOvr>
+</p:sld>
+</file>
+
+<file path=ppt/slides/slide15.xml><?xml version="1.0" encoding="utf-8"?>
+<p:sld xmlns:a="http://schemas.openxmlformats.org/drawingml/2006/main" xmlns:r="http://schemas.openxmlformats.org/officeDocument/2006/relationships" xmlns:p="http://schemas.openxmlformats.org/presentationml/2006/main">
+  <p:cSld>
+    <p:spTree>
+      <p:nvGrpSpPr>
+        <p:cNvPr id="1" name=""/>
+        <p:cNvGrpSpPr/>
+        <p:nvPr/>
+      </p:nvGrpSpPr>
+      <p:grpSpPr>
+        <a:xfrm>
+          <a:off x="0" y="0"/>
+          <a:ext cx="0" cy="0"/>
+          <a:chOff x="0" y="0"/>
+          <a:chExt cx="0" cy="0"/>
+        </a:xfrm>
+      </p:grpSpPr>
+      <p:sp>
+        <p:nvSpPr>
+          <p:cNvPr id="2" name="Title 1">
+            <a:extLst>
+              <a:ext uri="{FF2B5EF4-FFF2-40B4-BE49-F238E27FC236}">
+                <a16:creationId xmlns:a16="http://schemas.microsoft.com/office/drawing/2014/main" id="{D795415E-517F-4F17-AF69-4ADF79E2689D}"/>
+              </a:ext>
+            </a:extLst>
+          </p:cNvPr>
+          <p:cNvSpPr>
+            <a:spLocks noGrp="1"/>
+          </p:cNvSpPr>
+          <p:nvPr>
+            <p:ph type="title"/>
+          </p:nvPr>
+        </p:nvSpPr>
+        <p:spPr/>
+        <p:txBody>
+          <a:bodyPr/>
+          <a:lstStyle/>
+          <a:p>
+            <a:r>
+              <a:rPr lang="en-US" dirty="0"/>
+              <a:t>Many models</a:t>
+            </a:r>
+          </a:p>
+        </p:txBody>
+      </p:sp>
+      <p:sp>
+        <p:nvSpPr>
+          <p:cNvPr id="3" name="Content Placeholder 2">
+            <a:extLst>
+              <a:ext uri="{FF2B5EF4-FFF2-40B4-BE49-F238E27FC236}">
+                <a16:creationId xmlns:a16="http://schemas.microsoft.com/office/drawing/2014/main" id="{05518B11-89F0-4165-987A-75366E6C6110}"/>
+              </a:ext>
+            </a:extLst>
+          </p:cNvPr>
+          <p:cNvSpPr>
+            <a:spLocks noGrp="1"/>
+          </p:cNvSpPr>
+          <p:nvPr>
+            <p:ph idx="1"/>
+          </p:nvPr>
+        </p:nvSpPr>
+        <p:spPr/>
+        <p:txBody>
+          <a:bodyPr/>
+          <a:lstStyle/>
+          <a:p>
+            <a:r>
+              <a:rPr lang="en-US" dirty="0"/>
+              <a:t>50-person bins, linear: R-squared 0.655, F-statistic 142</a:t>
+            </a:r>
+          </a:p>
+          <a:p>
+            <a:r>
+              <a:rPr lang="en-US" dirty="0"/>
+              <a:t>Adding in </a:t>
+            </a:r>
+            <a:r>
+              <a:rPr lang="en-US" dirty="0" err="1"/>
+              <a:t>stdev</a:t>
+            </a:r>
+            <a:r>
+              <a:rPr lang="en-US" dirty="0"/>
+              <a:t> of pollsters: 0.832, 184</a:t>
+            </a:r>
+          </a:p>
+          <a:p>
+            <a:r>
+              <a:rPr lang="en-US" dirty="0"/>
+              <a:t>Ln(error) ~ (sample size, </a:t>
+            </a:r>
+            <a:r>
+              <a:rPr lang="en-US" dirty="0" err="1"/>
+              <a:t>stdev</a:t>
+            </a:r>
+            <a:r>
+              <a:rPr lang="en-US" dirty="0"/>
+              <a:t>(pollster)): 0.859, 226</a:t>
+            </a:r>
+          </a:p>
+          <a:p>
+            <a:pPr lvl="1"/>
+            <a:r>
+              <a:rPr lang="en-US" dirty="0"/>
+              <a:t>P-values 0</a:t>
+            </a:r>
+          </a:p>
+        </p:txBody>
+      </p:sp>
+      <p:pic>
+        <p:nvPicPr>
+          <p:cNvPr id="4" name="Picture 3">
+            <a:extLst>
+              <a:ext uri="{FF2B5EF4-FFF2-40B4-BE49-F238E27FC236}">
+                <a16:creationId xmlns:a16="http://schemas.microsoft.com/office/drawing/2014/main" id="{B3112B10-8EFD-4313-B299-BBAF675E37E0}"/>
+              </a:ext>
+            </a:extLst>
+          </p:cNvPr>
+          <p:cNvPicPr/>
+          <p:nvPr/>
+        </p:nvPicPr>
+        <p:blipFill>
+          <a:blip r:embed="rId2">
+            <a:extLst>
+              <a:ext uri="{28A0092B-C50C-407E-A947-70E740481C1C}">
+                <a14:useLocalDpi xmlns:a14="http://schemas.microsoft.com/office/drawing/2010/main" val="0"/>
+              </a:ext>
+            </a:extLst>
+          </a:blip>
+          <a:srcRect/>
+          <a:stretch>
+            <a:fillRect/>
+          </a:stretch>
+        </p:blipFill>
+        <p:spPr bwMode="auto">
+          <a:xfrm>
+            <a:off x="6959600" y="3576320"/>
+            <a:ext cx="3890010" cy="2987675"/>
+          </a:xfrm>
+          <a:prstGeom prst="rect">
+            <a:avLst/>
+          </a:prstGeom>
+          <a:noFill/>
+          <a:ln>
+            <a:noFill/>
+          </a:ln>
+        </p:spPr>
+      </p:pic>
+    </p:spTree>
+    <p:extLst>
+      <p:ext uri="{BB962C8B-B14F-4D97-AF65-F5344CB8AC3E}">
+        <p14:creationId xmlns:p14="http://schemas.microsoft.com/office/powerpoint/2010/main" val="601614682"/>
+      </p:ext>
+    </p:extLst>
+  </p:cSld>
+  <p:clrMapOvr>
+    <a:masterClrMapping/>
+  </p:clrMapOvr>
+</p:sld>
+</file>
+
+<file path=ppt/slides/slide16.xml><?xml version="1.0" encoding="utf-8"?>
+<p:sld xmlns:a="http://schemas.openxmlformats.org/drawingml/2006/main" xmlns:r="http://schemas.openxmlformats.org/officeDocument/2006/relationships" xmlns:p="http://schemas.openxmlformats.org/presentationml/2006/main">
+  <p:cSld>
+    <p:spTree>
+      <p:nvGrpSpPr>
+        <p:cNvPr id="1" name=""/>
+        <p:cNvGrpSpPr/>
+        <p:nvPr/>
+      </p:nvGrpSpPr>
+      <p:grpSpPr>
+        <a:xfrm>
+          <a:off x="0" y="0"/>
+          <a:ext cx="0" cy="0"/>
+          <a:chOff x="0" y="0"/>
+          <a:chExt cx="0" cy="0"/>
+        </a:xfrm>
+      </p:grpSpPr>
+      <p:sp>
+        <p:nvSpPr>
+          <p:cNvPr id="2" name="Title 1">
+            <a:extLst>
+              <a:ext uri="{FF2B5EF4-FFF2-40B4-BE49-F238E27FC236}">
+                <a16:creationId xmlns:a16="http://schemas.microsoft.com/office/drawing/2014/main" id="{536B2C7C-752F-447D-BCC5-FEA590AC2FA0}"/>
+              </a:ext>
+            </a:extLst>
+          </p:cNvPr>
+          <p:cNvSpPr>
+            <a:spLocks noGrp="1"/>
+          </p:cNvSpPr>
+          <p:nvPr>
+            <p:ph type="title"/>
+          </p:nvPr>
+        </p:nvSpPr>
+        <p:spPr/>
+        <p:txBody>
+          <a:bodyPr/>
+          <a:lstStyle/>
+          <a:p>
+            <a:r>
+              <a:rPr lang="en-US" dirty="0"/>
+              <a:t>Checking Binning</a:t>
+            </a:r>
+          </a:p>
+        </p:txBody>
+      </p:sp>
+      <p:sp>
+        <p:nvSpPr>
+          <p:cNvPr id="3" name="Content Placeholder 2">
+            <a:extLst>
+              <a:ext uri="{FF2B5EF4-FFF2-40B4-BE49-F238E27FC236}">
+                <a16:creationId xmlns:a16="http://schemas.microsoft.com/office/drawing/2014/main" id="{DA6A6BA4-EEC8-444E-8017-93BC5E3F4D83}"/>
+              </a:ext>
+            </a:extLst>
+          </p:cNvPr>
+          <p:cNvSpPr>
+            <a:spLocks noGrp="1"/>
+          </p:cNvSpPr>
+          <p:nvPr>
+            <p:ph idx="1"/>
+          </p:nvPr>
+        </p:nvSpPr>
+        <p:spPr/>
+        <p:txBody>
+          <a:bodyPr/>
+          <a:lstStyle/>
+          <a:p>
+            <a:endParaRPr lang="en-US"/>
+          </a:p>
+        </p:txBody>
+      </p:sp>
+      <p:pic>
+        <p:nvPicPr>
+          <p:cNvPr id="4" name="Picture 3">
+            <a:extLst>
+              <a:ext uri="{FF2B5EF4-FFF2-40B4-BE49-F238E27FC236}">
+                <a16:creationId xmlns:a16="http://schemas.microsoft.com/office/drawing/2014/main" id="{8B5C0CF8-3F0D-4B38-B080-2A925869E52A}"/>
+              </a:ext>
+            </a:extLst>
+          </p:cNvPr>
+          <p:cNvPicPr/>
+          <p:nvPr/>
+        </p:nvPicPr>
+        <p:blipFill>
+          <a:blip r:embed="rId2">
+            <a:extLst>
+              <a:ext uri="{28A0092B-C50C-407E-A947-70E740481C1C}">
+                <a14:useLocalDpi xmlns:a14="http://schemas.microsoft.com/office/drawing/2010/main" val="0"/>
+              </a:ext>
+            </a:extLst>
+          </a:blip>
+          <a:srcRect/>
+          <a:stretch>
+            <a:fillRect/>
+          </a:stretch>
+        </p:blipFill>
+        <p:spPr bwMode="auto">
+          <a:xfrm>
+            <a:off x="655320" y="2779872"/>
+            <a:ext cx="3693160" cy="2840672"/>
+          </a:xfrm>
+          <a:prstGeom prst="rect">
+            <a:avLst/>
+          </a:prstGeom>
+          <a:noFill/>
+          <a:ln>
+            <a:noFill/>
+          </a:ln>
+        </p:spPr>
+      </p:pic>
+      <p:pic>
+        <p:nvPicPr>
+          <p:cNvPr id="5" name="Picture 4">
+            <a:extLst>
+              <a:ext uri="{FF2B5EF4-FFF2-40B4-BE49-F238E27FC236}">
+                <a16:creationId xmlns:a16="http://schemas.microsoft.com/office/drawing/2014/main" id="{DEC3B268-A39F-42BB-93D4-DD39DC69AF94}"/>
+              </a:ext>
+            </a:extLst>
+          </p:cNvPr>
+          <p:cNvPicPr/>
+          <p:nvPr/>
+        </p:nvPicPr>
+        <p:blipFill>
+          <a:blip r:embed="rId3">
+            <a:extLst>
+              <a:ext uri="{28A0092B-C50C-407E-A947-70E740481C1C}">
+                <a14:useLocalDpi xmlns:a14="http://schemas.microsoft.com/office/drawing/2010/main" val="0"/>
+              </a:ext>
+            </a:extLst>
+          </a:blip>
+          <a:srcRect/>
+          <a:stretch>
+            <a:fillRect/>
+          </a:stretch>
+        </p:blipFill>
+        <p:spPr bwMode="auto">
+          <a:xfrm>
+            <a:off x="4429760" y="2798129"/>
+            <a:ext cx="3693160" cy="2840672"/>
+          </a:xfrm>
+          <a:prstGeom prst="rect">
+            <a:avLst/>
+          </a:prstGeom>
+          <a:noFill/>
+          <a:ln>
+            <a:noFill/>
+          </a:ln>
+        </p:spPr>
+      </p:pic>
+      <p:pic>
+        <p:nvPicPr>
+          <p:cNvPr id="6" name="Picture 5">
+            <a:extLst>
+              <a:ext uri="{FF2B5EF4-FFF2-40B4-BE49-F238E27FC236}">
+                <a16:creationId xmlns:a16="http://schemas.microsoft.com/office/drawing/2014/main" id="{44830268-354F-4D21-9739-746AED19ADDC}"/>
+              </a:ext>
+            </a:extLst>
+          </p:cNvPr>
+          <p:cNvPicPr/>
+          <p:nvPr/>
+        </p:nvPicPr>
+        <p:blipFill>
+          <a:blip r:embed="rId4">
+            <a:extLst>
+              <a:ext uri="{28A0092B-C50C-407E-A947-70E740481C1C}">
+                <a14:useLocalDpi xmlns:a14="http://schemas.microsoft.com/office/drawing/2010/main" val="0"/>
+              </a:ext>
+            </a:extLst>
+          </a:blip>
+          <a:srcRect/>
+          <a:stretch>
+            <a:fillRect/>
+          </a:stretch>
+        </p:blipFill>
+        <p:spPr bwMode="auto">
+          <a:xfrm>
+            <a:off x="8196580" y="2798129"/>
+            <a:ext cx="3693160" cy="2840671"/>
+          </a:xfrm>
+          <a:prstGeom prst="rect">
+            <a:avLst/>
+          </a:prstGeom>
+          <a:noFill/>
+          <a:ln>
+            <a:noFill/>
+          </a:ln>
+        </p:spPr>
+      </p:pic>
+    </p:spTree>
+    <p:extLst>
+      <p:ext uri="{BB962C8B-B14F-4D97-AF65-F5344CB8AC3E}">
+        <p14:creationId xmlns:p14="http://schemas.microsoft.com/office/powerpoint/2010/main" val="3669320763"/>
+      </p:ext>
+    </p:extLst>
+  </p:cSld>
+  <p:clrMapOvr>
+    <a:masterClrMapping/>
+  </p:clrMapOvr>
+</p:sld>
+</file>
+
+<file path=ppt/slides/slide17.xml><?xml version="1.0" encoding="utf-8"?>
+<p:sld xmlns:a="http://schemas.openxmlformats.org/drawingml/2006/main" xmlns:r="http://schemas.openxmlformats.org/officeDocument/2006/relationships" xmlns:p="http://schemas.openxmlformats.org/presentationml/2006/main">
+  <p:cSld>
+    <p:spTree>
+      <p:nvGrpSpPr>
+        <p:cNvPr id="1" name=""/>
+        <p:cNvGrpSpPr/>
+        <p:nvPr/>
+      </p:nvGrpSpPr>
+      <p:grpSpPr>
+        <a:xfrm>
+          <a:off x="0" y="0"/>
+          <a:ext cx="0" cy="0"/>
+          <a:chOff x="0" y="0"/>
+          <a:chExt cx="0" cy="0"/>
+        </a:xfrm>
+      </p:grpSpPr>
+      <p:sp>
+        <p:nvSpPr>
+          <p:cNvPr id="2" name="Title 1">
+            <a:extLst>
+              <a:ext uri="{FF2B5EF4-FFF2-40B4-BE49-F238E27FC236}">
+                <a16:creationId xmlns:a16="http://schemas.microsoft.com/office/drawing/2014/main" id="{25862402-7E9E-4C16-8A7A-287BDDC4E5EA}"/>
+              </a:ext>
+            </a:extLst>
+          </p:cNvPr>
+          <p:cNvSpPr>
+            <a:spLocks noGrp="1"/>
+          </p:cNvSpPr>
+          <p:nvPr>
+            <p:ph type="title"/>
+          </p:nvPr>
+        </p:nvSpPr>
+        <p:spPr/>
+        <p:txBody>
+          <a:bodyPr/>
+          <a:lstStyle/>
+          <a:p>
+            <a:r>
+              <a:rPr lang="en-US" dirty="0"/>
+              <a:t>Next steps</a:t>
+            </a:r>
+          </a:p>
+        </p:txBody>
+      </p:sp>
+      <p:sp>
+        <p:nvSpPr>
+          <p:cNvPr id="3" name="Content Placeholder 2">
+            <a:extLst>
+              <a:ext uri="{FF2B5EF4-FFF2-40B4-BE49-F238E27FC236}">
+                <a16:creationId xmlns:a16="http://schemas.microsoft.com/office/drawing/2014/main" id="{FF588B6D-5EC8-4ECE-97B4-6F4E64620CD9}"/>
+              </a:ext>
+            </a:extLst>
+          </p:cNvPr>
+          <p:cNvSpPr>
+            <a:spLocks noGrp="1"/>
+          </p:cNvSpPr>
+          <p:nvPr>
+            <p:ph idx="1"/>
+          </p:nvPr>
+        </p:nvSpPr>
+        <p:spPr/>
+        <p:txBody>
+          <a:bodyPr/>
+          <a:lstStyle/>
+          <a:p>
+            <a:r>
+              <a:rPr lang="en-US" dirty="0"/>
+              <a:t>0.516 for predicting exact error</a:t>
+            </a:r>
+          </a:p>
+          <a:p>
+            <a:r>
+              <a:rPr lang="en-US" dirty="0"/>
+              <a:t>Adding methodology, examining bias instead of error</a:t>
+            </a:r>
+          </a:p>
+          <a:p>
+            <a:pPr lvl="1"/>
+            <a:r>
+              <a:rPr lang="en-US" dirty="0"/>
+              <a:t>Higher dimensionality but likely worth effort</a:t>
+            </a:r>
+          </a:p>
+          <a:p>
+            <a:r>
+              <a:rPr lang="en-US" dirty="0"/>
+              <a:t>Focus on visualization</a:t>
+            </a:r>
+            <a:r>
+              <a:rPr lang="en-US"/>
+              <a:t>, interactivity</a:t>
+            </a:r>
+            <a:endParaRPr lang="en-US" dirty="0"/>
+          </a:p>
+        </p:txBody>
+      </p:sp>
+    </p:spTree>
+    <p:extLst>
+      <p:ext uri="{BB962C8B-B14F-4D97-AF65-F5344CB8AC3E}">
+        <p14:creationId xmlns:p14="http://schemas.microsoft.com/office/powerpoint/2010/main" val="2045411122"/>
       </p:ext>
     </p:extLst>
   </p:cSld>

--- a/data_storytelling.pptx
+++ b/data_storytelling.pptx
@@ -5,7 +5,7 @@
     <p:sldMasterId id="2147483648" r:id="rId1"/>
   </p:sldMasterIdLst>
   <p:notesMasterIdLst>
-    <p:notesMasterId r:id="rId19"/>
+    <p:notesMasterId r:id="rId18"/>
   </p:notesMasterIdLst>
   <p:sldIdLst>
     <p:sldId id="256" r:id="rId2"/>
@@ -15,16 +15,15 @@
     <p:sldId id="259" r:id="rId6"/>
     <p:sldId id="261" r:id="rId7"/>
     <p:sldId id="257" r:id="rId8"/>
-    <p:sldId id="264" r:id="rId9"/>
-    <p:sldId id="265" r:id="rId10"/>
-    <p:sldId id="263" r:id="rId11"/>
-    <p:sldId id="267" r:id="rId12"/>
-    <p:sldId id="266" r:id="rId13"/>
+    <p:sldId id="263" r:id="rId9"/>
+    <p:sldId id="264" r:id="rId10"/>
+    <p:sldId id="265" r:id="rId11"/>
+    <p:sldId id="266" r:id="rId12"/>
+    <p:sldId id="267" r:id="rId13"/>
     <p:sldId id="268" r:id="rId14"/>
     <p:sldId id="269" r:id="rId15"/>
-    <p:sldId id="270" r:id="rId16"/>
-    <p:sldId id="271" r:id="rId17"/>
-    <p:sldId id="272" r:id="rId18"/>
+    <p:sldId id="271" r:id="rId16"/>
+    <p:sldId id="270" r:id="rId17"/>
   </p:sldIdLst>
   <p:sldSz cx="12192000" cy="6858000"/>
   <p:notesSz cx="6858000" cy="9144000"/>
@@ -213,7 +212,7 @@
           <a:p>
             <a:fld id="{6C5ED3D5-97FE-4DBA-AA3E-73FC8EE07F3A}" type="datetimeFigureOut">
               <a:rPr lang="en-US" smtClean="0"/>
-              <a:t>3/3/2020</a:t>
+              <a:t>4/24/2020</a:t>
             </a:fld>
             <a:endParaRPr lang="en-US"/>
           </a:p>
@@ -567,6 +566,285 @@
 </p:notes>
 </file>
 
+<file path=ppt/notesSlides/notesSlide10.xml><?xml version="1.0" encoding="utf-8"?>
+<p:notes xmlns:a="http://schemas.openxmlformats.org/drawingml/2006/main" xmlns:r="http://schemas.openxmlformats.org/officeDocument/2006/relationships" xmlns:p="http://schemas.openxmlformats.org/presentationml/2006/main">
+  <p:cSld>
+    <p:spTree>
+      <p:nvGrpSpPr>
+        <p:cNvPr id="1" name=""/>
+        <p:cNvGrpSpPr/>
+        <p:nvPr/>
+      </p:nvGrpSpPr>
+      <p:grpSpPr>
+        <a:xfrm>
+          <a:off x="0" y="0"/>
+          <a:ext cx="0" cy="0"/>
+          <a:chOff x="0" y="0"/>
+          <a:chExt cx="0" cy="0"/>
+        </a:xfrm>
+      </p:grpSpPr>
+      <p:sp>
+        <p:nvSpPr>
+          <p:cNvPr id="2" name="Slide Image Placeholder 1"/>
+          <p:cNvSpPr>
+            <a:spLocks noGrp="1" noRot="1" noChangeAspect="1"/>
+          </p:cNvSpPr>
+          <p:nvPr>
+            <p:ph type="sldImg"/>
+          </p:nvPr>
+        </p:nvSpPr>
+        <p:spPr/>
+      </p:sp>
+      <p:sp>
+        <p:nvSpPr>
+          <p:cNvPr id="3" name="Notes Placeholder 2"/>
+          <p:cNvSpPr>
+            <a:spLocks noGrp="1"/>
+          </p:cNvSpPr>
+          <p:nvPr>
+            <p:ph type="body" idx="1"/>
+          </p:nvPr>
+        </p:nvSpPr>
+        <p:spPr/>
+        <p:txBody>
+          <a:bodyPr/>
+          <a:lstStyle/>
+          <a:p>
+            <a:r>
+              <a:rPr lang="en-US" dirty="0"/>
+              <a:t>Gini performed better than entropy overall</a:t>
+            </a:r>
+          </a:p>
+          <a:p>
+            <a:r>
+              <a:rPr lang="en-US" dirty="0"/>
+              <a:t>We can prune it by setting maximum depth, min samples/split, select tree criterion, dictate features/node (3 is best here), other options</a:t>
+            </a:r>
+          </a:p>
+          <a:p>
+            <a:r>
+              <a:rPr lang="en-US" dirty="0"/>
+              <a:t>Also tested ‘Got it right or not?’ with selection from larger dataset, but did not work as well</a:t>
+            </a:r>
+          </a:p>
+        </p:txBody>
+      </p:sp>
+      <p:sp>
+        <p:nvSpPr>
+          <p:cNvPr id="4" name="Slide Number Placeholder 3"/>
+          <p:cNvSpPr>
+            <a:spLocks noGrp="1"/>
+          </p:cNvSpPr>
+          <p:nvPr>
+            <p:ph type="sldNum" sz="quarter" idx="5"/>
+          </p:nvPr>
+        </p:nvSpPr>
+        <p:spPr/>
+        <p:txBody>
+          <a:bodyPr/>
+          <a:lstStyle/>
+          <a:p>
+            <a:fld id="{54159333-01F3-4AD9-9B71-223C76B8075A}" type="slidenum">
+              <a:rPr lang="en-US" smtClean="0"/>
+              <a:t>13</a:t>
+            </a:fld>
+            <a:endParaRPr lang="en-US"/>
+          </a:p>
+        </p:txBody>
+      </p:sp>
+    </p:spTree>
+    <p:extLst>
+      <p:ext uri="{BB962C8B-B14F-4D97-AF65-F5344CB8AC3E}">
+        <p14:creationId xmlns:p14="http://schemas.microsoft.com/office/powerpoint/2010/main" val="2062185575"/>
+      </p:ext>
+    </p:extLst>
+  </p:cSld>
+  <p:clrMapOvr>
+    <a:masterClrMapping/>
+  </p:clrMapOvr>
+</p:notes>
+</file>
+
+<file path=ppt/notesSlides/notesSlide11.xml><?xml version="1.0" encoding="utf-8"?>
+<p:notes xmlns:a="http://schemas.openxmlformats.org/drawingml/2006/main" xmlns:r="http://schemas.openxmlformats.org/officeDocument/2006/relationships" xmlns:p="http://schemas.openxmlformats.org/presentationml/2006/main">
+  <p:cSld>
+    <p:spTree>
+      <p:nvGrpSpPr>
+        <p:cNvPr id="1" name=""/>
+        <p:cNvGrpSpPr/>
+        <p:nvPr/>
+      </p:nvGrpSpPr>
+      <p:grpSpPr>
+        <a:xfrm>
+          <a:off x="0" y="0"/>
+          <a:ext cx="0" cy="0"/>
+          <a:chOff x="0" y="0"/>
+          <a:chExt cx="0" cy="0"/>
+        </a:xfrm>
+      </p:grpSpPr>
+      <p:sp>
+        <p:nvSpPr>
+          <p:cNvPr id="2" name="Slide Image Placeholder 1"/>
+          <p:cNvSpPr>
+            <a:spLocks noGrp="1" noRot="1" noChangeAspect="1"/>
+          </p:cNvSpPr>
+          <p:nvPr>
+            <p:ph type="sldImg"/>
+          </p:nvPr>
+        </p:nvSpPr>
+        <p:spPr/>
+      </p:sp>
+      <p:sp>
+        <p:nvSpPr>
+          <p:cNvPr id="3" name="Notes Placeholder 2"/>
+          <p:cNvSpPr>
+            <a:spLocks noGrp="1"/>
+          </p:cNvSpPr>
+          <p:nvPr>
+            <p:ph type="body" idx="1"/>
+          </p:nvPr>
+        </p:nvSpPr>
+        <p:spPr/>
+        <p:txBody>
+          <a:bodyPr/>
+          <a:lstStyle/>
+          <a:p>
+            <a:r>
+              <a:rPr lang="en-US" dirty="0"/>
+              <a:t>Past performance and sample size were overwhelmingly the most important features</a:t>
+            </a:r>
+          </a:p>
+          <a:p>
+            <a:r>
+              <a:rPr lang="en-US" dirty="0"/>
+              <a:t>Final performance: .62 F-statistic, .63 R-squared.</a:t>
+            </a:r>
+          </a:p>
+        </p:txBody>
+      </p:sp>
+      <p:sp>
+        <p:nvSpPr>
+          <p:cNvPr id="4" name="Slide Number Placeholder 3"/>
+          <p:cNvSpPr>
+            <a:spLocks noGrp="1"/>
+          </p:cNvSpPr>
+          <p:nvPr>
+            <p:ph type="sldNum" sz="quarter" idx="5"/>
+          </p:nvPr>
+        </p:nvSpPr>
+        <p:spPr/>
+        <p:txBody>
+          <a:bodyPr/>
+          <a:lstStyle/>
+          <a:p>
+            <a:fld id="{54159333-01F3-4AD9-9B71-223C76B8075A}" type="slidenum">
+              <a:rPr lang="en-US" smtClean="0"/>
+              <a:t>14</a:t>
+            </a:fld>
+            <a:endParaRPr lang="en-US"/>
+          </a:p>
+        </p:txBody>
+      </p:sp>
+    </p:spTree>
+    <p:extLst>
+      <p:ext uri="{BB962C8B-B14F-4D97-AF65-F5344CB8AC3E}">
+        <p14:creationId xmlns:p14="http://schemas.microsoft.com/office/powerpoint/2010/main" val="1569776325"/>
+      </p:ext>
+    </p:extLst>
+  </p:cSld>
+  <p:clrMapOvr>
+    <a:masterClrMapping/>
+  </p:clrMapOvr>
+</p:notes>
+</file>
+
+<file path=ppt/notesSlides/notesSlide12.xml><?xml version="1.0" encoding="utf-8"?>
+<p:notes xmlns:a="http://schemas.openxmlformats.org/drawingml/2006/main" xmlns:r="http://schemas.openxmlformats.org/officeDocument/2006/relationships" xmlns:p="http://schemas.openxmlformats.org/presentationml/2006/main">
+  <p:cSld>
+    <p:spTree>
+      <p:nvGrpSpPr>
+        <p:cNvPr id="1" name=""/>
+        <p:cNvGrpSpPr/>
+        <p:nvPr/>
+      </p:nvGrpSpPr>
+      <p:grpSpPr>
+        <a:xfrm>
+          <a:off x="0" y="0"/>
+          <a:ext cx="0" cy="0"/>
+          <a:chOff x="0" y="0"/>
+          <a:chExt cx="0" cy="0"/>
+        </a:xfrm>
+      </p:grpSpPr>
+      <p:sp>
+        <p:nvSpPr>
+          <p:cNvPr id="2" name="Slide Image Placeholder 1"/>
+          <p:cNvSpPr>
+            <a:spLocks noGrp="1" noRot="1" noChangeAspect="1"/>
+          </p:cNvSpPr>
+          <p:nvPr>
+            <p:ph type="sldImg"/>
+          </p:nvPr>
+        </p:nvSpPr>
+        <p:spPr/>
+      </p:sp>
+      <p:sp>
+        <p:nvSpPr>
+          <p:cNvPr id="3" name="Notes Placeholder 2"/>
+          <p:cNvSpPr>
+            <a:spLocks noGrp="1"/>
+          </p:cNvSpPr>
+          <p:nvPr>
+            <p:ph type="body" idx="1"/>
+          </p:nvPr>
+        </p:nvSpPr>
+        <p:spPr/>
+        <p:txBody>
+          <a:bodyPr/>
+          <a:lstStyle/>
+          <a:p>
+            <a:r>
+              <a:rPr lang="en-US" dirty="0"/>
+              <a:t>Final accuracy: ~.18 R-squared.</a:t>
+            </a:r>
+          </a:p>
+        </p:txBody>
+      </p:sp>
+      <p:sp>
+        <p:nvSpPr>
+          <p:cNvPr id="4" name="Slide Number Placeholder 3"/>
+          <p:cNvSpPr>
+            <a:spLocks noGrp="1"/>
+          </p:cNvSpPr>
+          <p:nvPr>
+            <p:ph type="sldNum" sz="quarter" idx="5"/>
+          </p:nvPr>
+        </p:nvSpPr>
+        <p:spPr/>
+        <p:txBody>
+          <a:bodyPr/>
+          <a:lstStyle/>
+          <a:p>
+            <a:fld id="{54159333-01F3-4AD9-9B71-223C76B8075A}" type="slidenum">
+              <a:rPr lang="en-US" smtClean="0"/>
+              <a:t>15</a:t>
+            </a:fld>
+            <a:endParaRPr lang="en-US"/>
+          </a:p>
+        </p:txBody>
+      </p:sp>
+    </p:spTree>
+    <p:extLst>
+      <p:ext uri="{BB962C8B-B14F-4D97-AF65-F5344CB8AC3E}">
+        <p14:creationId xmlns:p14="http://schemas.microsoft.com/office/powerpoint/2010/main" val="364236474"/>
+      </p:ext>
+    </p:extLst>
+  </p:cSld>
+  <p:clrMapOvr>
+    <a:masterClrMapping/>
+  </p:clrMapOvr>
+</p:notes>
+</file>
+
 <file path=ppt/notesSlides/notesSlide2.xml><?xml version="1.0" encoding="utf-8"?>
 <p:notes xmlns:a="http://schemas.openxmlformats.org/drawingml/2006/main" xmlns:r="http://schemas.openxmlformats.org/officeDocument/2006/relationships" xmlns:p="http://schemas.openxmlformats.org/presentationml/2006/main">
   <p:cSld>
@@ -985,13 +1263,7 @@
           <a:p>
             <a:r>
               <a:rPr lang="en-US" dirty="0"/>
-              <a:t>This is all the data, 1998-2018, sorted by sample size against bias and error ( | bias | ).</a:t>
-            </a:r>
-          </a:p>
-          <a:p>
-            <a:r>
-              <a:rPr lang="en-US" dirty="0"/>
-              <a:t>I’ve omitted two massive outliers that projected a 0-100 sweep incorrectly.</a:t>
+              <a:t>We can see that sample size and poll distance confound each other. I’ve had some luck running sample size as a binary classifier at the 25 day mark.</a:t>
             </a:r>
           </a:p>
         </p:txBody>
@@ -1077,18 +1349,8 @@
           <a:lstStyle/>
           <a:p>
             <a:r>
-              <a:rPr lang="en-US" dirty="0" err="1"/>
-              <a:t>standard_partisan</a:t>
-            </a:r>
-            <a:r>
               <a:rPr lang="en-US" dirty="0"/>
-              <a:t> races only</a:t>
-            </a:r>
-          </a:p>
-          <a:p>
-            <a:r>
-              <a:rPr lang="en-US" dirty="0"/>
-              <a:t>Partisan races are more accurately called than non-partisan ones</a:t>
+              <a:t>Location adds very little to the model – confounding variables</a:t>
             </a:r>
           </a:p>
         </p:txBody>
@@ -1110,7 +1372,7 @@
           <a:p>
             <a:fld id="{54159333-01F3-4AD9-9B71-223C76B8075A}" type="slidenum">
               <a:rPr lang="en-US" smtClean="0"/>
-              <a:t>8</a:t>
+              <a:t>10</a:t>
             </a:fld>
             <a:endParaRPr lang="en-US"/>
           </a:p>
@@ -1119,7 +1381,193 @@
     </p:spTree>
     <p:extLst>
       <p:ext uri="{BB962C8B-B14F-4D97-AF65-F5344CB8AC3E}">
-        <p14:creationId xmlns:p14="http://schemas.microsoft.com/office/powerpoint/2010/main" val="1862491684"/>
+        <p14:creationId xmlns:p14="http://schemas.microsoft.com/office/powerpoint/2010/main" val="165629126"/>
+      </p:ext>
+    </p:extLst>
+  </p:cSld>
+  <p:clrMapOvr>
+    <a:masterClrMapping/>
+  </p:clrMapOvr>
+</p:notes>
+</file>
+
+<file path=ppt/notesSlides/notesSlide8.xml><?xml version="1.0" encoding="utf-8"?>
+<p:notes xmlns:a="http://schemas.openxmlformats.org/drawingml/2006/main" xmlns:r="http://schemas.openxmlformats.org/officeDocument/2006/relationships" xmlns:p="http://schemas.openxmlformats.org/presentationml/2006/main">
+  <p:cSld>
+    <p:spTree>
+      <p:nvGrpSpPr>
+        <p:cNvPr id="1" name=""/>
+        <p:cNvGrpSpPr/>
+        <p:nvPr/>
+      </p:nvGrpSpPr>
+      <p:grpSpPr>
+        <a:xfrm>
+          <a:off x="0" y="0"/>
+          <a:ext cx="0" cy="0"/>
+          <a:chOff x="0" y="0"/>
+          <a:chExt cx="0" cy="0"/>
+        </a:xfrm>
+      </p:grpSpPr>
+      <p:sp>
+        <p:nvSpPr>
+          <p:cNvPr id="2" name="Slide Image Placeholder 1"/>
+          <p:cNvSpPr>
+            <a:spLocks noGrp="1" noRot="1" noChangeAspect="1"/>
+          </p:cNvSpPr>
+          <p:nvPr>
+            <p:ph type="sldImg"/>
+          </p:nvPr>
+        </p:nvSpPr>
+        <p:spPr/>
+      </p:sp>
+      <p:sp>
+        <p:nvSpPr>
+          <p:cNvPr id="3" name="Notes Placeholder 2"/>
+          <p:cNvSpPr>
+            <a:spLocks noGrp="1"/>
+          </p:cNvSpPr>
+          <p:nvPr>
+            <p:ph type="body" idx="1"/>
+          </p:nvPr>
+        </p:nvSpPr>
+        <p:spPr/>
+        <p:txBody>
+          <a:bodyPr/>
+          <a:lstStyle/>
+          <a:p>
+            <a:r>
+              <a:rPr lang="en-US" dirty="0"/>
+              <a:t>Error, sample size correlation.</a:t>
+            </a:r>
+          </a:p>
+          <a:p>
+            <a:r>
+              <a:rPr lang="en-US" dirty="0"/>
+              <a:t>In this picture, bin size is 50</a:t>
+            </a:r>
+          </a:p>
+        </p:txBody>
+      </p:sp>
+      <p:sp>
+        <p:nvSpPr>
+          <p:cNvPr id="4" name="Slide Number Placeholder 3"/>
+          <p:cNvSpPr>
+            <a:spLocks noGrp="1"/>
+          </p:cNvSpPr>
+          <p:nvPr>
+            <p:ph type="sldNum" sz="quarter" idx="5"/>
+          </p:nvPr>
+        </p:nvSpPr>
+        <p:spPr/>
+        <p:txBody>
+          <a:bodyPr/>
+          <a:lstStyle/>
+          <a:p>
+            <a:fld id="{54159333-01F3-4AD9-9B71-223C76B8075A}" type="slidenum">
+              <a:rPr lang="en-US" smtClean="0"/>
+              <a:t>11</a:t>
+            </a:fld>
+            <a:endParaRPr lang="en-US"/>
+          </a:p>
+        </p:txBody>
+      </p:sp>
+    </p:spTree>
+    <p:extLst>
+      <p:ext uri="{BB962C8B-B14F-4D97-AF65-F5344CB8AC3E}">
+        <p14:creationId xmlns:p14="http://schemas.microsoft.com/office/powerpoint/2010/main" val="2993477084"/>
+      </p:ext>
+    </p:extLst>
+  </p:cSld>
+  <p:clrMapOvr>
+    <a:masterClrMapping/>
+  </p:clrMapOvr>
+</p:notes>
+</file>
+
+<file path=ppt/notesSlides/notesSlide9.xml><?xml version="1.0" encoding="utf-8"?>
+<p:notes xmlns:a="http://schemas.openxmlformats.org/drawingml/2006/main" xmlns:r="http://schemas.openxmlformats.org/officeDocument/2006/relationships" xmlns:p="http://schemas.openxmlformats.org/presentationml/2006/main">
+  <p:cSld>
+    <p:spTree>
+      <p:nvGrpSpPr>
+        <p:cNvPr id="1" name=""/>
+        <p:cNvGrpSpPr/>
+        <p:nvPr/>
+      </p:nvGrpSpPr>
+      <p:grpSpPr>
+        <a:xfrm>
+          <a:off x="0" y="0"/>
+          <a:ext cx="0" cy="0"/>
+          <a:chOff x="0" y="0"/>
+          <a:chExt cx="0" cy="0"/>
+        </a:xfrm>
+      </p:grpSpPr>
+      <p:sp>
+        <p:nvSpPr>
+          <p:cNvPr id="2" name="Slide Image Placeholder 1"/>
+          <p:cNvSpPr>
+            <a:spLocks noGrp="1" noRot="1" noChangeAspect="1"/>
+          </p:cNvSpPr>
+          <p:nvPr>
+            <p:ph type="sldImg"/>
+          </p:nvPr>
+        </p:nvSpPr>
+        <p:spPr/>
+      </p:sp>
+      <p:sp>
+        <p:nvSpPr>
+          <p:cNvPr id="3" name="Notes Placeholder 2"/>
+          <p:cNvSpPr>
+            <a:spLocks noGrp="1"/>
+          </p:cNvSpPr>
+          <p:nvPr>
+            <p:ph type="body" idx="1"/>
+          </p:nvPr>
+        </p:nvSpPr>
+        <p:spPr/>
+        <p:txBody>
+          <a:bodyPr/>
+          <a:lstStyle/>
+          <a:p>
+            <a:r>
+              <a:rPr lang="en-US" dirty="0"/>
+              <a:t>Predicting log of maximum error works well: the residuals are well distributed. The linear relationship only holds to ~4000 people.</a:t>
+            </a:r>
+          </a:p>
+          <a:p>
+            <a:r>
+              <a:rPr lang="en-US" dirty="0"/>
+              <a:t>We can hold R-squared to .85  and get an f-statistic of ~500</a:t>
+            </a:r>
+          </a:p>
+        </p:txBody>
+      </p:sp>
+      <p:sp>
+        <p:nvSpPr>
+          <p:cNvPr id="4" name="Slide Number Placeholder 3"/>
+          <p:cNvSpPr>
+            <a:spLocks noGrp="1"/>
+          </p:cNvSpPr>
+          <p:nvPr>
+            <p:ph type="sldNum" sz="quarter" idx="5"/>
+          </p:nvPr>
+        </p:nvSpPr>
+        <p:spPr/>
+        <p:txBody>
+          <a:bodyPr/>
+          <a:lstStyle/>
+          <a:p>
+            <a:fld id="{54159333-01F3-4AD9-9B71-223C76B8075A}" type="slidenum">
+              <a:rPr lang="en-US" smtClean="0"/>
+              <a:t>12</a:t>
+            </a:fld>
+            <a:endParaRPr lang="en-US"/>
+          </a:p>
+        </p:txBody>
+      </p:sp>
+    </p:spTree>
+    <p:extLst>
+      <p:ext uri="{BB962C8B-B14F-4D97-AF65-F5344CB8AC3E}">
+        <p14:creationId xmlns:p14="http://schemas.microsoft.com/office/powerpoint/2010/main" val="3624957236"/>
       </p:ext>
     </p:extLst>
   </p:cSld>
@@ -1276,7 +1724,7 @@
           <a:p>
             <a:fld id="{8F1E76A4-08D0-4840-9552-A7A08FB3C11F}" type="datetimeFigureOut">
               <a:rPr lang="en-US" smtClean="0"/>
-              <a:t>3/3/2020</a:t>
+              <a:t>4/24/2020</a:t>
             </a:fld>
             <a:endParaRPr lang="en-US"/>
           </a:p>
@@ -1474,7 +1922,7 @@
           <a:p>
             <a:fld id="{8F1E76A4-08D0-4840-9552-A7A08FB3C11F}" type="datetimeFigureOut">
               <a:rPr lang="en-US" smtClean="0"/>
-              <a:t>3/3/2020</a:t>
+              <a:t>4/24/2020</a:t>
             </a:fld>
             <a:endParaRPr lang="en-US"/>
           </a:p>
@@ -1682,7 +2130,7 @@
           <a:p>
             <a:fld id="{8F1E76A4-08D0-4840-9552-A7A08FB3C11F}" type="datetimeFigureOut">
               <a:rPr lang="en-US" smtClean="0"/>
-              <a:t>3/3/2020</a:t>
+              <a:t>4/24/2020</a:t>
             </a:fld>
             <a:endParaRPr lang="en-US"/>
           </a:p>
@@ -1880,7 +2328,7 @@
           <a:p>
             <a:fld id="{8F1E76A4-08D0-4840-9552-A7A08FB3C11F}" type="datetimeFigureOut">
               <a:rPr lang="en-US" smtClean="0"/>
-              <a:t>3/3/2020</a:t>
+              <a:t>4/24/2020</a:t>
             </a:fld>
             <a:endParaRPr lang="en-US"/>
           </a:p>
@@ -2155,7 +2603,7 @@
           <a:p>
             <a:fld id="{8F1E76A4-08D0-4840-9552-A7A08FB3C11F}" type="datetimeFigureOut">
               <a:rPr lang="en-US" smtClean="0"/>
-              <a:t>3/3/2020</a:t>
+              <a:t>4/24/2020</a:t>
             </a:fld>
             <a:endParaRPr lang="en-US"/>
           </a:p>
@@ -2420,7 +2868,7 @@
           <a:p>
             <a:fld id="{8F1E76A4-08D0-4840-9552-A7A08FB3C11F}" type="datetimeFigureOut">
               <a:rPr lang="en-US" smtClean="0"/>
-              <a:t>3/3/2020</a:t>
+              <a:t>4/24/2020</a:t>
             </a:fld>
             <a:endParaRPr lang="en-US"/>
           </a:p>
@@ -2832,7 +3280,7 @@
           <a:p>
             <a:fld id="{8F1E76A4-08D0-4840-9552-A7A08FB3C11F}" type="datetimeFigureOut">
               <a:rPr lang="en-US" smtClean="0"/>
-              <a:t>3/3/2020</a:t>
+              <a:t>4/24/2020</a:t>
             </a:fld>
             <a:endParaRPr lang="en-US"/>
           </a:p>
@@ -2973,7 +3421,7 @@
           <a:p>
             <a:fld id="{8F1E76A4-08D0-4840-9552-A7A08FB3C11F}" type="datetimeFigureOut">
               <a:rPr lang="en-US" smtClean="0"/>
-              <a:t>3/3/2020</a:t>
+              <a:t>4/24/2020</a:t>
             </a:fld>
             <a:endParaRPr lang="en-US"/>
           </a:p>
@@ -3086,7 +3534,7 @@
           <a:p>
             <a:fld id="{8F1E76A4-08D0-4840-9552-A7A08FB3C11F}" type="datetimeFigureOut">
               <a:rPr lang="en-US" smtClean="0"/>
-              <a:t>3/3/2020</a:t>
+              <a:t>4/24/2020</a:t>
             </a:fld>
             <a:endParaRPr lang="en-US"/>
           </a:p>
@@ -3397,7 +3845,7 @@
           <a:p>
             <a:fld id="{8F1E76A4-08D0-4840-9552-A7A08FB3C11F}" type="datetimeFigureOut">
               <a:rPr lang="en-US" smtClean="0"/>
-              <a:t>3/3/2020</a:t>
+              <a:t>4/24/2020</a:t>
             </a:fld>
             <a:endParaRPr lang="en-US"/>
           </a:p>
@@ -3685,7 +4133,7 @@
           <a:p>
             <a:fld id="{8F1E76A4-08D0-4840-9552-A7A08FB3C11F}" type="datetimeFigureOut">
               <a:rPr lang="en-US" smtClean="0"/>
-              <a:t>3/3/2020</a:t>
+              <a:t>4/24/2020</a:t>
             </a:fld>
             <a:endParaRPr lang="en-US"/>
           </a:p>
@@ -3926,7 +4374,7 @@
           <a:p>
             <a:fld id="{8F1E76A4-08D0-4840-9552-A7A08FB3C11F}" type="datetimeFigureOut">
               <a:rPr lang="en-US" smtClean="0"/>
-              <a:t>3/3/2020</a:t>
+              <a:t>4/24/2020</a:t>
             </a:fld>
             <a:endParaRPr lang="en-US"/>
           </a:p>
@@ -4437,7 +4885,7 @@
           <p:cNvPr id="2" name="Title 1">
             <a:extLst>
               <a:ext uri="{FF2B5EF4-FFF2-40B4-BE49-F238E27FC236}">
-                <a16:creationId xmlns:a16="http://schemas.microsoft.com/office/drawing/2014/main" id="{40E4620A-201C-496B-B7D1-2FFE5094D1E9}"/>
+                <a16:creationId xmlns:a16="http://schemas.microsoft.com/office/drawing/2014/main" id="{7AA01FF5-AE4E-4F14-B20D-13BDBC1936D9}"/>
               </a:ext>
             </a:extLst>
           </p:cNvPr>
@@ -4455,67 +4903,29 @@
           <a:p>
             <a:r>
               <a:rPr lang="en-US" dirty="0"/>
-              <a:t>Pollster identity</a:t>
-            </a:r>
-          </a:p>
-        </p:txBody>
-      </p:sp>
-      <p:sp>
-        <p:nvSpPr>
-          <p:cNvPr id="3" name="Content Placeholder 2">
-            <a:extLst>
-              <a:ext uri="{FF2B5EF4-FFF2-40B4-BE49-F238E27FC236}">
-                <a16:creationId xmlns:a16="http://schemas.microsoft.com/office/drawing/2014/main" id="{486717F2-91FA-445A-9AE3-BD6D53499E6F}"/>
-              </a:ext>
-            </a:extLst>
-          </p:cNvPr>
-          <p:cNvSpPr>
-            <a:spLocks noGrp="1"/>
-          </p:cNvSpPr>
-          <p:nvPr>
-            <p:ph idx="1"/>
-          </p:nvPr>
-        </p:nvSpPr>
-        <p:spPr/>
-        <p:txBody>
-          <a:bodyPr/>
-          <a:lstStyle/>
-          <a:p>
-            <a:r>
-              <a:rPr lang="en-US" dirty="0"/>
-              <a:t>359 pollsters with multiple, partisan polls</a:t>
-            </a:r>
-          </a:p>
-          <a:p>
-            <a:r>
-              <a:rPr lang="en-US" dirty="0"/>
-              <a:t>Only around 6% of pollsters have a standard deviation of bias &gt; 10</a:t>
-            </a:r>
-          </a:p>
-          <a:p>
-            <a:r>
-              <a:rPr lang="en-US" dirty="0"/>
-              <a:t>Only 1% have a standard deviation of error &gt; 10</a:t>
+              <a:t>Location</a:t>
             </a:r>
           </a:p>
         </p:txBody>
       </p:sp>
       <p:pic>
         <p:nvPicPr>
-          <p:cNvPr id="5" name="Picture 4">
-            <a:extLst>
-              <a:ext uri="{FF2B5EF4-FFF2-40B4-BE49-F238E27FC236}">
-                <a16:creationId xmlns:a16="http://schemas.microsoft.com/office/drawing/2014/main" id="{3C19EECA-26DF-4741-97D4-225A4D2E6351}"/>
+          <p:cNvPr id="5" name="Content Placeholder 4">
+            <a:extLst>
+              <a:ext uri="{FF2B5EF4-FFF2-40B4-BE49-F238E27FC236}">
+                <a16:creationId xmlns:a16="http://schemas.microsoft.com/office/drawing/2014/main" id="{30D0E324-DE7B-4D2D-9162-616B35FE88E3}"/>
               </a:ext>
             </a:extLst>
           </p:cNvPr>
           <p:cNvPicPr>
-            <a:picLocks noChangeAspect="1"/>
+            <a:picLocks noGrp="1" noChangeAspect="1"/>
           </p:cNvPicPr>
-          <p:nvPr/>
+          <p:nvPr>
+            <p:ph idx="1"/>
+          </p:nvPr>
         </p:nvPicPr>
         <p:blipFill>
-          <a:blip r:embed="rId2">
+          <a:blip r:embed="rId3">
             <a:extLst>
               <a:ext uri="{28A0092B-C50C-407E-A947-70E740481C1C}">
                 <a14:useLocalDpi xmlns:a14="http://schemas.microsoft.com/office/drawing/2010/main" val="0"/>
@@ -4528,12 +4938,9 @@
         </p:blipFill>
         <p:spPr>
           <a:xfrm>
-            <a:off x="241880" y="3429000"/>
-            <a:ext cx="5071800" cy="2966524"/>
+            <a:off x="6096000" y="2454083"/>
+            <a:ext cx="4522538" cy="4351338"/>
           </a:xfrm>
-          <a:prstGeom prst="rect">
-            <a:avLst/>
-          </a:prstGeom>
         </p:spPr>
       </p:pic>
       <p:pic>
@@ -4541,7 +4948,7 @@
           <p:cNvPr id="7" name="Picture 6">
             <a:extLst>
               <a:ext uri="{FF2B5EF4-FFF2-40B4-BE49-F238E27FC236}">
-                <a16:creationId xmlns:a16="http://schemas.microsoft.com/office/drawing/2014/main" id="{B6BF85A7-7986-4773-861E-AF23849B7062}"/>
+                <a16:creationId xmlns:a16="http://schemas.microsoft.com/office/drawing/2014/main" id="{FC444937-8FBC-4D17-BC3E-C07944FD2168}"/>
               </a:ext>
             </a:extLst>
           </p:cNvPr>
@@ -4551,7 +4958,7 @@
           <p:nvPr/>
         </p:nvPicPr>
         <p:blipFill>
-          <a:blip r:embed="rId3">
+          <a:blip r:embed="rId4">
             <a:extLst>
               <a:ext uri="{28A0092B-C50C-407E-A947-70E740481C1C}">
                 <a14:useLocalDpi xmlns:a14="http://schemas.microsoft.com/office/drawing/2010/main" val="0"/>
@@ -4564,24 +4971,193 @@
         </p:blipFill>
         <p:spPr>
           <a:xfrm>
-            <a:off x="6199527" y="3425512"/>
-            <a:ext cx="4661513" cy="3067363"/>
+            <a:off x="1244600" y="2454083"/>
+            <a:ext cx="4434840" cy="4266960"/>
           </a:xfrm>
           <a:prstGeom prst="rect">
             <a:avLst/>
           </a:prstGeom>
         </p:spPr>
       </p:pic>
+      <p:sp>
+        <p:nvSpPr>
+          <p:cNvPr id="3" name="TextBox 2">
+            <a:extLst>
+              <a:ext uri="{FF2B5EF4-FFF2-40B4-BE49-F238E27FC236}">
+                <a16:creationId xmlns:a16="http://schemas.microsoft.com/office/drawing/2014/main" id="{53880A28-811C-4BF9-8397-932225348F6F}"/>
+              </a:ext>
+            </a:extLst>
+          </p:cNvPr>
+          <p:cNvSpPr txBox="1"/>
+          <p:nvPr/>
+        </p:nvSpPr>
+        <p:spPr>
+          <a:xfrm>
+            <a:off x="838200" y="1690688"/>
+            <a:ext cx="10774680" cy="830997"/>
+          </a:xfrm>
+          <a:prstGeom prst="rect">
+            <a:avLst/>
+          </a:prstGeom>
+          <a:noFill/>
+        </p:spPr>
+        <p:txBody>
+          <a:bodyPr wrap="square" rtlCol="0">
+            <a:spAutoFit/>
+          </a:bodyPr>
+          <a:lstStyle/>
+          <a:p>
+            <a:pPr marL="285750" indent="-285750">
+              <a:buFont typeface="Arial" panose="020B0604020202020204" pitchFamily="34" charset="0"/>
+              <a:buChar char="•"/>
+            </a:pPr>
+            <a:r>
+              <a:rPr lang="en-US" sz="2400" dirty="0"/>
+              <a:t>Some states are much more accurate than others</a:t>
+            </a:r>
+          </a:p>
+          <a:p>
+            <a:pPr marL="285750" indent="-285750">
+              <a:buFont typeface="Arial" panose="020B0604020202020204" pitchFamily="34" charset="0"/>
+              <a:buChar char="•"/>
+            </a:pPr>
+            <a:r>
+              <a:rPr lang="en-US" sz="2400" dirty="0"/>
+              <a:t>Bias varies widely</a:t>
+            </a:r>
+          </a:p>
+        </p:txBody>
+      </p:sp>
     </p:spTree>
     <p:extLst>
       <p:ext uri="{BB962C8B-B14F-4D97-AF65-F5344CB8AC3E}">
-        <p14:creationId xmlns:p14="http://schemas.microsoft.com/office/powerpoint/2010/main" val="179199502"/>
+        <p14:creationId xmlns:p14="http://schemas.microsoft.com/office/powerpoint/2010/main" val="3758400780"/>
       </p:ext>
     </p:extLst>
   </p:cSld>
   <p:clrMapOvr>
     <a:masterClrMapping/>
   </p:clrMapOvr>
+  <p:timing>
+    <p:tnLst>
+      <p:par>
+        <p:cTn id="1" dur="indefinite" restart="never" nodeType="tmRoot">
+          <p:childTnLst>
+            <p:seq concurrent="1" nextAc="seek">
+              <p:cTn id="2" dur="indefinite" nodeType="mainSeq">
+                <p:childTnLst>
+                  <p:par>
+                    <p:cTn id="3" fill="hold">
+                      <p:stCondLst>
+                        <p:cond delay="indefinite"/>
+                      </p:stCondLst>
+                      <p:childTnLst>
+                        <p:par>
+                          <p:cTn id="4" fill="hold">
+                            <p:stCondLst>
+                              <p:cond delay="0"/>
+                            </p:stCondLst>
+                            <p:childTnLst>
+                              <p:par>
+                                <p:cTn id="5" presetID="1" presetClass="entr" presetSubtype="0" fill="hold" nodeType="clickEffect">
+                                  <p:stCondLst>
+                                    <p:cond delay="0"/>
+                                  </p:stCondLst>
+                                  <p:childTnLst>
+                                    <p:set>
+                                      <p:cBhvr>
+                                        <p:cTn id="6" dur="1" fill="hold">
+                                          <p:stCondLst>
+                                            <p:cond delay="0"/>
+                                          </p:stCondLst>
+                                        </p:cTn>
+                                        <p:tgtEl>
+                                          <p:spTgt spid="7"/>
+                                        </p:tgtEl>
+                                        <p:attrNameLst>
+                                          <p:attrName>style.visibility</p:attrName>
+                                        </p:attrNameLst>
+                                      </p:cBhvr>
+                                      <p:to>
+                                        <p:strVal val="visible"/>
+                                      </p:to>
+                                    </p:set>
+                                  </p:childTnLst>
+                                </p:cTn>
+                              </p:par>
+                            </p:childTnLst>
+                          </p:cTn>
+                        </p:par>
+                      </p:childTnLst>
+                    </p:cTn>
+                  </p:par>
+                  <p:par>
+                    <p:cTn id="7" fill="hold">
+                      <p:stCondLst>
+                        <p:cond delay="indefinite"/>
+                      </p:stCondLst>
+                      <p:childTnLst>
+                        <p:par>
+                          <p:cTn id="8" fill="hold">
+                            <p:stCondLst>
+                              <p:cond delay="0"/>
+                            </p:stCondLst>
+                            <p:childTnLst>
+                              <p:par>
+                                <p:cTn id="9" presetID="1" presetClass="entr" presetSubtype="0" fill="hold" nodeType="clickEffect">
+                                  <p:stCondLst>
+                                    <p:cond delay="0"/>
+                                  </p:stCondLst>
+                                  <p:childTnLst>
+                                    <p:set>
+                                      <p:cBhvr>
+                                        <p:cTn id="10" dur="1" fill="hold">
+                                          <p:stCondLst>
+                                            <p:cond delay="0"/>
+                                          </p:stCondLst>
+                                        </p:cTn>
+                                        <p:tgtEl>
+                                          <p:spTgt spid="5"/>
+                                        </p:tgtEl>
+                                        <p:attrNameLst>
+                                          <p:attrName>style.visibility</p:attrName>
+                                        </p:attrNameLst>
+                                      </p:cBhvr>
+                                      <p:to>
+                                        <p:strVal val="visible"/>
+                                      </p:to>
+                                    </p:set>
+                                  </p:childTnLst>
+                                </p:cTn>
+                              </p:par>
+                            </p:childTnLst>
+                          </p:cTn>
+                        </p:par>
+                      </p:childTnLst>
+                    </p:cTn>
+                  </p:par>
+                </p:childTnLst>
+              </p:cTn>
+              <p:prevCondLst>
+                <p:cond evt="onPrev" delay="0">
+                  <p:tgtEl>
+                    <p:sldTgt/>
+                  </p:tgtEl>
+                </p:cond>
+              </p:prevCondLst>
+              <p:nextCondLst>
+                <p:cond evt="onNext" delay="0">
+                  <p:tgtEl>
+                    <p:sldTgt/>
+                  </p:tgtEl>
+                </p:cond>
+              </p:nextCondLst>
+            </p:seq>
+          </p:childTnLst>
+        </p:cTn>
+      </p:par>
+    </p:tnLst>
+  </p:timing>
 </p:sld>
 </file>
 
@@ -4607,7 +5183,7 @@
           <p:cNvPr id="2" name="Title 1">
             <a:extLst>
               <a:ext uri="{FF2B5EF4-FFF2-40B4-BE49-F238E27FC236}">
-                <a16:creationId xmlns:a16="http://schemas.microsoft.com/office/drawing/2014/main" id="{703DFA6F-E5DE-4782-92B0-8F1594BDBDF5}"/>
+                <a16:creationId xmlns:a16="http://schemas.microsoft.com/office/drawing/2014/main" id="{4BA0BD45-B2BB-4150-8E3D-8A1C2537F9C1}"/>
               </a:ext>
             </a:extLst>
           </p:cNvPr>
@@ -4625,17 +5201,76 @@
           <a:p>
             <a:r>
               <a:rPr lang="en-US" dirty="0"/>
-              <a:t>Why is this the result?</a:t>
+              <a:t>Model 1: Linear Regression</a:t>
+            </a:r>
+          </a:p>
+        </p:txBody>
+      </p:sp>
+      <p:sp>
+        <p:nvSpPr>
+          <p:cNvPr id="10" name="TextBox 9">
+            <a:extLst>
+              <a:ext uri="{FF2B5EF4-FFF2-40B4-BE49-F238E27FC236}">
+                <a16:creationId xmlns:a16="http://schemas.microsoft.com/office/drawing/2014/main" id="{1EE6A7E0-3EBC-427D-A4FB-CD83720F1B65}"/>
+              </a:ext>
+            </a:extLst>
+          </p:cNvPr>
+          <p:cNvSpPr txBox="1"/>
+          <p:nvPr/>
+        </p:nvSpPr>
+        <p:spPr>
+          <a:xfrm>
+            <a:off x="670560" y="1690688"/>
+            <a:ext cx="11054080" cy="1384995"/>
+          </a:xfrm>
+          <a:prstGeom prst="rect">
+            <a:avLst/>
+          </a:prstGeom>
+          <a:noFill/>
+        </p:spPr>
+        <p:txBody>
+          <a:bodyPr wrap="square" rtlCol="0">
+            <a:spAutoFit/>
+          </a:bodyPr>
+          <a:lstStyle/>
+          <a:p>
+            <a:pPr marL="457200" indent="-457200">
+              <a:buFont typeface="Arial" panose="020B0604020202020204" pitchFamily="34" charset="0"/>
+              <a:buChar char="•"/>
+            </a:pPr>
+            <a:r>
+              <a:rPr lang="en-US" sz="2800" dirty="0"/>
+              <a:t>Straightforward to set up</a:t>
+            </a:r>
+          </a:p>
+          <a:p>
+            <a:pPr marL="457200" indent="-457200">
+              <a:buFont typeface="Arial" panose="020B0604020202020204" pitchFamily="34" charset="0"/>
+              <a:buChar char="•"/>
+            </a:pPr>
+            <a:r>
+              <a:rPr lang="en-US" sz="2800" dirty="0"/>
+              <a:t>Run with bins to find maximum error</a:t>
+            </a:r>
+          </a:p>
+          <a:p>
+            <a:pPr marL="457200" indent="-457200">
+              <a:buFont typeface="Arial" panose="020B0604020202020204" pitchFamily="34" charset="0"/>
+              <a:buChar char="•"/>
+            </a:pPr>
+            <a:r>
+              <a:rPr lang="en-US" sz="2800" dirty="0"/>
+              <a:t>Can struggle to capture complex relationships</a:t>
             </a:r>
           </a:p>
         </p:txBody>
       </p:sp>
       <p:pic>
         <p:nvPicPr>
-          <p:cNvPr id="5" name="Content Placeholder 4">
-            <a:extLst>
-              <a:ext uri="{FF2B5EF4-FFF2-40B4-BE49-F238E27FC236}">
-                <a16:creationId xmlns:a16="http://schemas.microsoft.com/office/drawing/2014/main" id="{17838C89-15F1-43AE-AA70-D10C09B79E67}"/>
+          <p:cNvPr id="14" name="Content Placeholder 13">
+            <a:extLst>
+              <a:ext uri="{FF2B5EF4-FFF2-40B4-BE49-F238E27FC236}">
+                <a16:creationId xmlns:a16="http://schemas.microsoft.com/office/drawing/2014/main" id="{10C8032F-5F4F-41A7-B4AA-9FB4A42EAA34}"/>
               </a:ext>
             </a:extLst>
           </p:cNvPr>
@@ -4647,7 +5282,7 @@
           </p:nvPr>
         </p:nvPicPr>
         <p:blipFill>
-          <a:blip r:embed="rId2">
+          <a:blip r:embed="rId3">
             <a:extLst>
               <a:ext uri="{28A0092B-C50C-407E-A947-70E740481C1C}">
                 <a14:useLocalDpi xmlns:a14="http://schemas.microsoft.com/office/drawing/2010/main" val="0"/>
@@ -4660,17 +5295,17 @@
         </p:blipFill>
         <p:spPr>
           <a:xfrm>
-            <a:off x="429973" y="2247040"/>
-            <a:ext cx="4890614" cy="3366267"/>
+            <a:off x="8734820" y="1472582"/>
+            <a:ext cx="3074276" cy="2193780"/>
           </a:xfrm>
         </p:spPr>
       </p:pic>
       <p:pic>
         <p:nvPicPr>
-          <p:cNvPr id="7" name="Picture 6">
-            <a:extLst>
-              <a:ext uri="{FF2B5EF4-FFF2-40B4-BE49-F238E27FC236}">
-                <a16:creationId xmlns:a16="http://schemas.microsoft.com/office/drawing/2014/main" id="{B7361087-F26F-411D-B08A-E1549453E6B9}"/>
+          <p:cNvPr id="16" name="Picture 15">
+            <a:extLst>
+              <a:ext uri="{FF2B5EF4-FFF2-40B4-BE49-F238E27FC236}">
+                <a16:creationId xmlns:a16="http://schemas.microsoft.com/office/drawing/2014/main" id="{7B87D5C6-91E3-4250-9902-FCB5D80C5CC9}"/>
               </a:ext>
             </a:extLst>
           </p:cNvPr>
@@ -4680,7 +5315,7 @@
           <p:nvPr/>
         </p:nvPicPr>
         <p:blipFill>
-          <a:blip r:embed="rId3">
+          <a:blip r:embed="rId4">
             <a:extLst>
               <a:ext uri="{28A0092B-C50C-407E-A947-70E740481C1C}">
                 <a14:useLocalDpi xmlns:a14="http://schemas.microsoft.com/office/drawing/2010/main" val="0"/>
@@ -4693,8 +5328,44 @@
         </p:blipFill>
         <p:spPr>
           <a:xfrm>
-            <a:off x="6096000" y="2247039"/>
-            <a:ext cx="4966832" cy="3366267"/>
+            <a:off x="1920240" y="3146803"/>
+            <a:ext cx="4852506" cy="3531405"/>
+          </a:xfrm>
+          <a:prstGeom prst="rect">
+            <a:avLst/>
+          </a:prstGeom>
+        </p:spPr>
+      </p:pic>
+      <p:pic>
+        <p:nvPicPr>
+          <p:cNvPr id="18" name="Picture 17">
+            <a:extLst>
+              <a:ext uri="{FF2B5EF4-FFF2-40B4-BE49-F238E27FC236}">
+                <a16:creationId xmlns:a16="http://schemas.microsoft.com/office/drawing/2014/main" id="{10848ED7-B5FE-473C-AADB-0F865EC8704A}"/>
+              </a:ext>
+            </a:extLst>
+          </p:cNvPr>
+          <p:cNvPicPr>
+            <a:picLocks noChangeAspect="1"/>
+          </p:cNvPicPr>
+          <p:nvPr/>
+        </p:nvPicPr>
+        <p:blipFill>
+          <a:blip r:embed="rId5">
+            <a:extLst>
+              <a:ext uri="{28A0092B-C50C-407E-A947-70E740481C1C}">
+                <a14:useLocalDpi xmlns:a14="http://schemas.microsoft.com/office/drawing/2010/main" val="0"/>
+              </a:ext>
+            </a:extLst>
+          </a:blip>
+          <a:stretch>
+            <a:fillRect/>
+          </a:stretch>
+        </p:blipFill>
+        <p:spPr>
+          <a:xfrm>
+            <a:off x="8734820" y="4142827"/>
+            <a:ext cx="3074276" cy="2350048"/>
           </a:xfrm>
           <a:prstGeom prst="rect">
             <a:avLst/>
@@ -4704,13 +5375,325 @@
     </p:spTree>
     <p:extLst>
       <p:ext uri="{BB962C8B-B14F-4D97-AF65-F5344CB8AC3E}">
-        <p14:creationId xmlns:p14="http://schemas.microsoft.com/office/powerpoint/2010/main" val="455050008"/>
+        <p14:creationId xmlns:p14="http://schemas.microsoft.com/office/powerpoint/2010/main" val="656512027"/>
       </p:ext>
     </p:extLst>
   </p:cSld>
   <p:clrMapOvr>
     <a:masterClrMapping/>
   </p:clrMapOvr>
+  <p:timing>
+    <p:tnLst>
+      <p:par>
+        <p:cTn id="1" dur="indefinite" restart="never" nodeType="tmRoot">
+          <p:childTnLst>
+            <p:seq concurrent="1" nextAc="seek">
+              <p:cTn id="2" dur="indefinite" nodeType="mainSeq">
+                <p:childTnLst>
+                  <p:par>
+                    <p:cTn id="3" fill="hold">
+                      <p:stCondLst>
+                        <p:cond delay="indefinite"/>
+                      </p:stCondLst>
+                      <p:childTnLst>
+                        <p:par>
+                          <p:cTn id="4" fill="hold">
+                            <p:stCondLst>
+                              <p:cond delay="0"/>
+                            </p:stCondLst>
+                            <p:childTnLst>
+                              <p:par>
+                                <p:cTn id="5" presetID="1" presetClass="entr" presetSubtype="0" fill="hold" nodeType="clickEffect">
+                                  <p:stCondLst>
+                                    <p:cond delay="0"/>
+                                  </p:stCondLst>
+                                  <p:childTnLst>
+                                    <p:set>
+                                      <p:cBhvr>
+                                        <p:cTn id="6" dur="1" fill="hold">
+                                          <p:stCondLst>
+                                            <p:cond delay="0"/>
+                                          </p:stCondLst>
+                                        </p:cTn>
+                                        <p:tgtEl>
+                                          <p:spTgt spid="10">
+                                            <p:txEl>
+                                              <p:pRg st="0" end="0"/>
+                                            </p:txEl>
+                                          </p:spTgt>
+                                        </p:tgtEl>
+                                        <p:attrNameLst>
+                                          <p:attrName>style.visibility</p:attrName>
+                                        </p:attrNameLst>
+                                      </p:cBhvr>
+                                      <p:to>
+                                        <p:strVal val="visible"/>
+                                      </p:to>
+                                    </p:set>
+                                  </p:childTnLst>
+                                </p:cTn>
+                              </p:par>
+                            </p:childTnLst>
+                          </p:cTn>
+                        </p:par>
+                      </p:childTnLst>
+                    </p:cTn>
+                  </p:par>
+                  <p:par>
+                    <p:cTn id="7" fill="hold">
+                      <p:stCondLst>
+                        <p:cond delay="indefinite"/>
+                      </p:stCondLst>
+                      <p:childTnLst>
+                        <p:par>
+                          <p:cTn id="8" fill="hold">
+                            <p:stCondLst>
+                              <p:cond delay="0"/>
+                            </p:stCondLst>
+                            <p:childTnLst>
+                              <p:par>
+                                <p:cTn id="9" presetID="1" presetClass="entr" presetSubtype="0" fill="hold" nodeType="clickEffect">
+                                  <p:stCondLst>
+                                    <p:cond delay="0"/>
+                                  </p:stCondLst>
+                                  <p:childTnLst>
+                                    <p:set>
+                                      <p:cBhvr>
+                                        <p:cTn id="10" dur="1" fill="hold">
+                                          <p:stCondLst>
+                                            <p:cond delay="0"/>
+                                          </p:stCondLst>
+                                        </p:cTn>
+                                        <p:tgtEl>
+                                          <p:spTgt spid="10">
+                                            <p:txEl>
+                                              <p:pRg st="1" end="1"/>
+                                            </p:txEl>
+                                          </p:spTgt>
+                                        </p:tgtEl>
+                                        <p:attrNameLst>
+                                          <p:attrName>style.visibility</p:attrName>
+                                        </p:attrNameLst>
+                                      </p:cBhvr>
+                                      <p:to>
+                                        <p:strVal val="visible"/>
+                                      </p:to>
+                                    </p:set>
+                                  </p:childTnLst>
+                                </p:cTn>
+                              </p:par>
+                            </p:childTnLst>
+                          </p:cTn>
+                        </p:par>
+                      </p:childTnLst>
+                    </p:cTn>
+                  </p:par>
+                  <p:par>
+                    <p:cTn id="11" fill="hold">
+                      <p:stCondLst>
+                        <p:cond delay="indefinite"/>
+                      </p:stCondLst>
+                      <p:childTnLst>
+                        <p:par>
+                          <p:cTn id="12" fill="hold">
+                            <p:stCondLst>
+                              <p:cond delay="0"/>
+                            </p:stCondLst>
+                            <p:childTnLst>
+                              <p:par>
+                                <p:cTn id="13" presetID="1" presetClass="entr" presetSubtype="0" fill="hold" nodeType="clickEffect">
+                                  <p:stCondLst>
+                                    <p:cond delay="0"/>
+                                  </p:stCondLst>
+                                  <p:childTnLst>
+                                    <p:set>
+                                      <p:cBhvr>
+                                        <p:cTn id="14" dur="1" fill="hold">
+                                          <p:stCondLst>
+                                            <p:cond delay="0"/>
+                                          </p:stCondLst>
+                                        </p:cTn>
+                                        <p:tgtEl>
+                                          <p:spTgt spid="10">
+                                            <p:txEl>
+                                              <p:pRg st="2" end="2"/>
+                                            </p:txEl>
+                                          </p:spTgt>
+                                        </p:tgtEl>
+                                        <p:attrNameLst>
+                                          <p:attrName>style.visibility</p:attrName>
+                                        </p:attrNameLst>
+                                      </p:cBhvr>
+                                      <p:to>
+                                        <p:strVal val="visible"/>
+                                      </p:to>
+                                    </p:set>
+                                  </p:childTnLst>
+                                </p:cTn>
+                              </p:par>
+                            </p:childTnLst>
+                          </p:cTn>
+                        </p:par>
+                      </p:childTnLst>
+                    </p:cTn>
+                  </p:par>
+                  <p:par>
+                    <p:cTn id="15" fill="hold">
+                      <p:stCondLst>
+                        <p:cond delay="indefinite"/>
+                      </p:stCondLst>
+                      <p:childTnLst>
+                        <p:par>
+                          <p:cTn id="16" fill="hold">
+                            <p:stCondLst>
+                              <p:cond delay="0"/>
+                            </p:stCondLst>
+                            <p:childTnLst>
+                              <p:par>
+                                <p:cTn id="17" presetID="1" presetClass="entr" presetSubtype="0" fill="hold" nodeType="clickEffect">
+                                  <p:stCondLst>
+                                    <p:cond delay="0"/>
+                                  </p:stCondLst>
+                                  <p:childTnLst>
+                                    <p:set>
+                                      <p:cBhvr>
+                                        <p:cTn id="18" dur="1" fill="hold">
+                                          <p:stCondLst>
+                                            <p:cond delay="0"/>
+                                          </p:stCondLst>
+                                        </p:cTn>
+                                        <p:tgtEl>
+                                          <p:spTgt spid="16"/>
+                                        </p:tgtEl>
+                                        <p:attrNameLst>
+                                          <p:attrName>style.visibility</p:attrName>
+                                        </p:attrNameLst>
+                                      </p:cBhvr>
+                                      <p:to>
+                                        <p:strVal val="visible"/>
+                                      </p:to>
+                                    </p:set>
+                                  </p:childTnLst>
+                                </p:cTn>
+                              </p:par>
+                            </p:childTnLst>
+                          </p:cTn>
+                        </p:par>
+                      </p:childTnLst>
+                    </p:cTn>
+                  </p:par>
+                  <p:par>
+                    <p:cTn id="19" fill="hold">
+                      <p:stCondLst>
+                        <p:cond delay="indefinite"/>
+                      </p:stCondLst>
+                      <p:childTnLst>
+                        <p:par>
+                          <p:cTn id="20" fill="hold">
+                            <p:stCondLst>
+                              <p:cond delay="0"/>
+                            </p:stCondLst>
+                            <p:childTnLst>
+                              <p:par>
+                                <p:cTn id="21" presetID="1" presetClass="entr" presetSubtype="0" fill="hold" nodeType="clickEffect">
+                                  <p:stCondLst>
+                                    <p:cond delay="0"/>
+                                  </p:stCondLst>
+                                  <p:childTnLst>
+                                    <p:set>
+                                      <p:cBhvr>
+                                        <p:cTn id="22" dur="1" fill="hold">
+                                          <p:stCondLst>
+                                            <p:cond delay="0"/>
+                                          </p:stCondLst>
+                                        </p:cTn>
+                                        <p:tgtEl>
+                                          <p:spTgt spid="14"/>
+                                        </p:tgtEl>
+                                        <p:attrNameLst>
+                                          <p:attrName>style.visibility</p:attrName>
+                                        </p:attrNameLst>
+                                      </p:cBhvr>
+                                      <p:to>
+                                        <p:strVal val="visible"/>
+                                      </p:to>
+                                    </p:set>
+                                  </p:childTnLst>
+                                </p:cTn>
+                              </p:par>
+                            </p:childTnLst>
+                          </p:cTn>
+                        </p:par>
+                      </p:childTnLst>
+                    </p:cTn>
+                  </p:par>
+                  <p:par>
+                    <p:cTn id="23" fill="hold">
+                      <p:stCondLst>
+                        <p:cond delay="indefinite"/>
+                      </p:stCondLst>
+                      <p:childTnLst>
+                        <p:par>
+                          <p:cTn id="24" fill="hold">
+                            <p:stCondLst>
+                              <p:cond delay="0"/>
+                            </p:stCondLst>
+                            <p:childTnLst>
+                              <p:par>
+                                <p:cTn id="25" presetID="1" presetClass="entr" presetSubtype="0" fill="hold" nodeType="clickEffect">
+                                  <p:stCondLst>
+                                    <p:cond delay="0"/>
+                                  </p:stCondLst>
+                                  <p:childTnLst>
+                                    <p:set>
+                                      <p:cBhvr>
+                                        <p:cTn id="26" dur="1" fill="hold">
+                                          <p:stCondLst>
+                                            <p:cond delay="0"/>
+                                          </p:stCondLst>
+                                        </p:cTn>
+                                        <p:tgtEl>
+                                          <p:spTgt spid="18"/>
+                                        </p:tgtEl>
+                                        <p:attrNameLst>
+                                          <p:attrName>style.visibility</p:attrName>
+                                        </p:attrNameLst>
+                                      </p:cBhvr>
+                                      <p:to>
+                                        <p:strVal val="visible"/>
+                                      </p:to>
+                                    </p:set>
+                                  </p:childTnLst>
+                                </p:cTn>
+                              </p:par>
+                            </p:childTnLst>
+                          </p:cTn>
+                        </p:par>
+                      </p:childTnLst>
+                    </p:cTn>
+                  </p:par>
+                </p:childTnLst>
+              </p:cTn>
+              <p:prevCondLst>
+                <p:cond evt="onPrev" delay="0">
+                  <p:tgtEl>
+                    <p:sldTgt/>
+                  </p:tgtEl>
+                </p:cond>
+              </p:prevCondLst>
+              <p:nextCondLst>
+                <p:cond evt="onNext" delay="0">
+                  <p:tgtEl>
+                    <p:sldTgt/>
+                  </p:tgtEl>
+                </p:cond>
+              </p:nextCondLst>
+            </p:seq>
+          </p:childTnLst>
+        </p:cTn>
+      </p:par>
+    </p:tnLst>
+  </p:timing>
 </p:sld>
 </file>
 
@@ -4736,7 +5719,7 @@
           <p:cNvPr id="2" name="Title 1">
             <a:extLst>
               <a:ext uri="{FF2B5EF4-FFF2-40B4-BE49-F238E27FC236}">
-                <a16:creationId xmlns:a16="http://schemas.microsoft.com/office/drawing/2014/main" id="{3AD44BA0-BC96-49AE-A69D-ED0ADA024E7A}"/>
+                <a16:creationId xmlns:a16="http://schemas.microsoft.com/office/drawing/2014/main" id="{B598B758-E3B7-4980-9700-E584662E3E20}"/>
               </a:ext>
             </a:extLst>
           </p:cNvPr>
@@ -4754,17 +5737,17 @@
           <a:p>
             <a:r>
               <a:rPr lang="en-US" dirty="0"/>
-              <a:t>Mapping options</a:t>
+              <a:t>Performance</a:t>
             </a:r>
           </a:p>
         </p:txBody>
       </p:sp>
       <p:pic>
         <p:nvPicPr>
-          <p:cNvPr id="5" name="Content Placeholder 4">
-            <a:extLst>
-              <a:ext uri="{FF2B5EF4-FFF2-40B4-BE49-F238E27FC236}">
-                <a16:creationId xmlns:a16="http://schemas.microsoft.com/office/drawing/2014/main" id="{53AEC8B2-8777-4483-A8CB-65FDC18CF32A}"/>
+          <p:cNvPr id="15" name="Content Placeholder 14">
+            <a:extLst>
+              <a:ext uri="{FF2B5EF4-FFF2-40B4-BE49-F238E27FC236}">
+                <a16:creationId xmlns:a16="http://schemas.microsoft.com/office/drawing/2014/main" id="{F4938AD9-726D-4FF7-8DC6-89316688BD8C}"/>
               </a:ext>
             </a:extLst>
           </p:cNvPr>
@@ -4776,7 +5759,7 @@
           </p:nvPr>
         </p:nvPicPr>
         <p:blipFill>
-          <a:blip r:embed="rId2">
+          <a:blip r:embed="rId3">
             <a:extLst>
               <a:ext uri="{28A0092B-C50C-407E-A947-70E740481C1C}">
                 <a14:useLocalDpi xmlns:a14="http://schemas.microsoft.com/office/drawing/2010/main" val="0"/>
@@ -4789,17 +5772,17 @@
         </p:blipFill>
         <p:spPr>
           <a:xfrm>
-            <a:off x="0" y="1893463"/>
-            <a:ext cx="5823754" cy="3492198"/>
+            <a:off x="410998" y="2802660"/>
+            <a:ext cx="5175585" cy="3690215"/>
           </a:xfrm>
         </p:spPr>
       </p:pic>
       <p:pic>
         <p:nvPicPr>
-          <p:cNvPr id="7" name="Picture 6">
-            <a:extLst>
-              <a:ext uri="{FF2B5EF4-FFF2-40B4-BE49-F238E27FC236}">
-                <a16:creationId xmlns:a16="http://schemas.microsoft.com/office/drawing/2014/main" id="{6C9DE294-4C83-4D77-BD7C-CFD0C7231687}"/>
+          <p:cNvPr id="17" name="Picture 16">
+            <a:extLst>
+              <a:ext uri="{FF2B5EF4-FFF2-40B4-BE49-F238E27FC236}">
+                <a16:creationId xmlns:a16="http://schemas.microsoft.com/office/drawing/2014/main" id="{EDAA2903-992D-4E2E-9E7A-1E0B0F5375E7}"/>
               </a:ext>
             </a:extLst>
           </p:cNvPr>
@@ -4809,7 +5792,7 @@
           <p:nvPr/>
         </p:nvPicPr>
         <p:blipFill>
-          <a:blip r:embed="rId3">
+          <a:blip r:embed="rId4">
             <a:extLst>
               <a:ext uri="{28A0092B-C50C-407E-A947-70E740481C1C}">
                 <a14:useLocalDpi xmlns:a14="http://schemas.microsoft.com/office/drawing/2010/main" val="0"/>
@@ -4822,24 +5805,193 @@
         </p:blipFill>
         <p:spPr>
           <a:xfrm>
-            <a:off x="6096000" y="1432559"/>
-            <a:ext cx="5485859" cy="4414007"/>
+            <a:off x="6268720" y="2802660"/>
+            <a:ext cx="5196136" cy="3755389"/>
           </a:xfrm>
           <a:prstGeom prst="rect">
             <a:avLst/>
           </a:prstGeom>
         </p:spPr>
       </p:pic>
+      <p:sp>
+        <p:nvSpPr>
+          <p:cNvPr id="3" name="TextBox 2">
+            <a:extLst>
+              <a:ext uri="{FF2B5EF4-FFF2-40B4-BE49-F238E27FC236}">
+                <a16:creationId xmlns:a16="http://schemas.microsoft.com/office/drawing/2014/main" id="{89ABEBE8-CFF2-43A3-9A1C-37E48038A2A3}"/>
+              </a:ext>
+            </a:extLst>
+          </p:cNvPr>
+          <p:cNvSpPr txBox="1"/>
+          <p:nvPr/>
+        </p:nvSpPr>
+        <p:spPr>
+          <a:xfrm>
+            <a:off x="838200" y="1690688"/>
+            <a:ext cx="10896600" cy="830997"/>
+          </a:xfrm>
+          <a:prstGeom prst="rect">
+            <a:avLst/>
+          </a:prstGeom>
+          <a:noFill/>
+        </p:spPr>
+        <p:txBody>
+          <a:bodyPr wrap="square" rtlCol="0">
+            <a:spAutoFit/>
+          </a:bodyPr>
+          <a:lstStyle/>
+          <a:p>
+            <a:pPr marL="285750" indent="-285750">
+              <a:buFont typeface="Arial" panose="020B0604020202020204" pitchFamily="34" charset="0"/>
+              <a:buChar char="•"/>
+            </a:pPr>
+            <a:r>
+              <a:rPr lang="en-US" sz="2400" dirty="0"/>
+              <a:t>At R-squared of .85, F-statistic ~ 500, bin size ~25</a:t>
+            </a:r>
+          </a:p>
+          <a:p>
+            <a:pPr marL="285750" indent="-285750">
+              <a:buFont typeface="Arial" panose="020B0604020202020204" pitchFamily="34" charset="0"/>
+              <a:buChar char="•"/>
+            </a:pPr>
+            <a:r>
+              <a:rPr lang="en-US" sz="2400" dirty="0"/>
+              <a:t>Can predict max error from sample size</a:t>
+            </a:r>
+          </a:p>
+        </p:txBody>
+      </p:sp>
     </p:spTree>
     <p:extLst>
       <p:ext uri="{BB962C8B-B14F-4D97-AF65-F5344CB8AC3E}">
-        <p14:creationId xmlns:p14="http://schemas.microsoft.com/office/powerpoint/2010/main" val="2412023290"/>
+        <p14:creationId xmlns:p14="http://schemas.microsoft.com/office/powerpoint/2010/main" val="2554688518"/>
       </p:ext>
     </p:extLst>
   </p:cSld>
   <p:clrMapOvr>
     <a:masterClrMapping/>
   </p:clrMapOvr>
+  <p:timing>
+    <p:tnLst>
+      <p:par>
+        <p:cTn id="1" dur="indefinite" restart="never" nodeType="tmRoot">
+          <p:childTnLst>
+            <p:seq concurrent="1" nextAc="seek">
+              <p:cTn id="2" dur="indefinite" nodeType="mainSeq">
+                <p:childTnLst>
+                  <p:par>
+                    <p:cTn id="3" fill="hold">
+                      <p:stCondLst>
+                        <p:cond delay="indefinite"/>
+                      </p:stCondLst>
+                      <p:childTnLst>
+                        <p:par>
+                          <p:cTn id="4" fill="hold">
+                            <p:stCondLst>
+                              <p:cond delay="0"/>
+                            </p:stCondLst>
+                            <p:childTnLst>
+                              <p:par>
+                                <p:cTn id="5" presetID="1" presetClass="entr" presetSubtype="0" fill="hold" nodeType="clickEffect">
+                                  <p:stCondLst>
+                                    <p:cond delay="0"/>
+                                  </p:stCondLst>
+                                  <p:childTnLst>
+                                    <p:set>
+                                      <p:cBhvr>
+                                        <p:cTn id="6" dur="1" fill="hold">
+                                          <p:stCondLst>
+                                            <p:cond delay="0"/>
+                                          </p:stCondLst>
+                                        </p:cTn>
+                                        <p:tgtEl>
+                                          <p:spTgt spid="15"/>
+                                        </p:tgtEl>
+                                        <p:attrNameLst>
+                                          <p:attrName>style.visibility</p:attrName>
+                                        </p:attrNameLst>
+                                      </p:cBhvr>
+                                      <p:to>
+                                        <p:strVal val="visible"/>
+                                      </p:to>
+                                    </p:set>
+                                  </p:childTnLst>
+                                </p:cTn>
+                              </p:par>
+                            </p:childTnLst>
+                          </p:cTn>
+                        </p:par>
+                      </p:childTnLst>
+                    </p:cTn>
+                  </p:par>
+                  <p:par>
+                    <p:cTn id="7" fill="hold">
+                      <p:stCondLst>
+                        <p:cond delay="indefinite"/>
+                      </p:stCondLst>
+                      <p:childTnLst>
+                        <p:par>
+                          <p:cTn id="8" fill="hold">
+                            <p:stCondLst>
+                              <p:cond delay="0"/>
+                            </p:stCondLst>
+                            <p:childTnLst>
+                              <p:par>
+                                <p:cTn id="9" presetID="1" presetClass="entr" presetSubtype="0" fill="hold" nodeType="clickEffect">
+                                  <p:stCondLst>
+                                    <p:cond delay="0"/>
+                                  </p:stCondLst>
+                                  <p:childTnLst>
+                                    <p:set>
+                                      <p:cBhvr>
+                                        <p:cTn id="10" dur="1" fill="hold">
+                                          <p:stCondLst>
+                                            <p:cond delay="0"/>
+                                          </p:stCondLst>
+                                        </p:cTn>
+                                        <p:tgtEl>
+                                          <p:spTgt spid="17"/>
+                                        </p:tgtEl>
+                                        <p:attrNameLst>
+                                          <p:attrName>style.visibility</p:attrName>
+                                        </p:attrNameLst>
+                                      </p:cBhvr>
+                                      <p:to>
+                                        <p:strVal val="visible"/>
+                                      </p:to>
+                                    </p:set>
+                                  </p:childTnLst>
+                                </p:cTn>
+                              </p:par>
+                            </p:childTnLst>
+                          </p:cTn>
+                        </p:par>
+                      </p:childTnLst>
+                    </p:cTn>
+                  </p:par>
+                </p:childTnLst>
+              </p:cTn>
+              <p:prevCondLst>
+                <p:cond evt="onPrev" delay="0">
+                  <p:tgtEl>
+                    <p:sldTgt/>
+                  </p:tgtEl>
+                </p:cond>
+              </p:prevCondLst>
+              <p:nextCondLst>
+                <p:cond evt="onNext" delay="0">
+                  <p:tgtEl>
+                    <p:sldTgt/>
+                  </p:tgtEl>
+                </p:cond>
+              </p:nextCondLst>
+            </p:seq>
+          </p:childTnLst>
+        </p:cTn>
+      </p:par>
+    </p:tnLst>
+  </p:timing>
 </p:sld>
 </file>
 
@@ -4865,7 +6017,7 @@
           <p:cNvPr id="2" name="Title 1">
             <a:extLst>
               <a:ext uri="{FF2B5EF4-FFF2-40B4-BE49-F238E27FC236}">
-                <a16:creationId xmlns:a16="http://schemas.microsoft.com/office/drawing/2014/main" id="{F964AFC6-B7C8-4E47-91C1-4B08001030DD}"/>
+                <a16:creationId xmlns:a16="http://schemas.microsoft.com/office/drawing/2014/main" id="{1965741F-ECFB-4B29-AEE6-15862393F0A0}"/>
               </a:ext>
             </a:extLst>
           </p:cNvPr>
@@ -4883,175 +6035,377 @@
           <a:p>
             <a:r>
               <a:rPr lang="en-US" dirty="0"/>
-              <a:t>Meaningful correlations</a:t>
+              <a:t>Model 2: Random Forest Classifiers</a:t>
+            </a:r>
+          </a:p>
+        </p:txBody>
+      </p:sp>
+      <p:sp>
+        <p:nvSpPr>
+          <p:cNvPr id="3" name="Content Placeholder 2">
+            <a:extLst>
+              <a:ext uri="{FF2B5EF4-FFF2-40B4-BE49-F238E27FC236}">
+                <a16:creationId xmlns:a16="http://schemas.microsoft.com/office/drawing/2014/main" id="{FD7EC973-C6A1-4D4C-B893-2CB35FAD467B}"/>
+              </a:ext>
+            </a:extLst>
+          </p:cNvPr>
+          <p:cNvSpPr>
+            <a:spLocks noGrp="1"/>
+          </p:cNvSpPr>
+          <p:nvPr>
+            <p:ph idx="1"/>
+          </p:nvPr>
+        </p:nvSpPr>
+        <p:spPr/>
+        <p:txBody>
+          <a:bodyPr/>
+          <a:lstStyle/>
+          <a:p>
+            <a:r>
+              <a:rPr lang="en-US" dirty="0"/>
+              <a:t>Classification models: better with even data</a:t>
+            </a:r>
+          </a:p>
+          <a:p>
+            <a:r>
+              <a:rPr lang="en-US" dirty="0"/>
+              <a:t>Gini, entropy classifiers</a:t>
+            </a:r>
+          </a:p>
+          <a:p>
+            <a:r>
+              <a:rPr lang="en-US" dirty="0"/>
+              <a:t>Prone to overfit if allowed to grow freely</a:t>
+            </a:r>
+          </a:p>
+          <a:p>
+            <a:r>
+              <a:rPr lang="en-US" dirty="0"/>
+              <a:t>Classifier: Within 4% of correct result or not?</a:t>
             </a:r>
           </a:p>
         </p:txBody>
       </p:sp>
       <p:pic>
         <p:nvPicPr>
-          <p:cNvPr id="4" name="Picture 3">
-            <a:extLst>
-              <a:ext uri="{FF2B5EF4-FFF2-40B4-BE49-F238E27FC236}">
-                <a16:creationId xmlns:a16="http://schemas.microsoft.com/office/drawing/2014/main" id="{4AC31FDB-9F4F-4957-A0D2-5E9E904552FC}"/>
-              </a:ext>
-            </a:extLst>
-          </p:cNvPr>
-          <p:cNvPicPr/>
+          <p:cNvPr id="7" name="Picture 6">
+            <a:extLst>
+              <a:ext uri="{FF2B5EF4-FFF2-40B4-BE49-F238E27FC236}">
+                <a16:creationId xmlns:a16="http://schemas.microsoft.com/office/drawing/2014/main" id="{9386539C-4D99-42A6-98F9-E54712FD4EF8}"/>
+              </a:ext>
+            </a:extLst>
+          </p:cNvPr>
+          <p:cNvPicPr>
+            <a:picLocks noChangeAspect="1"/>
+          </p:cNvPicPr>
           <p:nvPr/>
         </p:nvPicPr>
-        <p:blipFill rotWithShape="1">
-          <a:blip r:embed="rId2">
+        <p:blipFill>
+          <a:blip r:embed="rId3">
             <a:extLst>
               <a:ext uri="{28A0092B-C50C-407E-A947-70E740481C1C}">
                 <a14:useLocalDpi xmlns:a14="http://schemas.microsoft.com/office/drawing/2010/main" val="0"/>
               </a:ext>
             </a:extLst>
           </a:blip>
-          <a:srcRect r="42488" b="42488"/>
-          <a:stretch/>
+          <a:stretch>
+            <a:fillRect/>
+          </a:stretch>
         </p:blipFill>
         <p:spPr>
           <a:xfrm>
-            <a:off x="838200" y="1825625"/>
-            <a:ext cx="4193223" cy="4208462"/>
+            <a:off x="0" y="4001294"/>
+            <a:ext cx="12192000" cy="2392535"/>
           </a:xfrm>
           <a:prstGeom prst="rect">
             <a:avLst/>
           </a:prstGeom>
         </p:spPr>
       </p:pic>
-      <p:pic>
-        <p:nvPicPr>
-          <p:cNvPr id="5" name="Content Placeholder 4">
-            <a:extLst>
-              <a:ext uri="{FF2B5EF4-FFF2-40B4-BE49-F238E27FC236}">
-                <a16:creationId xmlns:a16="http://schemas.microsoft.com/office/drawing/2014/main" id="{60F2EA0D-C47B-4134-A7A0-8203FE461E9E}"/>
-              </a:ext>
-            </a:extLst>
-          </p:cNvPr>
-          <p:cNvPicPr>
-            <a:picLocks noGrp="1"/>
-          </p:cNvPicPr>
-          <p:nvPr>
-            <p:ph idx="1"/>
-          </p:nvPr>
-        </p:nvPicPr>
-        <p:blipFill>
-          <a:blip r:embed="rId3">
-            <a:extLst>
-              <a:ext uri="{28A0092B-C50C-407E-A947-70E740481C1C}">
-                <a14:useLocalDpi xmlns:a14="http://schemas.microsoft.com/office/drawing/2010/main" val="0"/>
-              </a:ext>
-            </a:extLst>
-          </a:blip>
-          <a:srcRect/>
-          <a:stretch>
-            <a:fillRect/>
-          </a:stretch>
-        </p:blipFill>
-        <p:spPr bwMode="auto">
-          <a:xfrm>
-            <a:off x="6441837" y="1271905"/>
-            <a:ext cx="3658710" cy="2840990"/>
-          </a:xfrm>
-          <a:prstGeom prst="rect">
-            <a:avLst/>
-          </a:prstGeom>
-          <a:noFill/>
-          <a:ln>
-            <a:noFill/>
-          </a:ln>
-        </p:spPr>
-      </p:pic>
-      <p:pic>
-        <p:nvPicPr>
-          <p:cNvPr id="6" name="Picture 5">
-            <a:extLst>
-              <a:ext uri="{FF2B5EF4-FFF2-40B4-BE49-F238E27FC236}">
-                <a16:creationId xmlns:a16="http://schemas.microsoft.com/office/drawing/2014/main" id="{A1377F6F-ECAC-4CE3-AFDF-2C52B44CDD41}"/>
-              </a:ext>
-            </a:extLst>
-          </p:cNvPr>
-          <p:cNvPicPr/>
-          <p:nvPr/>
-        </p:nvPicPr>
-        <p:blipFill>
-          <a:blip r:embed="rId4">
-            <a:extLst>
-              <a:ext uri="{28A0092B-C50C-407E-A947-70E740481C1C}">
-                <a14:useLocalDpi xmlns:a14="http://schemas.microsoft.com/office/drawing/2010/main" val="0"/>
-              </a:ext>
-            </a:extLst>
-          </a:blip>
-          <a:srcRect/>
-          <a:stretch>
-            <a:fillRect/>
-          </a:stretch>
-        </p:blipFill>
-        <p:spPr bwMode="auto">
-          <a:xfrm>
-            <a:off x="5423217" y="4165600"/>
-            <a:ext cx="3000375" cy="2173605"/>
-          </a:xfrm>
-          <a:prstGeom prst="rect">
-            <a:avLst/>
-          </a:prstGeom>
-          <a:noFill/>
-          <a:ln>
-            <a:noFill/>
-          </a:ln>
-        </p:spPr>
-      </p:pic>
-      <p:pic>
-        <p:nvPicPr>
-          <p:cNvPr id="7" name="Picture 6">
-            <a:extLst>
-              <a:ext uri="{FF2B5EF4-FFF2-40B4-BE49-F238E27FC236}">
-                <a16:creationId xmlns:a16="http://schemas.microsoft.com/office/drawing/2014/main" id="{DCF3567B-B5EA-4076-9644-C05AB39700DD}"/>
-              </a:ext>
-            </a:extLst>
-          </p:cNvPr>
-          <p:cNvPicPr/>
-          <p:nvPr/>
-        </p:nvPicPr>
-        <p:blipFill>
-          <a:blip r:embed="rId5">
-            <a:extLst>
-              <a:ext uri="{28A0092B-C50C-407E-A947-70E740481C1C}">
-                <a14:useLocalDpi xmlns:a14="http://schemas.microsoft.com/office/drawing/2010/main" val="0"/>
-              </a:ext>
-            </a:extLst>
-          </a:blip>
-          <a:srcRect/>
-          <a:stretch>
-            <a:fillRect/>
-          </a:stretch>
-        </p:blipFill>
-        <p:spPr bwMode="auto">
-          <a:xfrm>
-            <a:off x="8600359" y="4165600"/>
-            <a:ext cx="3000375" cy="2173605"/>
-          </a:xfrm>
-          <a:prstGeom prst="rect">
-            <a:avLst/>
-          </a:prstGeom>
-          <a:noFill/>
-          <a:ln>
-            <a:noFill/>
-          </a:ln>
-        </p:spPr>
-      </p:pic>
     </p:spTree>
     <p:extLst>
       <p:ext uri="{BB962C8B-B14F-4D97-AF65-F5344CB8AC3E}">
-        <p14:creationId xmlns:p14="http://schemas.microsoft.com/office/powerpoint/2010/main" val="1586444958"/>
+        <p14:creationId xmlns:p14="http://schemas.microsoft.com/office/powerpoint/2010/main" val="186290781"/>
       </p:ext>
     </p:extLst>
   </p:cSld>
   <p:clrMapOvr>
     <a:masterClrMapping/>
   </p:clrMapOvr>
+  <p:timing>
+    <p:tnLst>
+      <p:par>
+        <p:cTn id="1" dur="indefinite" restart="never" nodeType="tmRoot">
+          <p:childTnLst>
+            <p:seq concurrent="1" nextAc="seek">
+              <p:cTn id="2" dur="indefinite" nodeType="mainSeq">
+                <p:childTnLst>
+                  <p:par>
+                    <p:cTn id="3" fill="hold">
+                      <p:stCondLst>
+                        <p:cond delay="indefinite"/>
+                      </p:stCondLst>
+                      <p:childTnLst>
+                        <p:par>
+                          <p:cTn id="4" fill="hold">
+                            <p:stCondLst>
+                              <p:cond delay="0"/>
+                            </p:stCondLst>
+                            <p:childTnLst>
+                              <p:par>
+                                <p:cTn id="5" presetID="1" presetClass="entr" presetSubtype="0" fill="hold" grpId="0" nodeType="clickEffect">
+                                  <p:stCondLst>
+                                    <p:cond delay="0"/>
+                                  </p:stCondLst>
+                                  <p:childTnLst>
+                                    <p:set>
+                                      <p:cBhvr>
+                                        <p:cTn id="6" dur="1" fill="hold">
+                                          <p:stCondLst>
+                                            <p:cond delay="0"/>
+                                          </p:stCondLst>
+                                        </p:cTn>
+                                        <p:tgtEl>
+                                          <p:spTgt spid="3">
+                                            <p:txEl>
+                                              <p:pRg st="0" end="0"/>
+                                            </p:txEl>
+                                          </p:spTgt>
+                                        </p:tgtEl>
+                                        <p:attrNameLst>
+                                          <p:attrName>style.visibility</p:attrName>
+                                        </p:attrNameLst>
+                                      </p:cBhvr>
+                                      <p:to>
+                                        <p:strVal val="visible"/>
+                                      </p:to>
+                                    </p:set>
+                                  </p:childTnLst>
+                                </p:cTn>
+                              </p:par>
+                            </p:childTnLst>
+                          </p:cTn>
+                        </p:par>
+                      </p:childTnLst>
+                    </p:cTn>
+                  </p:par>
+                  <p:par>
+                    <p:cTn id="7" fill="hold">
+                      <p:stCondLst>
+                        <p:cond delay="indefinite"/>
+                      </p:stCondLst>
+                      <p:childTnLst>
+                        <p:par>
+                          <p:cTn id="8" fill="hold">
+                            <p:stCondLst>
+                              <p:cond delay="0"/>
+                            </p:stCondLst>
+                            <p:childTnLst>
+                              <p:par>
+                                <p:cTn id="9" presetID="1" presetClass="entr" presetSubtype="0" fill="hold" grpId="0" nodeType="clickEffect">
+                                  <p:stCondLst>
+                                    <p:cond delay="0"/>
+                                  </p:stCondLst>
+                                  <p:childTnLst>
+                                    <p:set>
+                                      <p:cBhvr>
+                                        <p:cTn id="10" dur="1" fill="hold">
+                                          <p:stCondLst>
+                                            <p:cond delay="0"/>
+                                          </p:stCondLst>
+                                        </p:cTn>
+                                        <p:tgtEl>
+                                          <p:spTgt spid="3">
+                                            <p:txEl>
+                                              <p:pRg st="1" end="1"/>
+                                            </p:txEl>
+                                          </p:spTgt>
+                                        </p:tgtEl>
+                                        <p:attrNameLst>
+                                          <p:attrName>style.visibility</p:attrName>
+                                        </p:attrNameLst>
+                                      </p:cBhvr>
+                                      <p:to>
+                                        <p:strVal val="visible"/>
+                                      </p:to>
+                                    </p:set>
+                                  </p:childTnLst>
+                                </p:cTn>
+                              </p:par>
+                            </p:childTnLst>
+                          </p:cTn>
+                        </p:par>
+                      </p:childTnLst>
+                    </p:cTn>
+                  </p:par>
+                  <p:par>
+                    <p:cTn id="11" fill="hold">
+                      <p:stCondLst>
+                        <p:cond delay="indefinite"/>
+                      </p:stCondLst>
+                      <p:childTnLst>
+                        <p:par>
+                          <p:cTn id="12" fill="hold">
+                            <p:stCondLst>
+                              <p:cond delay="0"/>
+                            </p:stCondLst>
+                            <p:childTnLst>
+                              <p:par>
+                                <p:cTn id="13" presetID="1" presetClass="entr" presetSubtype="0" fill="hold" grpId="0" nodeType="clickEffect">
+                                  <p:stCondLst>
+                                    <p:cond delay="0"/>
+                                  </p:stCondLst>
+                                  <p:childTnLst>
+                                    <p:set>
+                                      <p:cBhvr>
+                                        <p:cTn id="14" dur="1" fill="hold">
+                                          <p:stCondLst>
+                                            <p:cond delay="0"/>
+                                          </p:stCondLst>
+                                        </p:cTn>
+                                        <p:tgtEl>
+                                          <p:spTgt spid="3">
+                                            <p:txEl>
+                                              <p:pRg st="2" end="2"/>
+                                            </p:txEl>
+                                          </p:spTgt>
+                                        </p:tgtEl>
+                                        <p:attrNameLst>
+                                          <p:attrName>style.visibility</p:attrName>
+                                        </p:attrNameLst>
+                                      </p:cBhvr>
+                                      <p:to>
+                                        <p:strVal val="visible"/>
+                                      </p:to>
+                                    </p:set>
+                                  </p:childTnLst>
+                                </p:cTn>
+                              </p:par>
+                            </p:childTnLst>
+                          </p:cTn>
+                        </p:par>
+                      </p:childTnLst>
+                    </p:cTn>
+                  </p:par>
+                  <p:par>
+                    <p:cTn id="15" fill="hold">
+                      <p:stCondLst>
+                        <p:cond delay="indefinite"/>
+                      </p:stCondLst>
+                      <p:childTnLst>
+                        <p:par>
+                          <p:cTn id="16" fill="hold">
+                            <p:stCondLst>
+                              <p:cond delay="0"/>
+                            </p:stCondLst>
+                            <p:childTnLst>
+                              <p:par>
+                                <p:cTn id="17" presetID="1" presetClass="entr" presetSubtype="0" fill="hold" grpId="0" nodeType="clickEffect">
+                                  <p:stCondLst>
+                                    <p:cond delay="0"/>
+                                  </p:stCondLst>
+                                  <p:childTnLst>
+                                    <p:set>
+                                      <p:cBhvr>
+                                        <p:cTn id="18" dur="1" fill="hold">
+                                          <p:stCondLst>
+                                            <p:cond delay="0"/>
+                                          </p:stCondLst>
+                                        </p:cTn>
+                                        <p:tgtEl>
+                                          <p:spTgt spid="3">
+                                            <p:txEl>
+                                              <p:pRg st="3" end="3"/>
+                                            </p:txEl>
+                                          </p:spTgt>
+                                        </p:tgtEl>
+                                        <p:attrNameLst>
+                                          <p:attrName>style.visibility</p:attrName>
+                                        </p:attrNameLst>
+                                      </p:cBhvr>
+                                      <p:to>
+                                        <p:strVal val="visible"/>
+                                      </p:to>
+                                    </p:set>
+                                  </p:childTnLst>
+                                </p:cTn>
+                              </p:par>
+                            </p:childTnLst>
+                          </p:cTn>
+                        </p:par>
+                      </p:childTnLst>
+                    </p:cTn>
+                  </p:par>
+                  <p:par>
+                    <p:cTn id="19" fill="hold">
+                      <p:stCondLst>
+                        <p:cond delay="indefinite"/>
+                      </p:stCondLst>
+                      <p:childTnLst>
+                        <p:par>
+                          <p:cTn id="20" fill="hold">
+                            <p:stCondLst>
+                              <p:cond delay="0"/>
+                            </p:stCondLst>
+                            <p:childTnLst>
+                              <p:par>
+                                <p:cTn id="21" presetID="1" presetClass="entr" presetSubtype="0" fill="hold" nodeType="clickEffect">
+                                  <p:stCondLst>
+                                    <p:cond delay="0"/>
+                                  </p:stCondLst>
+                                  <p:childTnLst>
+                                    <p:set>
+                                      <p:cBhvr>
+                                        <p:cTn id="22" dur="1" fill="hold">
+                                          <p:stCondLst>
+                                            <p:cond delay="0"/>
+                                          </p:stCondLst>
+                                        </p:cTn>
+                                        <p:tgtEl>
+                                          <p:spTgt spid="7"/>
+                                        </p:tgtEl>
+                                        <p:attrNameLst>
+                                          <p:attrName>style.visibility</p:attrName>
+                                        </p:attrNameLst>
+                                      </p:cBhvr>
+                                      <p:to>
+                                        <p:strVal val="visible"/>
+                                      </p:to>
+                                    </p:set>
+                                  </p:childTnLst>
+                                </p:cTn>
+                              </p:par>
+                            </p:childTnLst>
+                          </p:cTn>
+                        </p:par>
+                      </p:childTnLst>
+                    </p:cTn>
+                  </p:par>
+                </p:childTnLst>
+              </p:cTn>
+              <p:prevCondLst>
+                <p:cond evt="onPrev" delay="0">
+                  <p:tgtEl>
+                    <p:sldTgt/>
+                  </p:tgtEl>
+                </p:cond>
+              </p:prevCondLst>
+              <p:nextCondLst>
+                <p:cond evt="onNext" delay="0">
+                  <p:tgtEl>
+                    <p:sldTgt/>
+                  </p:tgtEl>
+                </p:cond>
+              </p:nextCondLst>
+            </p:seq>
+          </p:childTnLst>
+        </p:cTn>
+      </p:par>
+    </p:tnLst>
+    <p:bldLst>
+      <p:bldP spid="3" grpId="0" build="p"/>
+    </p:bldLst>
+  </p:timing>
 </p:sld>
 </file>
 
@@ -5077,7 +6431,7 @@
           <p:cNvPr id="2" name="Title 1">
             <a:extLst>
               <a:ext uri="{FF2B5EF4-FFF2-40B4-BE49-F238E27FC236}">
-                <a16:creationId xmlns:a16="http://schemas.microsoft.com/office/drawing/2014/main" id="{C0F91F16-D0B2-469F-B419-79B1264DA933}"/>
+                <a16:creationId xmlns:a16="http://schemas.microsoft.com/office/drawing/2014/main" id="{DF2947C6-B097-4A0A-BEC9-135C6680B357}"/>
               </a:ext>
             </a:extLst>
           </p:cNvPr>
@@ -5095,17 +6449,17 @@
           <a:p>
             <a:r>
               <a:rPr lang="en-US" dirty="0"/>
-              <a:t>Modeling Maximum Error</a:t>
+              <a:t>Performance</a:t>
             </a:r>
           </a:p>
         </p:txBody>
       </p:sp>
       <p:pic>
         <p:nvPicPr>
-          <p:cNvPr id="4" name="Content Placeholder 3">
-            <a:extLst>
-              <a:ext uri="{FF2B5EF4-FFF2-40B4-BE49-F238E27FC236}">
-                <a16:creationId xmlns:a16="http://schemas.microsoft.com/office/drawing/2014/main" id="{9418BD06-8AE6-4F7A-83E4-C509F2B38E86}"/>
+          <p:cNvPr id="5" name="Content Placeholder 4">
+            <a:extLst>
+              <a:ext uri="{FF2B5EF4-FFF2-40B4-BE49-F238E27FC236}">
+                <a16:creationId xmlns:a16="http://schemas.microsoft.com/office/drawing/2014/main" id="{10F74F5E-8F51-4ED8-8ECC-D67FAC5166A3}"/>
               </a:ext>
             </a:extLst>
           </p:cNvPr>
@@ -5117,7 +6471,7 @@
           </p:nvPr>
         </p:nvPicPr>
         <p:blipFill>
-          <a:blip r:embed="rId2">
+          <a:blip r:embed="rId3">
             <a:extLst>
               <a:ext uri="{28A0092B-C50C-407E-A947-70E740481C1C}">
                 <a14:useLocalDpi xmlns:a14="http://schemas.microsoft.com/office/drawing/2010/main" val="0"/>
@@ -5130,28 +6484,27 @@
         </p:blipFill>
         <p:spPr>
           <a:xfrm>
-            <a:off x="324541" y="1515520"/>
-            <a:ext cx="5081158" cy="3366267"/>
+            <a:off x="508698" y="2808923"/>
+            <a:ext cx="5436839" cy="4039520"/>
           </a:xfrm>
-          <a:prstGeom prst="rect">
-            <a:avLst/>
-          </a:prstGeom>
         </p:spPr>
       </p:pic>
       <p:pic>
         <p:nvPicPr>
-          <p:cNvPr id="5" name="Picture 4" descr="A close up of a map&#10;&#10;Description automatically generated">
-            <a:extLst>
-              <a:ext uri="{FF2B5EF4-FFF2-40B4-BE49-F238E27FC236}">
-                <a16:creationId xmlns:a16="http://schemas.microsoft.com/office/drawing/2014/main" id="{7DBCB7E8-A2AD-40C7-944C-9B344325667E}"/>
-              </a:ext>
-            </a:extLst>
-          </p:cNvPr>
-          <p:cNvPicPr/>
+          <p:cNvPr id="7" name="Picture 6">
+            <a:extLst>
+              <a:ext uri="{FF2B5EF4-FFF2-40B4-BE49-F238E27FC236}">
+                <a16:creationId xmlns:a16="http://schemas.microsoft.com/office/drawing/2014/main" id="{BA889C3C-06D9-42A8-9030-3A603260058D}"/>
+              </a:ext>
+            </a:extLst>
+          </p:cNvPr>
+          <p:cNvPicPr>
+            <a:picLocks noChangeAspect="1"/>
+          </p:cNvPicPr>
           <p:nvPr/>
         </p:nvPicPr>
         <p:blipFill>
-          <a:blip r:embed="rId3">
+          <a:blip r:embed="rId4">
             <a:extLst>
               <a:ext uri="{28A0092B-C50C-407E-A947-70E740481C1C}">
                 <a14:useLocalDpi xmlns:a14="http://schemas.microsoft.com/office/drawing/2010/main" val="0"/>
@@ -5164,24 +6517,203 @@
         </p:blipFill>
         <p:spPr>
           <a:xfrm>
-            <a:off x="5636548" y="1520600"/>
-            <a:ext cx="4848571" cy="3528920"/>
+            <a:off x="6564058" y="1690688"/>
+            <a:ext cx="5017643" cy="5055752"/>
           </a:xfrm>
           <a:prstGeom prst="rect">
             <a:avLst/>
           </a:prstGeom>
         </p:spPr>
       </p:pic>
+      <p:sp>
+        <p:nvSpPr>
+          <p:cNvPr id="3" name="TextBox 2">
+            <a:extLst>
+              <a:ext uri="{FF2B5EF4-FFF2-40B4-BE49-F238E27FC236}">
+                <a16:creationId xmlns:a16="http://schemas.microsoft.com/office/drawing/2014/main" id="{F3F2199C-A13E-4C3B-90C1-1062FA275122}"/>
+              </a:ext>
+            </a:extLst>
+          </p:cNvPr>
+          <p:cNvSpPr txBox="1"/>
+          <p:nvPr/>
+        </p:nvSpPr>
+        <p:spPr>
+          <a:xfrm>
+            <a:off x="508699" y="1483360"/>
+            <a:ext cx="5587301" cy="1200329"/>
+          </a:xfrm>
+          <a:prstGeom prst="rect">
+            <a:avLst/>
+          </a:prstGeom>
+          <a:noFill/>
+        </p:spPr>
+        <p:txBody>
+          <a:bodyPr wrap="square" rtlCol="0">
+            <a:spAutoFit/>
+          </a:bodyPr>
+          <a:lstStyle/>
+          <a:p>
+            <a:pPr marL="285750" indent="-285750">
+              <a:buFont typeface="Arial" panose="020B0604020202020204" pitchFamily="34" charset="0"/>
+              <a:buChar char="•"/>
+            </a:pPr>
+            <a:r>
+              <a:rPr lang="en-US" sz="2400" dirty="0"/>
+              <a:t>Runs well after pruning</a:t>
+            </a:r>
+          </a:p>
+          <a:p>
+            <a:pPr marL="285750" indent="-285750">
+              <a:buFont typeface="Arial" panose="020B0604020202020204" pitchFamily="34" charset="0"/>
+              <a:buChar char="•"/>
+            </a:pPr>
+            <a:r>
+              <a:rPr lang="en-US" sz="2400" dirty="0"/>
+              <a:t>No benefit to letting run past ~5 depth</a:t>
+            </a:r>
+          </a:p>
+          <a:p>
+            <a:pPr marL="285750" indent="-285750">
+              <a:buFont typeface="Arial" panose="020B0604020202020204" pitchFamily="34" charset="0"/>
+              <a:buChar char="•"/>
+            </a:pPr>
+            <a:r>
+              <a:rPr lang="en-US" sz="2400" dirty="0"/>
+              <a:t>R-squared .63, F-statistic .62</a:t>
+            </a:r>
+          </a:p>
+        </p:txBody>
+      </p:sp>
     </p:spTree>
     <p:extLst>
       <p:ext uri="{BB962C8B-B14F-4D97-AF65-F5344CB8AC3E}">
-        <p14:creationId xmlns:p14="http://schemas.microsoft.com/office/powerpoint/2010/main" val="1816401655"/>
+        <p14:creationId xmlns:p14="http://schemas.microsoft.com/office/powerpoint/2010/main" val="741195107"/>
       </p:ext>
     </p:extLst>
   </p:cSld>
   <p:clrMapOvr>
     <a:masterClrMapping/>
   </p:clrMapOvr>
+  <p:timing>
+    <p:tnLst>
+      <p:par>
+        <p:cTn id="1" dur="indefinite" restart="never" nodeType="tmRoot">
+          <p:childTnLst>
+            <p:seq concurrent="1" nextAc="seek">
+              <p:cTn id="2" dur="indefinite" nodeType="mainSeq">
+                <p:childTnLst>
+                  <p:par>
+                    <p:cTn id="3" fill="hold">
+                      <p:stCondLst>
+                        <p:cond delay="indefinite"/>
+                      </p:stCondLst>
+                      <p:childTnLst>
+                        <p:par>
+                          <p:cTn id="4" fill="hold">
+                            <p:stCondLst>
+                              <p:cond delay="0"/>
+                            </p:stCondLst>
+                            <p:childTnLst>
+                              <p:par>
+                                <p:cTn id="5" presetID="1" presetClass="entr" presetSubtype="0" fill="hold" nodeType="clickEffect">
+                                  <p:stCondLst>
+                                    <p:cond delay="0"/>
+                                  </p:stCondLst>
+                                  <p:childTnLst>
+                                    <p:set>
+                                      <p:cBhvr>
+                                        <p:cTn id="6" dur="1" fill="hold">
+                                          <p:stCondLst>
+                                            <p:cond delay="0"/>
+                                          </p:stCondLst>
+                                        </p:cTn>
+                                        <p:tgtEl>
+                                          <p:spTgt spid="5"/>
+                                        </p:tgtEl>
+                                        <p:attrNameLst>
+                                          <p:attrName>style.visibility</p:attrName>
+                                        </p:attrNameLst>
+                                      </p:cBhvr>
+                                      <p:to>
+                                        <p:strVal val="visible"/>
+                                      </p:to>
+                                    </p:set>
+                                  </p:childTnLst>
+                                </p:cTn>
+                              </p:par>
+                            </p:childTnLst>
+                          </p:cTn>
+                        </p:par>
+                      </p:childTnLst>
+                    </p:cTn>
+                  </p:par>
+                  <p:par>
+                    <p:cTn id="7" fill="hold">
+                      <p:stCondLst>
+                        <p:cond delay="indefinite"/>
+                      </p:stCondLst>
+                      <p:childTnLst>
+                        <p:par>
+                          <p:cTn id="8" fill="hold">
+                            <p:stCondLst>
+                              <p:cond delay="0"/>
+                            </p:stCondLst>
+                            <p:childTnLst>
+                              <p:par>
+                                <p:cTn id="9" presetID="1" presetClass="entr" presetSubtype="0" fill="hold" nodeType="clickEffect">
+                                  <p:stCondLst>
+                                    <p:cond delay="0"/>
+                                  </p:stCondLst>
+                                  <p:childTnLst>
+                                    <p:set>
+                                      <p:cBhvr>
+                                        <p:cTn id="10" dur="1" fill="hold">
+                                          <p:stCondLst>
+                                            <p:cond delay="0"/>
+                                          </p:stCondLst>
+                                        </p:cTn>
+                                        <p:tgtEl>
+                                          <p:spTgt spid="7"/>
+                                        </p:tgtEl>
+                                        <p:attrNameLst>
+                                          <p:attrName>style.visibility</p:attrName>
+                                        </p:attrNameLst>
+                                      </p:cBhvr>
+                                      <p:to>
+                                        <p:strVal val="visible"/>
+                                      </p:to>
+                                    </p:set>
+                                  </p:childTnLst>
+                                </p:cTn>
+                              </p:par>
+                            </p:childTnLst>
+                          </p:cTn>
+                        </p:par>
+                      </p:childTnLst>
+                    </p:cTn>
+                  </p:par>
+                </p:childTnLst>
+              </p:cTn>
+              <p:prevCondLst>
+                <p:cond evt="onPrev" delay="0">
+                  <p:tgtEl>
+                    <p:sldTgt/>
+                  </p:tgtEl>
+                </p:cond>
+              </p:prevCondLst>
+              <p:nextCondLst>
+                <p:cond evt="onNext" delay="0">
+                  <p:tgtEl>
+                    <p:sldTgt/>
+                  </p:tgtEl>
+                </p:cond>
+              </p:nextCondLst>
+            </p:seq>
+          </p:childTnLst>
+        </p:cTn>
+      </p:par>
+    </p:tnLst>
+  </p:timing>
 </p:sld>
 </file>
 
@@ -5207,7 +6739,7 @@
           <p:cNvPr id="2" name="Title 1">
             <a:extLst>
               <a:ext uri="{FF2B5EF4-FFF2-40B4-BE49-F238E27FC236}">
-                <a16:creationId xmlns:a16="http://schemas.microsoft.com/office/drawing/2014/main" id="{D795415E-517F-4F17-AF69-4ADF79E2689D}"/>
+                <a16:creationId xmlns:a16="http://schemas.microsoft.com/office/drawing/2014/main" id="{DD8670C3-B0E8-4C1D-A9B6-C76BCBA3DC8A}"/>
               </a:ext>
             </a:extLst>
           </p:cNvPr>
@@ -5225,7 +6757,7 @@
           <a:p>
             <a:r>
               <a:rPr lang="en-US" dirty="0"/>
-              <a:t>Many models</a:t>
+              <a:t>Model 3: Random Forest Regression</a:t>
             </a:r>
           </a:p>
         </p:txBody>
@@ -5235,7 +6767,7 @@
           <p:cNvPr id="3" name="Content Placeholder 2">
             <a:extLst>
               <a:ext uri="{FF2B5EF4-FFF2-40B4-BE49-F238E27FC236}">
-                <a16:creationId xmlns:a16="http://schemas.microsoft.com/office/drawing/2014/main" id="{05518B11-89F0-4165-987A-75366E6C6110}"/>
+                <a16:creationId xmlns:a16="http://schemas.microsoft.com/office/drawing/2014/main" id="{1D1A5E32-107D-4260-9622-FF55874006F0}"/>
               </a:ext>
             </a:extLst>
           </p:cNvPr>
@@ -5253,95 +6785,268 @@
           <a:p>
             <a:r>
               <a:rPr lang="en-US" dirty="0"/>
-              <a:t>50-person bins, linear: R-squared 0.655, F-statistic 142</a:t>
+              <a:t>Predict final election results based on single poll</a:t>
             </a:r>
           </a:p>
           <a:p>
             <a:r>
               <a:rPr lang="en-US" dirty="0"/>
-              <a:t>Adding in </a:t>
-            </a:r>
-            <a:r>
-              <a:rPr lang="en-US" dirty="0" err="1"/>
-              <a:t>stdev</a:t>
-            </a:r>
+              <a:t>Can we predict the future?</a:t>
+            </a:r>
+          </a:p>
+          <a:p>
             <a:r>
               <a:rPr lang="en-US" dirty="0"/>
-              <a:t> of pollsters: 0.832, 184</a:t>
+              <a:t>No</a:t>
             </a:r>
           </a:p>
           <a:p>
             <a:r>
               <a:rPr lang="en-US" dirty="0"/>
-              <a:t>Ln(error) ~ (sample size, </a:t>
-            </a:r>
-            <a:r>
-              <a:rPr lang="en-US" dirty="0" err="1"/>
-              <a:t>stdev</a:t>
-            </a:r>
-            <a:r>
-              <a:rPr lang="en-US" dirty="0"/>
-              <a:t>(pollster)): 0.859, 226</a:t>
-            </a:r>
-          </a:p>
-          <a:p>
-            <a:pPr lvl="1"/>
-            <a:r>
-              <a:rPr lang="en-US" dirty="0"/>
-              <a:t>P-values 0</a:t>
-            </a:r>
-          </a:p>
-        </p:txBody>
-      </p:sp>
-      <p:pic>
-        <p:nvPicPr>
-          <p:cNvPr id="4" name="Picture 3">
-            <a:extLst>
-              <a:ext uri="{FF2B5EF4-FFF2-40B4-BE49-F238E27FC236}">
-                <a16:creationId xmlns:a16="http://schemas.microsoft.com/office/drawing/2014/main" id="{B3112B10-8EFD-4313-B299-BBAF675E37E0}"/>
-              </a:ext>
-            </a:extLst>
-          </p:cNvPr>
-          <p:cNvPicPr/>
-          <p:nvPr/>
-        </p:nvPicPr>
-        <p:blipFill>
-          <a:blip r:embed="rId2">
-            <a:extLst>
-              <a:ext uri="{28A0092B-C50C-407E-A947-70E740481C1C}">
-                <a14:useLocalDpi xmlns:a14="http://schemas.microsoft.com/office/drawing/2010/main" val="0"/>
-              </a:ext>
-            </a:extLst>
-          </a:blip>
-          <a:srcRect/>
-          <a:stretch>
-            <a:fillRect/>
-          </a:stretch>
-        </p:blipFill>
-        <p:spPr bwMode="auto">
-          <a:xfrm>
-            <a:off x="6959600" y="3576320"/>
-            <a:ext cx="3890010" cy="2987675"/>
-          </a:xfrm>
-          <a:prstGeom prst="rect">
-            <a:avLst/>
-          </a:prstGeom>
-          <a:noFill/>
-          <a:ln>
-            <a:noFill/>
-          </a:ln>
-        </p:spPr>
-      </p:pic>
+              <a:t>No, we can’t</a:t>
+            </a:r>
+          </a:p>
+        </p:txBody>
+      </p:sp>
     </p:spTree>
     <p:extLst>
       <p:ext uri="{BB962C8B-B14F-4D97-AF65-F5344CB8AC3E}">
-        <p14:creationId xmlns:p14="http://schemas.microsoft.com/office/powerpoint/2010/main" val="601614682"/>
+        <p14:creationId xmlns:p14="http://schemas.microsoft.com/office/powerpoint/2010/main" val="2178089005"/>
       </p:ext>
     </p:extLst>
   </p:cSld>
   <p:clrMapOvr>
     <a:masterClrMapping/>
   </p:clrMapOvr>
+  <p:timing>
+    <p:tnLst>
+      <p:par>
+        <p:cTn id="1" dur="indefinite" restart="never" nodeType="tmRoot">
+          <p:childTnLst>
+            <p:seq concurrent="1" nextAc="seek">
+              <p:cTn id="2" dur="indefinite" nodeType="mainSeq">
+                <p:childTnLst>
+                  <p:par>
+                    <p:cTn id="3" fill="hold">
+                      <p:stCondLst>
+                        <p:cond delay="indefinite"/>
+                      </p:stCondLst>
+                      <p:childTnLst>
+                        <p:par>
+                          <p:cTn id="4" fill="hold">
+                            <p:stCondLst>
+                              <p:cond delay="0"/>
+                            </p:stCondLst>
+                            <p:childTnLst>
+                              <p:par>
+                                <p:cTn id="5" presetID="1" presetClass="entr" presetSubtype="0" fill="hold" grpId="0" nodeType="clickEffect">
+                                  <p:stCondLst>
+                                    <p:cond delay="0"/>
+                                  </p:stCondLst>
+                                  <p:childTnLst>
+                                    <p:set>
+                                      <p:cBhvr>
+                                        <p:cTn id="6" dur="1" fill="hold">
+                                          <p:stCondLst>
+                                            <p:cond delay="0"/>
+                                          </p:stCondLst>
+                                        </p:cTn>
+                                        <p:tgtEl>
+                                          <p:spTgt spid="3">
+                                            <p:txEl>
+                                              <p:pRg st="0" end="0"/>
+                                            </p:txEl>
+                                          </p:spTgt>
+                                        </p:tgtEl>
+                                        <p:attrNameLst>
+                                          <p:attrName>style.visibility</p:attrName>
+                                        </p:attrNameLst>
+                                      </p:cBhvr>
+                                      <p:to>
+                                        <p:strVal val="visible"/>
+                                      </p:to>
+                                    </p:set>
+                                  </p:childTnLst>
+                                </p:cTn>
+                              </p:par>
+                            </p:childTnLst>
+                          </p:cTn>
+                        </p:par>
+                      </p:childTnLst>
+                    </p:cTn>
+                  </p:par>
+                  <p:par>
+                    <p:cTn id="7" fill="hold">
+                      <p:stCondLst>
+                        <p:cond delay="indefinite"/>
+                      </p:stCondLst>
+                      <p:childTnLst>
+                        <p:par>
+                          <p:cTn id="8" fill="hold">
+                            <p:stCondLst>
+                              <p:cond delay="0"/>
+                            </p:stCondLst>
+                            <p:childTnLst>
+                              <p:par>
+                                <p:cTn id="9" presetID="1" presetClass="entr" presetSubtype="0" fill="hold" grpId="0" nodeType="clickEffect">
+                                  <p:stCondLst>
+                                    <p:cond delay="0"/>
+                                  </p:stCondLst>
+                                  <p:childTnLst>
+                                    <p:set>
+                                      <p:cBhvr>
+                                        <p:cTn id="10" dur="1" fill="hold">
+                                          <p:stCondLst>
+                                            <p:cond delay="0"/>
+                                          </p:stCondLst>
+                                        </p:cTn>
+                                        <p:tgtEl>
+                                          <p:spTgt spid="3">
+                                            <p:txEl>
+                                              <p:pRg st="1" end="1"/>
+                                            </p:txEl>
+                                          </p:spTgt>
+                                        </p:tgtEl>
+                                        <p:attrNameLst>
+                                          <p:attrName>style.visibility</p:attrName>
+                                        </p:attrNameLst>
+                                      </p:cBhvr>
+                                      <p:to>
+                                        <p:strVal val="visible"/>
+                                      </p:to>
+                                    </p:set>
+                                  </p:childTnLst>
+                                </p:cTn>
+                              </p:par>
+                            </p:childTnLst>
+                          </p:cTn>
+                        </p:par>
+                      </p:childTnLst>
+                    </p:cTn>
+                  </p:par>
+                  <p:par>
+                    <p:cTn id="11" fill="hold">
+                      <p:stCondLst>
+                        <p:cond delay="indefinite"/>
+                      </p:stCondLst>
+                      <p:childTnLst>
+                        <p:par>
+                          <p:cTn id="12" fill="hold">
+                            <p:stCondLst>
+                              <p:cond delay="0"/>
+                            </p:stCondLst>
+                            <p:childTnLst>
+                              <p:par>
+                                <p:cTn id="13" presetID="1" presetClass="entr" presetSubtype="0" fill="hold" grpId="0" nodeType="clickEffect">
+                                  <p:stCondLst>
+                                    <p:cond delay="0"/>
+                                  </p:stCondLst>
+                                  <p:childTnLst>
+                                    <p:set>
+                                      <p:cBhvr>
+                                        <p:cTn id="14" dur="1" fill="hold">
+                                          <p:stCondLst>
+                                            <p:cond delay="0"/>
+                                          </p:stCondLst>
+                                        </p:cTn>
+                                        <p:tgtEl>
+                                          <p:spTgt spid="3">
+                                            <p:txEl>
+                                              <p:pRg st="2" end="2"/>
+                                            </p:txEl>
+                                          </p:spTgt>
+                                        </p:tgtEl>
+                                        <p:attrNameLst>
+                                          <p:attrName>style.visibility</p:attrName>
+                                        </p:attrNameLst>
+                                      </p:cBhvr>
+                                      <p:to>
+                                        <p:strVal val="visible"/>
+                                      </p:to>
+                                    </p:set>
+                                  </p:childTnLst>
+                                </p:cTn>
+                              </p:par>
+                            </p:childTnLst>
+                          </p:cTn>
+                        </p:par>
+                      </p:childTnLst>
+                    </p:cTn>
+                  </p:par>
+                  <p:par>
+                    <p:cTn id="15" fill="hold">
+                      <p:stCondLst>
+                        <p:cond delay="indefinite"/>
+                      </p:stCondLst>
+                      <p:childTnLst>
+                        <p:par>
+                          <p:cTn id="16" fill="hold">
+                            <p:stCondLst>
+                              <p:cond delay="0"/>
+                            </p:stCondLst>
+                            <p:childTnLst>
+                              <p:par>
+                                <p:cTn id="17" presetID="1" presetClass="entr" presetSubtype="0" fill="hold" grpId="0" nodeType="clickEffect">
+                                  <p:stCondLst>
+                                    <p:cond delay="0"/>
+                                  </p:stCondLst>
+                                  <p:childTnLst>
+                                    <p:set>
+                                      <p:cBhvr>
+                                        <p:cTn id="18" dur="1" fill="hold">
+                                          <p:stCondLst>
+                                            <p:cond delay="0"/>
+                                          </p:stCondLst>
+                                        </p:cTn>
+                                        <p:tgtEl>
+                                          <p:spTgt spid="3">
+                                            <p:txEl>
+                                              <p:pRg st="3" end="3"/>
+                                            </p:txEl>
+                                          </p:spTgt>
+                                        </p:tgtEl>
+                                        <p:attrNameLst>
+                                          <p:attrName>style.visibility</p:attrName>
+                                        </p:attrNameLst>
+                                      </p:cBhvr>
+                                      <p:to>
+                                        <p:strVal val="visible"/>
+                                      </p:to>
+                                    </p:set>
+                                  </p:childTnLst>
+                                </p:cTn>
+                              </p:par>
+                            </p:childTnLst>
+                          </p:cTn>
+                        </p:par>
+                      </p:childTnLst>
+                    </p:cTn>
+                  </p:par>
+                </p:childTnLst>
+              </p:cTn>
+              <p:prevCondLst>
+                <p:cond evt="onPrev" delay="0">
+                  <p:tgtEl>
+                    <p:sldTgt/>
+                  </p:tgtEl>
+                </p:cond>
+              </p:prevCondLst>
+              <p:nextCondLst>
+                <p:cond evt="onNext" delay="0">
+                  <p:tgtEl>
+                    <p:sldTgt/>
+                  </p:tgtEl>
+                </p:cond>
+              </p:nextCondLst>
+            </p:seq>
+          </p:childTnLst>
+        </p:cTn>
+      </p:par>
+    </p:tnLst>
+    <p:bldLst>
+      <p:bldP spid="3" grpId="0" build="p"/>
+    </p:bldLst>
+  </p:timing>
 </p:sld>
 </file>
 
@@ -5367,7 +7072,7 @@
           <p:cNvPr id="2" name="Title 1">
             <a:extLst>
               <a:ext uri="{FF2B5EF4-FFF2-40B4-BE49-F238E27FC236}">
-                <a16:creationId xmlns:a16="http://schemas.microsoft.com/office/drawing/2014/main" id="{536B2C7C-752F-447D-BCC5-FEA590AC2FA0}"/>
+                <a16:creationId xmlns:a16="http://schemas.microsoft.com/office/drawing/2014/main" id="{AAA3679E-069F-4F78-98C5-8ED67AE605A5}"/>
               </a:ext>
             </a:extLst>
           </p:cNvPr>
@@ -5385,7 +7090,7 @@
           <a:p>
             <a:r>
               <a:rPr lang="en-US" dirty="0"/>
-              <a:t>Checking Binning</a:t>
+              <a:t>Results</a:t>
             </a:r>
           </a:p>
         </p:txBody>
@@ -5395,7 +7100,7 @@
           <p:cNvPr id="3" name="Content Placeholder 2">
             <a:extLst>
               <a:ext uri="{FF2B5EF4-FFF2-40B4-BE49-F238E27FC236}">
-                <a16:creationId xmlns:a16="http://schemas.microsoft.com/office/drawing/2014/main" id="{DA6A6BA4-EEC8-444E-8017-93BC5E3F4D83}"/>
+                <a16:creationId xmlns:a16="http://schemas.microsoft.com/office/drawing/2014/main" id="{3BC95239-6504-4FB4-AC42-6279964A8371}"/>
               </a:ext>
             </a:extLst>
           </p:cNvPr>
@@ -5411,247 +7116,435 @@
           <a:bodyPr/>
           <a:lstStyle/>
           <a:p>
-            <a:endParaRPr lang="en-US"/>
-          </a:p>
-        </p:txBody>
-      </p:sp>
-      <p:pic>
-        <p:nvPicPr>
-          <p:cNvPr id="4" name="Picture 3">
-            <a:extLst>
-              <a:ext uri="{FF2B5EF4-FFF2-40B4-BE49-F238E27FC236}">
-                <a16:creationId xmlns:a16="http://schemas.microsoft.com/office/drawing/2014/main" id="{8B5C0CF8-3F0D-4B38-B080-2A925869E52A}"/>
-              </a:ext>
-            </a:extLst>
-          </p:cNvPr>
-          <p:cNvPicPr/>
-          <p:nvPr/>
-        </p:nvPicPr>
-        <p:blipFill>
-          <a:blip r:embed="rId2">
-            <a:extLst>
-              <a:ext uri="{28A0092B-C50C-407E-A947-70E740481C1C}">
-                <a14:useLocalDpi xmlns:a14="http://schemas.microsoft.com/office/drawing/2010/main" val="0"/>
-              </a:ext>
-            </a:extLst>
-          </a:blip>
-          <a:srcRect/>
-          <a:stretch>
-            <a:fillRect/>
-          </a:stretch>
-        </p:blipFill>
-        <p:spPr bwMode="auto">
-          <a:xfrm>
-            <a:off x="655320" y="2779872"/>
-            <a:ext cx="3693160" cy="2840672"/>
-          </a:xfrm>
-          <a:prstGeom prst="rect">
-            <a:avLst/>
-          </a:prstGeom>
-          <a:noFill/>
-          <a:ln>
-            <a:noFill/>
-          </a:ln>
-        </p:spPr>
-      </p:pic>
-      <p:pic>
-        <p:nvPicPr>
-          <p:cNvPr id="5" name="Picture 4">
-            <a:extLst>
-              <a:ext uri="{FF2B5EF4-FFF2-40B4-BE49-F238E27FC236}">
-                <a16:creationId xmlns:a16="http://schemas.microsoft.com/office/drawing/2014/main" id="{DEC3B268-A39F-42BB-93D4-DD39DC69AF94}"/>
-              </a:ext>
-            </a:extLst>
-          </p:cNvPr>
-          <p:cNvPicPr/>
-          <p:nvPr/>
-        </p:nvPicPr>
-        <p:blipFill>
-          <a:blip r:embed="rId3">
-            <a:extLst>
-              <a:ext uri="{28A0092B-C50C-407E-A947-70E740481C1C}">
-                <a14:useLocalDpi xmlns:a14="http://schemas.microsoft.com/office/drawing/2010/main" val="0"/>
-              </a:ext>
-            </a:extLst>
-          </a:blip>
-          <a:srcRect/>
-          <a:stretch>
-            <a:fillRect/>
-          </a:stretch>
-        </p:blipFill>
-        <p:spPr bwMode="auto">
-          <a:xfrm>
-            <a:off x="4429760" y="2798129"/>
-            <a:ext cx="3693160" cy="2840672"/>
-          </a:xfrm>
-          <a:prstGeom prst="rect">
-            <a:avLst/>
-          </a:prstGeom>
-          <a:noFill/>
-          <a:ln>
-            <a:noFill/>
-          </a:ln>
-        </p:spPr>
-      </p:pic>
-      <p:pic>
-        <p:nvPicPr>
-          <p:cNvPr id="6" name="Picture 5">
-            <a:extLst>
-              <a:ext uri="{FF2B5EF4-FFF2-40B4-BE49-F238E27FC236}">
-                <a16:creationId xmlns:a16="http://schemas.microsoft.com/office/drawing/2014/main" id="{44830268-354F-4D21-9739-746AED19ADDC}"/>
-              </a:ext>
-            </a:extLst>
-          </p:cNvPr>
-          <p:cNvPicPr/>
-          <p:nvPr/>
-        </p:nvPicPr>
-        <p:blipFill>
-          <a:blip r:embed="rId4">
-            <a:extLst>
-              <a:ext uri="{28A0092B-C50C-407E-A947-70E740481C1C}">
-                <a14:useLocalDpi xmlns:a14="http://schemas.microsoft.com/office/drawing/2010/main" val="0"/>
-              </a:ext>
-            </a:extLst>
-          </a:blip>
-          <a:srcRect/>
-          <a:stretch>
-            <a:fillRect/>
-          </a:stretch>
-        </p:blipFill>
-        <p:spPr bwMode="auto">
-          <a:xfrm>
-            <a:off x="8196580" y="2798129"/>
-            <a:ext cx="3693160" cy="2840671"/>
-          </a:xfrm>
-          <a:prstGeom prst="rect">
-            <a:avLst/>
-          </a:prstGeom>
-          <a:noFill/>
-          <a:ln>
-            <a:noFill/>
-          </a:ln>
-        </p:spPr>
-      </p:pic>
+            <a:r>
+              <a:rPr lang="en-US" dirty="0"/>
+              <a:t>Can predict maximum error from sample size</a:t>
+            </a:r>
+          </a:p>
+          <a:p>
+            <a:r>
+              <a:rPr lang="en-US" dirty="0"/>
+              <a:t>Sample size, previous performance are the most important factors</a:t>
+            </a:r>
+          </a:p>
+          <a:p>
+            <a:r>
+              <a:rPr lang="en-US" dirty="0"/>
+              <a:t>Poll type affects bias, not error</a:t>
+            </a:r>
+          </a:p>
+          <a:p>
+            <a:r>
+              <a:rPr lang="en-US" dirty="0"/>
+              <a:t>Location, distance are less important factors</a:t>
+            </a:r>
+          </a:p>
+          <a:p>
+            <a:r>
+              <a:rPr lang="en-US" dirty="0"/>
+              <a:t>Accuracy suffers when predicting precise error</a:t>
+            </a:r>
+          </a:p>
+          <a:p>
+            <a:r>
+              <a:rPr lang="en-US" dirty="0"/>
+              <a:t>Can classify polls as being within 4% of the final result with less accuracy</a:t>
+            </a:r>
+          </a:p>
+          <a:p>
+            <a:r>
+              <a:rPr lang="en-US" dirty="0"/>
+              <a:t>Still can’t predict the future</a:t>
+            </a:r>
+          </a:p>
+        </p:txBody>
+      </p:sp>
     </p:spTree>
     <p:extLst>
       <p:ext uri="{BB962C8B-B14F-4D97-AF65-F5344CB8AC3E}">
-        <p14:creationId xmlns:p14="http://schemas.microsoft.com/office/powerpoint/2010/main" val="3669320763"/>
+        <p14:creationId xmlns:p14="http://schemas.microsoft.com/office/powerpoint/2010/main" val="3030312631"/>
       </p:ext>
     </p:extLst>
   </p:cSld>
   <p:clrMapOvr>
     <a:masterClrMapping/>
   </p:clrMapOvr>
-</p:sld>
-</file>
-
-<file path=ppt/slides/slide17.xml><?xml version="1.0" encoding="utf-8"?>
-<p:sld xmlns:a="http://schemas.openxmlformats.org/drawingml/2006/main" xmlns:r="http://schemas.openxmlformats.org/officeDocument/2006/relationships" xmlns:p="http://schemas.openxmlformats.org/presentationml/2006/main">
-  <p:cSld>
-    <p:spTree>
-      <p:nvGrpSpPr>
-        <p:cNvPr id="1" name=""/>
-        <p:cNvGrpSpPr/>
-        <p:nvPr/>
-      </p:nvGrpSpPr>
-      <p:grpSpPr>
-        <a:xfrm>
-          <a:off x="0" y="0"/>
-          <a:ext cx="0" cy="0"/>
-          <a:chOff x="0" y="0"/>
-          <a:chExt cx="0" cy="0"/>
-        </a:xfrm>
-      </p:grpSpPr>
-      <p:sp>
-        <p:nvSpPr>
-          <p:cNvPr id="2" name="Title 1">
-            <a:extLst>
-              <a:ext uri="{FF2B5EF4-FFF2-40B4-BE49-F238E27FC236}">
-                <a16:creationId xmlns:a16="http://schemas.microsoft.com/office/drawing/2014/main" id="{25862402-7E9E-4C16-8A7A-287BDDC4E5EA}"/>
-              </a:ext>
-            </a:extLst>
-          </p:cNvPr>
-          <p:cNvSpPr>
-            <a:spLocks noGrp="1"/>
-          </p:cNvSpPr>
-          <p:nvPr>
-            <p:ph type="title"/>
-          </p:nvPr>
-        </p:nvSpPr>
-        <p:spPr/>
-        <p:txBody>
-          <a:bodyPr/>
-          <a:lstStyle/>
-          <a:p>
-            <a:r>
-              <a:rPr lang="en-US" dirty="0"/>
-              <a:t>Next steps</a:t>
-            </a:r>
-          </a:p>
-        </p:txBody>
-      </p:sp>
-      <p:sp>
-        <p:nvSpPr>
-          <p:cNvPr id="3" name="Content Placeholder 2">
-            <a:extLst>
-              <a:ext uri="{FF2B5EF4-FFF2-40B4-BE49-F238E27FC236}">
-                <a16:creationId xmlns:a16="http://schemas.microsoft.com/office/drawing/2014/main" id="{FF588B6D-5EC8-4ECE-97B4-6F4E64620CD9}"/>
-              </a:ext>
-            </a:extLst>
-          </p:cNvPr>
-          <p:cNvSpPr>
-            <a:spLocks noGrp="1"/>
-          </p:cNvSpPr>
-          <p:nvPr>
-            <p:ph idx="1"/>
-          </p:nvPr>
-        </p:nvSpPr>
-        <p:spPr/>
-        <p:txBody>
-          <a:bodyPr/>
-          <a:lstStyle/>
-          <a:p>
-            <a:r>
-              <a:rPr lang="en-US" dirty="0"/>
-              <a:t>0.516 for predicting exact error</a:t>
-            </a:r>
-          </a:p>
-          <a:p>
-            <a:r>
-              <a:rPr lang="en-US" dirty="0"/>
-              <a:t>Adding methodology, examining bias instead of error</a:t>
-            </a:r>
-          </a:p>
-          <a:p>
-            <a:pPr lvl="1"/>
-            <a:r>
-              <a:rPr lang="en-US" dirty="0"/>
-              <a:t>Higher dimensionality but likely worth effort</a:t>
-            </a:r>
-          </a:p>
-          <a:p>
-            <a:r>
-              <a:rPr lang="en-US" dirty="0"/>
-              <a:t>Focus on visualization</a:t>
-            </a:r>
-            <a:r>
-              <a:rPr lang="en-US"/>
-              <a:t>, interactivity</a:t>
-            </a:r>
-            <a:endParaRPr lang="en-US" dirty="0"/>
-          </a:p>
-        </p:txBody>
-      </p:sp>
-    </p:spTree>
-    <p:extLst>
-      <p:ext uri="{BB962C8B-B14F-4D97-AF65-F5344CB8AC3E}">
-        <p14:creationId xmlns:p14="http://schemas.microsoft.com/office/powerpoint/2010/main" val="2045411122"/>
-      </p:ext>
-    </p:extLst>
-  </p:cSld>
-  <p:clrMapOvr>
-    <a:masterClrMapping/>
-  </p:clrMapOvr>
+  <p:timing>
+    <p:tnLst>
+      <p:par>
+        <p:cTn id="1" dur="indefinite" restart="never" nodeType="tmRoot">
+          <p:childTnLst>
+            <p:seq concurrent="1" nextAc="seek">
+              <p:cTn id="2" dur="indefinite" nodeType="mainSeq">
+                <p:childTnLst>
+                  <p:par>
+                    <p:cTn id="3" fill="hold">
+                      <p:stCondLst>
+                        <p:cond delay="indefinite"/>
+                      </p:stCondLst>
+                      <p:childTnLst>
+                        <p:par>
+                          <p:cTn id="4" fill="hold">
+                            <p:stCondLst>
+                              <p:cond delay="0"/>
+                            </p:stCondLst>
+                            <p:childTnLst>
+                              <p:par>
+                                <p:cTn id="5" presetID="1" presetClass="entr" presetSubtype="0" fill="hold" grpId="0" nodeType="clickEffect">
+                                  <p:stCondLst>
+                                    <p:cond delay="0"/>
+                                  </p:stCondLst>
+                                  <p:childTnLst>
+                                    <p:set>
+                                      <p:cBhvr>
+                                        <p:cTn id="6" dur="1" fill="hold">
+                                          <p:stCondLst>
+                                            <p:cond delay="0"/>
+                                          </p:stCondLst>
+                                        </p:cTn>
+                                        <p:tgtEl>
+                                          <p:spTgt spid="3">
+                                            <p:txEl>
+                                              <p:pRg st="0" end="0"/>
+                                            </p:txEl>
+                                          </p:spTgt>
+                                        </p:tgtEl>
+                                        <p:attrNameLst>
+                                          <p:attrName>style.visibility</p:attrName>
+                                        </p:attrNameLst>
+                                      </p:cBhvr>
+                                      <p:to>
+                                        <p:strVal val="visible"/>
+                                      </p:to>
+                                    </p:set>
+                                  </p:childTnLst>
+                                </p:cTn>
+                              </p:par>
+                            </p:childTnLst>
+                          </p:cTn>
+                        </p:par>
+                      </p:childTnLst>
+                    </p:cTn>
+                  </p:par>
+                  <p:par>
+                    <p:cTn id="7" fill="hold">
+                      <p:stCondLst>
+                        <p:cond delay="indefinite"/>
+                      </p:stCondLst>
+                      <p:childTnLst>
+                        <p:par>
+                          <p:cTn id="8" fill="hold">
+                            <p:stCondLst>
+                              <p:cond delay="0"/>
+                            </p:stCondLst>
+                            <p:childTnLst>
+                              <p:par>
+                                <p:cTn id="9" presetID="1" presetClass="entr" presetSubtype="0" fill="hold" grpId="0" nodeType="clickEffect">
+                                  <p:stCondLst>
+                                    <p:cond delay="0"/>
+                                  </p:stCondLst>
+                                  <p:childTnLst>
+                                    <p:set>
+                                      <p:cBhvr>
+                                        <p:cTn id="10" dur="1" fill="hold">
+                                          <p:stCondLst>
+                                            <p:cond delay="0"/>
+                                          </p:stCondLst>
+                                        </p:cTn>
+                                        <p:tgtEl>
+                                          <p:spTgt spid="3">
+                                            <p:txEl>
+                                              <p:pRg st="1" end="1"/>
+                                            </p:txEl>
+                                          </p:spTgt>
+                                        </p:tgtEl>
+                                        <p:attrNameLst>
+                                          <p:attrName>style.visibility</p:attrName>
+                                        </p:attrNameLst>
+                                      </p:cBhvr>
+                                      <p:to>
+                                        <p:strVal val="visible"/>
+                                      </p:to>
+                                    </p:set>
+                                  </p:childTnLst>
+                                </p:cTn>
+                              </p:par>
+                            </p:childTnLst>
+                          </p:cTn>
+                        </p:par>
+                      </p:childTnLst>
+                    </p:cTn>
+                  </p:par>
+                  <p:par>
+                    <p:cTn id="11" fill="hold">
+                      <p:stCondLst>
+                        <p:cond delay="indefinite"/>
+                      </p:stCondLst>
+                      <p:childTnLst>
+                        <p:par>
+                          <p:cTn id="12" fill="hold">
+                            <p:stCondLst>
+                              <p:cond delay="0"/>
+                            </p:stCondLst>
+                            <p:childTnLst>
+                              <p:par>
+                                <p:cTn id="13" presetID="1" presetClass="entr" presetSubtype="0" fill="hold" grpId="0" nodeType="clickEffect">
+                                  <p:stCondLst>
+                                    <p:cond delay="0"/>
+                                  </p:stCondLst>
+                                  <p:childTnLst>
+                                    <p:set>
+                                      <p:cBhvr>
+                                        <p:cTn id="14" dur="1" fill="hold">
+                                          <p:stCondLst>
+                                            <p:cond delay="0"/>
+                                          </p:stCondLst>
+                                        </p:cTn>
+                                        <p:tgtEl>
+                                          <p:spTgt spid="3">
+                                            <p:txEl>
+                                              <p:pRg st="2" end="2"/>
+                                            </p:txEl>
+                                          </p:spTgt>
+                                        </p:tgtEl>
+                                        <p:attrNameLst>
+                                          <p:attrName>style.visibility</p:attrName>
+                                        </p:attrNameLst>
+                                      </p:cBhvr>
+                                      <p:to>
+                                        <p:strVal val="visible"/>
+                                      </p:to>
+                                    </p:set>
+                                  </p:childTnLst>
+                                </p:cTn>
+                              </p:par>
+                            </p:childTnLst>
+                          </p:cTn>
+                        </p:par>
+                      </p:childTnLst>
+                    </p:cTn>
+                  </p:par>
+                  <p:par>
+                    <p:cTn id="15" fill="hold">
+                      <p:stCondLst>
+                        <p:cond delay="indefinite"/>
+                      </p:stCondLst>
+                      <p:childTnLst>
+                        <p:par>
+                          <p:cTn id="16" fill="hold">
+                            <p:stCondLst>
+                              <p:cond delay="0"/>
+                            </p:stCondLst>
+                            <p:childTnLst>
+                              <p:par>
+                                <p:cTn id="17" presetID="1" presetClass="entr" presetSubtype="0" fill="hold" grpId="0" nodeType="clickEffect">
+                                  <p:stCondLst>
+                                    <p:cond delay="0"/>
+                                  </p:stCondLst>
+                                  <p:childTnLst>
+                                    <p:set>
+                                      <p:cBhvr>
+                                        <p:cTn id="18" dur="1" fill="hold">
+                                          <p:stCondLst>
+                                            <p:cond delay="0"/>
+                                          </p:stCondLst>
+                                        </p:cTn>
+                                        <p:tgtEl>
+                                          <p:spTgt spid="3">
+                                            <p:txEl>
+                                              <p:pRg st="3" end="3"/>
+                                            </p:txEl>
+                                          </p:spTgt>
+                                        </p:tgtEl>
+                                        <p:attrNameLst>
+                                          <p:attrName>style.visibility</p:attrName>
+                                        </p:attrNameLst>
+                                      </p:cBhvr>
+                                      <p:to>
+                                        <p:strVal val="visible"/>
+                                      </p:to>
+                                    </p:set>
+                                  </p:childTnLst>
+                                </p:cTn>
+                              </p:par>
+                            </p:childTnLst>
+                          </p:cTn>
+                        </p:par>
+                      </p:childTnLst>
+                    </p:cTn>
+                  </p:par>
+                  <p:par>
+                    <p:cTn id="19" fill="hold">
+                      <p:stCondLst>
+                        <p:cond delay="indefinite"/>
+                      </p:stCondLst>
+                      <p:childTnLst>
+                        <p:par>
+                          <p:cTn id="20" fill="hold">
+                            <p:stCondLst>
+                              <p:cond delay="0"/>
+                            </p:stCondLst>
+                            <p:childTnLst>
+                              <p:par>
+                                <p:cTn id="21" presetID="1" presetClass="entr" presetSubtype="0" fill="hold" grpId="0" nodeType="clickEffect">
+                                  <p:stCondLst>
+                                    <p:cond delay="0"/>
+                                  </p:stCondLst>
+                                  <p:childTnLst>
+                                    <p:set>
+                                      <p:cBhvr>
+                                        <p:cTn id="22" dur="1" fill="hold">
+                                          <p:stCondLst>
+                                            <p:cond delay="0"/>
+                                          </p:stCondLst>
+                                        </p:cTn>
+                                        <p:tgtEl>
+                                          <p:spTgt spid="3">
+                                            <p:txEl>
+                                              <p:pRg st="4" end="4"/>
+                                            </p:txEl>
+                                          </p:spTgt>
+                                        </p:tgtEl>
+                                        <p:attrNameLst>
+                                          <p:attrName>style.visibility</p:attrName>
+                                        </p:attrNameLst>
+                                      </p:cBhvr>
+                                      <p:to>
+                                        <p:strVal val="visible"/>
+                                      </p:to>
+                                    </p:set>
+                                  </p:childTnLst>
+                                </p:cTn>
+                              </p:par>
+                            </p:childTnLst>
+                          </p:cTn>
+                        </p:par>
+                      </p:childTnLst>
+                    </p:cTn>
+                  </p:par>
+                  <p:par>
+                    <p:cTn id="23" fill="hold">
+                      <p:stCondLst>
+                        <p:cond delay="indefinite"/>
+                      </p:stCondLst>
+                      <p:childTnLst>
+                        <p:par>
+                          <p:cTn id="24" fill="hold">
+                            <p:stCondLst>
+                              <p:cond delay="0"/>
+                            </p:stCondLst>
+                            <p:childTnLst>
+                              <p:par>
+                                <p:cTn id="25" presetID="1" presetClass="entr" presetSubtype="0" fill="hold" grpId="0" nodeType="clickEffect">
+                                  <p:stCondLst>
+                                    <p:cond delay="0"/>
+                                  </p:stCondLst>
+                                  <p:childTnLst>
+                                    <p:set>
+                                      <p:cBhvr>
+                                        <p:cTn id="26" dur="1" fill="hold">
+                                          <p:stCondLst>
+                                            <p:cond delay="0"/>
+                                          </p:stCondLst>
+                                        </p:cTn>
+                                        <p:tgtEl>
+                                          <p:spTgt spid="3">
+                                            <p:txEl>
+                                              <p:pRg st="5" end="5"/>
+                                            </p:txEl>
+                                          </p:spTgt>
+                                        </p:tgtEl>
+                                        <p:attrNameLst>
+                                          <p:attrName>style.visibility</p:attrName>
+                                        </p:attrNameLst>
+                                      </p:cBhvr>
+                                      <p:to>
+                                        <p:strVal val="visible"/>
+                                      </p:to>
+                                    </p:set>
+                                  </p:childTnLst>
+                                </p:cTn>
+                              </p:par>
+                            </p:childTnLst>
+                          </p:cTn>
+                        </p:par>
+                      </p:childTnLst>
+                    </p:cTn>
+                  </p:par>
+                  <p:par>
+                    <p:cTn id="27" fill="hold">
+                      <p:stCondLst>
+                        <p:cond delay="indefinite"/>
+                      </p:stCondLst>
+                      <p:childTnLst>
+                        <p:par>
+                          <p:cTn id="28" fill="hold">
+                            <p:stCondLst>
+                              <p:cond delay="0"/>
+                            </p:stCondLst>
+                            <p:childTnLst>
+                              <p:par>
+                                <p:cTn id="29" presetID="1" presetClass="entr" presetSubtype="0" fill="hold" grpId="0" nodeType="clickEffect">
+                                  <p:stCondLst>
+                                    <p:cond delay="0"/>
+                                  </p:stCondLst>
+                                  <p:childTnLst>
+                                    <p:set>
+                                      <p:cBhvr>
+                                        <p:cTn id="30" dur="1" fill="hold">
+                                          <p:stCondLst>
+                                            <p:cond delay="0"/>
+                                          </p:stCondLst>
+                                        </p:cTn>
+                                        <p:tgtEl>
+                                          <p:spTgt spid="3">
+                                            <p:txEl>
+                                              <p:pRg st="6" end="6"/>
+                                            </p:txEl>
+                                          </p:spTgt>
+                                        </p:tgtEl>
+                                        <p:attrNameLst>
+                                          <p:attrName>style.visibility</p:attrName>
+                                        </p:attrNameLst>
+                                      </p:cBhvr>
+                                      <p:to>
+                                        <p:strVal val="visible"/>
+                                      </p:to>
+                                    </p:set>
+                                  </p:childTnLst>
+                                </p:cTn>
+                              </p:par>
+                            </p:childTnLst>
+                          </p:cTn>
+                        </p:par>
+                      </p:childTnLst>
+                    </p:cTn>
+                  </p:par>
+                </p:childTnLst>
+              </p:cTn>
+              <p:prevCondLst>
+                <p:cond evt="onPrev" delay="0">
+                  <p:tgtEl>
+                    <p:sldTgt/>
+                  </p:tgtEl>
+                </p:cond>
+              </p:prevCondLst>
+              <p:nextCondLst>
+                <p:cond evt="onNext" delay="0">
+                  <p:tgtEl>
+                    <p:sldTgt/>
+                  </p:tgtEl>
+                </p:cond>
+              </p:nextCondLst>
+            </p:seq>
+          </p:childTnLst>
+        </p:cTn>
+      </p:par>
+    </p:tnLst>
+    <p:bldLst>
+      <p:bldP spid="3" grpId="0" build="p"/>
+    </p:bldLst>
+  </p:timing>
 </p:sld>
 </file>
 
@@ -5949,116 +7842,60 @@
           </a:p>
         </p:txBody>
       </p:sp>
-      <p:pic>
-        <p:nvPicPr>
-          <p:cNvPr id="5" name="Content Placeholder 4">
-            <a:extLst>
-              <a:ext uri="{FF2B5EF4-FFF2-40B4-BE49-F238E27FC236}">
-                <a16:creationId xmlns:a16="http://schemas.microsoft.com/office/drawing/2014/main" id="{03BD2672-3645-4299-AE5C-909336B4CB04}"/>
-              </a:ext>
-            </a:extLst>
-          </p:cNvPr>
-          <p:cNvPicPr>
-            <a:picLocks noGrp="1" noChangeAspect="1"/>
-          </p:cNvPicPr>
+      <p:sp>
+        <p:nvSpPr>
+          <p:cNvPr id="4" name="Content Placeholder 3">
+            <a:extLst>
+              <a:ext uri="{FF2B5EF4-FFF2-40B4-BE49-F238E27FC236}">
+                <a16:creationId xmlns:a16="http://schemas.microsoft.com/office/drawing/2014/main" id="{7DC41765-9625-4754-A2A6-E7CB92B7513B}"/>
+              </a:ext>
+            </a:extLst>
+          </p:cNvPr>
+          <p:cNvSpPr>
+            <a:spLocks noGrp="1"/>
+          </p:cNvSpPr>
           <p:nvPr>
             <p:ph idx="1"/>
           </p:nvPr>
-        </p:nvPicPr>
-        <p:blipFill>
-          <a:blip r:embed="rId3">
-            <a:extLst>
-              <a:ext uri="{28A0092B-C50C-407E-A947-70E740481C1C}">
-                <a14:useLocalDpi xmlns:a14="http://schemas.microsoft.com/office/drawing/2010/main" val="0"/>
-              </a:ext>
-              <a:ext uri="{96DAC541-7B7A-43D3-8B79-37D633B846F1}">
-                <asvg:svgBlip xmlns:asvg="http://schemas.microsoft.com/office/drawing/2016/SVG/main" r:embed="rId4"/>
-              </a:ext>
-            </a:extLst>
-          </a:blip>
-          <a:stretch>
-            <a:fillRect/>
-          </a:stretch>
-        </p:blipFill>
+        </p:nvSpPr>
         <p:spPr>
           <a:xfrm>
-            <a:off x="838200" y="2490584"/>
-            <a:ext cx="3149379" cy="2604294"/>
+            <a:off x="838200" y="1690688"/>
+            <a:ext cx="10515600" cy="4351338"/>
           </a:xfrm>
         </p:spPr>
-      </p:pic>
-      <p:pic>
-        <p:nvPicPr>
-          <p:cNvPr id="11" name="Picture 10">
-            <a:extLst>
-              <a:ext uri="{FF2B5EF4-FFF2-40B4-BE49-F238E27FC236}">
-                <a16:creationId xmlns:a16="http://schemas.microsoft.com/office/drawing/2014/main" id="{83FAEA98-48D6-4348-8C14-51695A674926}"/>
-              </a:ext>
-            </a:extLst>
-          </p:cNvPr>
-          <p:cNvPicPr>
-            <a:picLocks noChangeAspect="1"/>
-          </p:cNvPicPr>
-          <p:nvPr/>
-        </p:nvPicPr>
-        <p:blipFill>
-          <a:blip r:embed="rId5">
-            <a:extLst>
-              <a:ext uri="{28A0092B-C50C-407E-A947-70E740481C1C}">
-                <a14:useLocalDpi xmlns:a14="http://schemas.microsoft.com/office/drawing/2010/main" val="0"/>
-              </a:ext>
-            </a:extLst>
-          </a:blip>
-          <a:stretch>
-            <a:fillRect/>
-          </a:stretch>
-        </p:blipFill>
-        <p:spPr>
-          <a:xfrm>
-            <a:off x="8792627" y="2324495"/>
-            <a:ext cx="2273300" cy="2936473"/>
-          </a:xfrm>
-          <a:prstGeom prst="rect">
-            <a:avLst/>
-          </a:prstGeom>
-        </p:spPr>
-      </p:pic>
-      <p:pic>
-        <p:nvPicPr>
-          <p:cNvPr id="13" name="Picture 12">
-            <a:extLst>
-              <a:ext uri="{FF2B5EF4-FFF2-40B4-BE49-F238E27FC236}">
-                <a16:creationId xmlns:a16="http://schemas.microsoft.com/office/drawing/2014/main" id="{BF3B1D06-9528-403E-A66D-DD24A9E63264}"/>
-              </a:ext>
-            </a:extLst>
-          </p:cNvPr>
-          <p:cNvPicPr>
-            <a:picLocks noChangeAspect="1"/>
-          </p:cNvPicPr>
-          <p:nvPr/>
-        </p:nvPicPr>
-        <p:blipFill>
-          <a:blip r:embed="rId6">
-            <a:extLst>
-              <a:ext uri="{28A0092B-C50C-407E-A947-70E740481C1C}">
-                <a14:useLocalDpi xmlns:a14="http://schemas.microsoft.com/office/drawing/2010/main" val="0"/>
-              </a:ext>
-            </a:extLst>
-          </a:blip>
-          <a:stretch>
-            <a:fillRect/>
-          </a:stretch>
-        </p:blipFill>
-        <p:spPr>
-          <a:xfrm>
-            <a:off x="4781352" y="2490584"/>
-            <a:ext cx="3217502" cy="2936473"/>
-          </a:xfrm>
-          <a:prstGeom prst="rect">
-            <a:avLst/>
-          </a:prstGeom>
-        </p:spPr>
-      </p:pic>
+        <p:txBody>
+          <a:bodyPr/>
+          <a:lstStyle/>
+          <a:p>
+            <a:r>
+              <a:rPr lang="en-US" dirty="0"/>
+              <a:t>Polling data taken from FiveThirtyEight</a:t>
+            </a:r>
+          </a:p>
+          <a:p>
+            <a:r>
+              <a:rPr lang="en-US" dirty="0"/>
+              <a:t>Polls date back two decades</a:t>
+            </a:r>
+          </a:p>
+          <a:p>
+            <a:r>
+              <a:rPr lang="en-US" dirty="0"/>
+              <a:t>Cover governor, house, senate, presidential races</a:t>
+            </a:r>
+          </a:p>
+          <a:p>
+            <a:r>
+              <a:rPr lang="en-US" dirty="0"/>
+              <a:t>Additional election results from NYT, Wikipedia</a:t>
+            </a:r>
+          </a:p>
+          <a:p>
+            <a:endParaRPr lang="en-US" dirty="0"/>
+          </a:p>
+        </p:txBody>
+      </p:sp>
     </p:spTree>
     <p:extLst>
       <p:ext uri="{BB962C8B-B14F-4D97-AF65-F5344CB8AC3E}">
@@ -6377,26 +8214,24 @@
           <a:p>
             <a:r>
               <a:rPr lang="en-US" dirty="0"/>
-              <a:t>Sample size and accuracy</a:t>
+              <a:t>Sample Size, Distance, and Error</a:t>
             </a:r>
           </a:p>
         </p:txBody>
       </p:sp>
       <p:pic>
         <p:nvPicPr>
-          <p:cNvPr id="5" name="Content Placeholder 4">
-            <a:extLst>
-              <a:ext uri="{FF2B5EF4-FFF2-40B4-BE49-F238E27FC236}">
-                <a16:creationId xmlns:a16="http://schemas.microsoft.com/office/drawing/2014/main" id="{42435568-B3DF-4012-BBF2-70A3F03BC702}"/>
+          <p:cNvPr id="10" name="Picture 9">
+            <a:extLst>
+              <a:ext uri="{FF2B5EF4-FFF2-40B4-BE49-F238E27FC236}">
+                <a16:creationId xmlns:a16="http://schemas.microsoft.com/office/drawing/2014/main" id="{5DD10525-E0F6-4A07-82E3-F7F3C4C6A63F}"/>
               </a:ext>
             </a:extLst>
           </p:cNvPr>
           <p:cNvPicPr>
-            <a:picLocks noGrp="1" noChangeAspect="1"/>
+            <a:picLocks noChangeAspect="1"/>
           </p:cNvPicPr>
-          <p:nvPr>
-            <p:ph idx="1"/>
-          </p:nvPr>
+          <p:nvPr/>
         </p:nvPicPr>
         <p:blipFill>
           <a:blip r:embed="rId3">
@@ -6412,17 +8247,76 @@
         </p:blipFill>
         <p:spPr>
           <a:xfrm>
-            <a:off x="176619" y="2529144"/>
-            <a:ext cx="5919381" cy="3844696"/>
+            <a:off x="6501295" y="2961470"/>
+            <a:ext cx="4852506" cy="3531405"/>
           </a:xfrm>
+          <a:prstGeom prst="rect">
+            <a:avLst/>
+          </a:prstGeom>
         </p:spPr>
       </p:pic>
+      <p:sp>
+        <p:nvSpPr>
+          <p:cNvPr id="3" name="TextBox 2">
+            <a:extLst>
+              <a:ext uri="{FF2B5EF4-FFF2-40B4-BE49-F238E27FC236}">
+                <a16:creationId xmlns:a16="http://schemas.microsoft.com/office/drawing/2014/main" id="{DD9A1632-4D69-4E34-A6EE-B49AF8C65FF4}"/>
+              </a:ext>
+            </a:extLst>
+          </p:cNvPr>
+          <p:cNvSpPr txBox="1"/>
+          <p:nvPr/>
+        </p:nvSpPr>
+        <p:spPr>
+          <a:xfrm>
+            <a:off x="711173" y="1493520"/>
+            <a:ext cx="10642627" cy="1200329"/>
+          </a:xfrm>
+          <a:prstGeom prst="rect">
+            <a:avLst/>
+          </a:prstGeom>
+          <a:noFill/>
+        </p:spPr>
+        <p:txBody>
+          <a:bodyPr wrap="square" rtlCol="0">
+            <a:spAutoFit/>
+          </a:bodyPr>
+          <a:lstStyle/>
+          <a:p>
+            <a:pPr marL="285750" indent="-285750">
+              <a:buFont typeface="Arial" panose="020B0604020202020204" pitchFamily="34" charset="0"/>
+              <a:buChar char="•"/>
+            </a:pPr>
+            <a:r>
+              <a:rPr lang="en-US" sz="2400" dirty="0"/>
+              <a:t>Sample size negatively correlates with maximum error</a:t>
+            </a:r>
+          </a:p>
+          <a:p>
+            <a:pPr marL="285750" indent="-285750">
+              <a:buFont typeface="Arial" panose="020B0604020202020204" pitchFamily="34" charset="0"/>
+              <a:buChar char="•"/>
+            </a:pPr>
+            <a:r>
+              <a:rPr lang="en-US" sz="2400" dirty="0"/>
+              <a:t>Spike in small, low-quality polls before election</a:t>
+            </a:r>
+          </a:p>
+          <a:p>
+            <a:pPr marL="285750" indent="-285750">
+              <a:buFont typeface="Arial" panose="020B0604020202020204" pitchFamily="34" charset="0"/>
+              <a:buChar char="•"/>
+            </a:pPr>
+            <a:endParaRPr lang="en-US" sz="2400" dirty="0"/>
+          </a:p>
+        </p:txBody>
+      </p:sp>
       <p:pic>
         <p:nvPicPr>
-          <p:cNvPr id="9" name="Picture 8">
-            <a:extLst>
-              <a:ext uri="{FF2B5EF4-FFF2-40B4-BE49-F238E27FC236}">
-                <a16:creationId xmlns:a16="http://schemas.microsoft.com/office/drawing/2014/main" id="{8A90154E-C914-4F8D-8F4A-59EB21083DAF}"/>
+          <p:cNvPr id="8" name="Picture 7">
+            <a:extLst>
+              <a:ext uri="{FF2B5EF4-FFF2-40B4-BE49-F238E27FC236}">
+                <a16:creationId xmlns:a16="http://schemas.microsoft.com/office/drawing/2014/main" id="{52A7D67B-CBE2-49C7-937C-D522097C8FB5}"/>
               </a:ext>
             </a:extLst>
           </p:cNvPr>
@@ -6445,8 +8339,8 @@
         </p:blipFill>
         <p:spPr>
           <a:xfrm>
-            <a:off x="6045785" y="2529145"/>
-            <a:ext cx="5803315" cy="3844696"/>
+            <a:off x="1099267" y="2961469"/>
+            <a:ext cx="4852506" cy="3531405"/>
           </a:xfrm>
           <a:prstGeom prst="rect">
             <a:avLst/>
@@ -6463,6 +8357,81 @@
   <p:clrMapOvr>
     <a:masterClrMapping/>
   </p:clrMapOvr>
+  <p:timing>
+    <p:tnLst>
+      <p:par>
+        <p:cTn id="1" dur="indefinite" restart="never" nodeType="tmRoot">
+          <p:childTnLst>
+            <p:seq concurrent="1" nextAc="seek">
+              <p:cTn id="2" dur="indefinite" nodeType="mainSeq">
+                <p:childTnLst>
+                  <p:par>
+                    <p:cTn id="3" fill="hold">
+                      <p:stCondLst>
+                        <p:cond delay="indefinite"/>
+                      </p:stCondLst>
+                      <p:childTnLst>
+                        <p:par>
+                          <p:cTn id="4" fill="hold">
+                            <p:stCondLst>
+                              <p:cond delay="0"/>
+                            </p:stCondLst>
+                            <p:childTnLst>
+                              <p:par>
+                                <p:cTn id="5" presetID="1" presetClass="entr" presetSubtype="0" fill="hold" nodeType="clickEffect">
+                                  <p:stCondLst>
+                                    <p:cond delay="0"/>
+                                  </p:stCondLst>
+                                  <p:childTnLst>
+                                    <p:set>
+                                      <p:cBhvr>
+                                        <p:cTn id="6" dur="1" fill="hold">
+                                          <p:stCondLst>
+                                            <p:cond delay="0"/>
+                                          </p:stCondLst>
+                                        </p:cTn>
+                                        <p:tgtEl>
+                                          <p:spTgt spid="10"/>
+                                        </p:tgtEl>
+                                        <p:attrNameLst>
+                                          <p:attrName>style.visibility</p:attrName>
+                                        </p:attrNameLst>
+                                      </p:cBhvr>
+                                      <p:to>
+                                        <p:strVal val="visible"/>
+                                      </p:to>
+                                    </p:set>
+                                  </p:childTnLst>
+                                </p:cTn>
+                              </p:par>
+                            </p:childTnLst>
+                          </p:cTn>
+                        </p:par>
+                      </p:childTnLst>
+                    </p:cTn>
+                  </p:par>
+                </p:childTnLst>
+              </p:cTn>
+              <p:prevCondLst>
+                <p:cond evt="onPrev" delay="0">
+                  <p:tgtEl>
+                    <p:sldTgt/>
+                  </p:tgtEl>
+                </p:cond>
+              </p:prevCondLst>
+              <p:nextCondLst>
+                <p:cond evt="onNext" delay="0">
+                  <p:tgtEl>
+                    <p:sldTgt/>
+                  </p:tgtEl>
+                </p:cond>
+              </p:nextCondLst>
+            </p:seq>
+          </p:childTnLst>
+        </p:cTn>
+      </p:par>
+    </p:tnLst>
+  </p:timing>
 </p:sld>
 </file>
 
@@ -6483,1538 +8452,426 @@
           <a:chExt cx="0" cy="0"/>
         </a:xfrm>
       </p:grpSpPr>
-      <p:graphicFrame>
-        <p:nvGraphicFramePr>
-          <p:cNvPr id="9" name="Table 9">
-            <a:extLst>
-              <a:ext uri="{FF2B5EF4-FFF2-40B4-BE49-F238E27FC236}">
-                <a16:creationId xmlns:a16="http://schemas.microsoft.com/office/drawing/2014/main" id="{ABD0BFD8-8F91-4C0C-A5F0-304E1017483A}"/>
-              </a:ext>
-            </a:extLst>
-          </p:cNvPr>
-          <p:cNvGraphicFramePr>
-            <a:graphicFrameLocks noGrp="1"/>
-          </p:cNvGraphicFramePr>
+      <p:sp>
+        <p:nvSpPr>
+          <p:cNvPr id="2" name="Title 1">
+            <a:extLst>
+              <a:ext uri="{FF2B5EF4-FFF2-40B4-BE49-F238E27FC236}">
+                <a16:creationId xmlns:a16="http://schemas.microsoft.com/office/drawing/2014/main" id="{40E4620A-201C-496B-B7D1-2FFE5094D1E9}"/>
+              </a:ext>
+            </a:extLst>
+          </p:cNvPr>
+          <p:cNvSpPr>
+            <a:spLocks noGrp="1"/>
+          </p:cNvSpPr>
+          <p:nvPr>
+            <p:ph type="title"/>
+          </p:nvPr>
+        </p:nvSpPr>
+        <p:spPr/>
+        <p:txBody>
+          <a:bodyPr/>
+          <a:lstStyle/>
+          <a:p>
+            <a:r>
+              <a:rPr lang="en-US" dirty="0"/>
+              <a:t>Pollster identity</a:t>
+            </a:r>
+          </a:p>
+        </p:txBody>
+      </p:sp>
+      <p:sp>
+        <p:nvSpPr>
+          <p:cNvPr id="3" name="Content Placeholder 2">
+            <a:extLst>
+              <a:ext uri="{FF2B5EF4-FFF2-40B4-BE49-F238E27FC236}">
+                <a16:creationId xmlns:a16="http://schemas.microsoft.com/office/drawing/2014/main" id="{486717F2-91FA-445A-9AE3-BD6D53499E6F}"/>
+              </a:ext>
+            </a:extLst>
+          </p:cNvPr>
+          <p:cNvSpPr>
+            <a:spLocks noGrp="1"/>
+          </p:cNvSpPr>
           <p:nvPr>
             <p:ph idx="1"/>
-            <p:extLst>
-              <p:ext uri="{D42A27DB-BD31-4B8C-83A1-F6EECF244321}">
-                <p14:modId xmlns:p14="http://schemas.microsoft.com/office/powerpoint/2010/main" val="4241025549"/>
-              </p:ext>
-            </p:extLst>
-          </p:nvPr>
-        </p:nvGraphicFramePr>
-        <p:xfrm>
-          <a:off x="838200" y="0"/>
-          <a:ext cx="10515600" cy="6949440"/>
-        </p:xfrm>
-        <a:graphic>
-          <a:graphicData uri="http://schemas.openxmlformats.org/drawingml/2006/table">
-            <a:tbl>
-              <a:tblPr firstRow="1" bandRow="1">
-                <a:tableStyleId>{5C22544A-7EE6-4342-B048-85BDC9FD1C3A}</a:tableStyleId>
-              </a:tblPr>
-              <a:tblGrid>
-                <a:gridCol w="2628900">
-                  <a:extLst>
-                    <a:ext uri="{9D8B030D-6E8A-4147-A177-3AD203B41FA5}">
-                      <a16:colId xmlns:a16="http://schemas.microsoft.com/office/drawing/2014/main" val="782516874"/>
-                    </a:ext>
-                  </a:extLst>
-                </a:gridCol>
-                <a:gridCol w="2628900">
-                  <a:extLst>
-                    <a:ext uri="{9D8B030D-6E8A-4147-A177-3AD203B41FA5}">
-                      <a16:colId xmlns:a16="http://schemas.microsoft.com/office/drawing/2014/main" val="1528125067"/>
-                    </a:ext>
-                  </a:extLst>
-                </a:gridCol>
-                <a:gridCol w="2628900">
-                  <a:extLst>
-                    <a:ext uri="{9D8B030D-6E8A-4147-A177-3AD203B41FA5}">
-                      <a16:colId xmlns:a16="http://schemas.microsoft.com/office/drawing/2014/main" val="1766518694"/>
-                    </a:ext>
-                  </a:extLst>
-                </a:gridCol>
-                <a:gridCol w="2628900">
-                  <a:extLst>
-                    <a:ext uri="{9D8B030D-6E8A-4147-A177-3AD203B41FA5}">
-                      <a16:colId xmlns:a16="http://schemas.microsoft.com/office/drawing/2014/main" val="3913687909"/>
-                    </a:ext>
-                  </a:extLst>
-                </a:gridCol>
-              </a:tblGrid>
-              <a:tr h="354932">
-                <a:tc>
-                  <a:txBody>
-                    <a:bodyPr/>
-                    <a:lstStyle/>
-                    <a:p>
-                      <a:r>
-                        <a:rPr lang="en-US" b="0" dirty="0">
-                          <a:solidFill>
-                            <a:schemeClr val="tx1"/>
-                          </a:solidFill>
-                        </a:rPr>
-                        <a:t>Type</a:t>
-                      </a:r>
-                    </a:p>
-                  </a:txBody>
-                  <a:tcPr>
-                    <a:solidFill>
-                      <a:srgbClr val="E9EBF5"/>
-                    </a:solidFill>
-                  </a:tcPr>
-                </a:tc>
-                <a:tc>
-                  <a:txBody>
-                    <a:bodyPr/>
-                    <a:lstStyle/>
-                    <a:p>
-                      <a:r>
-                        <a:rPr lang="en-US" b="0" dirty="0">
-                          <a:solidFill>
-                            <a:schemeClr val="tx1"/>
-                          </a:solidFill>
-                        </a:rPr>
-                        <a:t>Mean error</a:t>
-                      </a:r>
-                    </a:p>
-                  </a:txBody>
-                  <a:tcPr>
-                    <a:solidFill>
-                      <a:srgbClr val="E9EBF5"/>
-                    </a:solidFill>
-                  </a:tcPr>
-                </a:tc>
-                <a:tc>
-                  <a:txBody>
-                    <a:bodyPr/>
-                    <a:lstStyle/>
-                    <a:p>
-                      <a:r>
-                        <a:rPr lang="en-US" b="0" dirty="0">
-                          <a:solidFill>
-                            <a:schemeClr val="tx1"/>
-                          </a:solidFill>
-                        </a:rPr>
-                        <a:t>Mean bias</a:t>
-                      </a:r>
-                    </a:p>
-                  </a:txBody>
-                  <a:tcPr>
-                    <a:solidFill>
-                      <a:srgbClr val="E9EBF5"/>
-                    </a:solidFill>
-                  </a:tcPr>
-                </a:tc>
-                <a:tc>
-                  <a:txBody>
-                    <a:bodyPr/>
-                    <a:lstStyle/>
-                    <a:p>
-                      <a:r>
-                        <a:rPr lang="en-US" b="0" dirty="0">
-                          <a:solidFill>
-                            <a:schemeClr val="tx1"/>
-                          </a:solidFill>
-                        </a:rPr>
-                        <a:t>Count</a:t>
-                      </a:r>
-                    </a:p>
-                  </a:txBody>
-                  <a:tcPr>
-                    <a:solidFill>
-                      <a:srgbClr val="E9EBF5"/>
-                    </a:solidFill>
-                  </a:tcPr>
-                </a:tc>
-                <a:extLst>
-                  <a:ext uri="{0D108BD9-81ED-4DB2-BD59-A6C34878D82A}">
-                    <a16:rowId xmlns:a16="http://schemas.microsoft.com/office/drawing/2014/main" val="1023606925"/>
-                  </a:ext>
-                </a:extLst>
-              </a:tr>
-              <a:tr h="354932">
-                <a:tc>
-                  <a:txBody>
-                    <a:bodyPr/>
-                    <a:lstStyle/>
-                    <a:p>
-                      <a:r>
-                        <a:rPr lang="en-US" b="0" dirty="0">
-                          <a:solidFill>
-                            <a:schemeClr val="tx1"/>
-                          </a:solidFill>
-                        </a:rPr>
-                        <a:t>Automated Phone</a:t>
-                      </a:r>
-                    </a:p>
-                  </a:txBody>
-                  <a:tcPr>
-                    <a:solidFill>
-                      <a:srgbClr val="CFD5EA"/>
-                    </a:solidFill>
-                  </a:tcPr>
-                </a:tc>
-                <a:tc>
-                  <a:txBody>
-                    <a:bodyPr/>
-                    <a:lstStyle/>
-                    <a:p>
-                      <a:r>
-                        <a:rPr lang="en-US" b="0" dirty="0">
-                          <a:solidFill>
-                            <a:schemeClr val="tx1"/>
-                          </a:solidFill>
-                        </a:rPr>
-                        <a:t>6.91</a:t>
-                      </a:r>
-                    </a:p>
-                  </a:txBody>
-                  <a:tcPr>
-                    <a:solidFill>
-                      <a:srgbClr val="CFD5EA"/>
-                    </a:solidFill>
-                  </a:tcPr>
-                </a:tc>
-                <a:tc>
-                  <a:txBody>
-                    <a:bodyPr/>
-                    <a:lstStyle/>
-                    <a:p>
-                      <a:r>
-                        <a:rPr lang="en-US" b="0" dirty="0">
-                          <a:solidFill>
-                            <a:schemeClr val="tx1"/>
-                          </a:solidFill>
-                        </a:rPr>
-                        <a:t>-1.10</a:t>
-                      </a:r>
-                    </a:p>
-                  </a:txBody>
-                  <a:tcPr>
-                    <a:solidFill>
-                      <a:srgbClr val="CFD5EA"/>
-                    </a:solidFill>
-                  </a:tcPr>
-                </a:tc>
-                <a:tc>
-                  <a:txBody>
-                    <a:bodyPr/>
-                    <a:lstStyle/>
-                    <a:p>
-                      <a:r>
-                        <a:rPr lang="en-US" b="0" dirty="0">
-                          <a:solidFill>
-                            <a:schemeClr val="tx1"/>
-                          </a:solidFill>
-                        </a:rPr>
-                        <a:t>131</a:t>
-                      </a:r>
-                    </a:p>
-                  </a:txBody>
-                  <a:tcPr>
-                    <a:solidFill>
-                      <a:srgbClr val="CFD5EA"/>
-                    </a:solidFill>
-                  </a:tcPr>
-                </a:tc>
-                <a:extLst>
-                  <a:ext uri="{0D108BD9-81ED-4DB2-BD59-A6C34878D82A}">
-                    <a16:rowId xmlns:a16="http://schemas.microsoft.com/office/drawing/2014/main" val="1830508576"/>
-                  </a:ext>
-                </a:extLst>
-              </a:tr>
-              <a:tr h="354932">
-                <a:tc>
-                  <a:txBody>
-                    <a:bodyPr/>
-                    <a:lstStyle/>
-                    <a:p>
-                      <a:r>
-                        <a:rPr lang="en-US" b="0" dirty="0">
-                          <a:solidFill>
-                            <a:schemeClr val="tx1"/>
-                          </a:solidFill>
-                        </a:rPr>
-                        <a:t>IVR</a:t>
-                      </a:r>
-                    </a:p>
-                  </a:txBody>
-                  <a:tcPr/>
-                </a:tc>
-                <a:tc>
-                  <a:txBody>
-                    <a:bodyPr/>
-                    <a:lstStyle/>
-                    <a:p>
-                      <a:r>
-                        <a:rPr lang="en-US" b="0" dirty="0">
-                          <a:solidFill>
-                            <a:schemeClr val="tx1"/>
-                          </a:solidFill>
-                        </a:rPr>
-                        <a:t>6.06</a:t>
-                      </a:r>
-                    </a:p>
-                  </a:txBody>
-                  <a:tcPr/>
-                </a:tc>
-                <a:tc>
-                  <a:txBody>
-                    <a:bodyPr/>
-                    <a:lstStyle/>
-                    <a:p>
-                      <a:r>
-                        <a:rPr lang="en-US" b="0" dirty="0">
-                          <a:solidFill>
-                            <a:schemeClr val="tx1"/>
-                          </a:solidFill>
-                        </a:rPr>
-                        <a:t>-3.90</a:t>
-                      </a:r>
-                    </a:p>
-                  </a:txBody>
-                  <a:tcPr/>
-                </a:tc>
-                <a:tc>
-                  <a:txBody>
-                    <a:bodyPr/>
-                    <a:lstStyle/>
-                    <a:p>
-                      <a:r>
-                        <a:rPr lang="en-US" b="0" dirty="0">
-                          <a:solidFill>
-                            <a:schemeClr val="tx1"/>
-                          </a:solidFill>
-                        </a:rPr>
-                        <a:t>215</a:t>
-                      </a:r>
-                    </a:p>
-                  </a:txBody>
-                  <a:tcPr/>
-                </a:tc>
-                <a:extLst>
-                  <a:ext uri="{0D108BD9-81ED-4DB2-BD59-A6C34878D82A}">
-                    <a16:rowId xmlns:a16="http://schemas.microsoft.com/office/drawing/2014/main" val="3183561524"/>
-                  </a:ext>
-                </a:extLst>
-              </a:tr>
-              <a:tr h="354932">
-                <a:tc>
-                  <a:txBody>
-                    <a:bodyPr/>
-                    <a:lstStyle/>
-                    <a:p>
-                      <a:r>
-                        <a:rPr lang="en-US" b="0" dirty="0">
-                          <a:solidFill>
-                            <a:schemeClr val="tx1"/>
-                          </a:solidFill>
-                        </a:rPr>
-                        <a:t>IVR/Live</a:t>
-                      </a:r>
-                    </a:p>
-                  </a:txBody>
-                  <a:tcPr/>
-                </a:tc>
-                <a:tc>
-                  <a:txBody>
-                    <a:bodyPr/>
-                    <a:lstStyle/>
-                    <a:p>
-                      <a:r>
-                        <a:rPr lang="en-US" b="0" dirty="0">
-                          <a:solidFill>
-                            <a:schemeClr val="tx1"/>
-                          </a:solidFill>
-                        </a:rPr>
-                        <a:t>5.45</a:t>
-                      </a:r>
-                    </a:p>
-                  </a:txBody>
-                  <a:tcPr/>
-                </a:tc>
-                <a:tc>
-                  <a:txBody>
-                    <a:bodyPr/>
-                    <a:lstStyle/>
-                    <a:p>
-                      <a:r>
-                        <a:rPr lang="en-US" b="0" dirty="0">
-                          <a:solidFill>
-                            <a:schemeClr val="tx1"/>
-                          </a:solidFill>
-                        </a:rPr>
-                        <a:t>-0.21</a:t>
-                      </a:r>
-                    </a:p>
-                  </a:txBody>
-                  <a:tcPr/>
-                </a:tc>
-                <a:tc>
-                  <a:txBody>
-                    <a:bodyPr/>
-                    <a:lstStyle/>
-                    <a:p>
-                      <a:r>
-                        <a:rPr lang="en-US" b="0" dirty="0">
-                          <a:solidFill>
-                            <a:schemeClr val="tx1"/>
-                          </a:solidFill>
-                        </a:rPr>
-                        <a:t>193</a:t>
-                      </a:r>
-                    </a:p>
-                  </a:txBody>
-                  <a:tcPr/>
-                </a:tc>
-                <a:extLst>
-                  <a:ext uri="{0D108BD9-81ED-4DB2-BD59-A6C34878D82A}">
-                    <a16:rowId xmlns:a16="http://schemas.microsoft.com/office/drawing/2014/main" val="341186104"/>
-                  </a:ext>
-                </a:extLst>
-              </a:tr>
-              <a:tr h="354932">
-                <a:tc>
-                  <a:txBody>
-                    <a:bodyPr/>
-                    <a:lstStyle/>
-                    <a:p>
-                      <a:r>
-                        <a:rPr lang="en-US" b="0" dirty="0">
-                          <a:solidFill>
-                            <a:schemeClr val="tx1"/>
-                          </a:solidFill>
-                        </a:rPr>
-                        <a:t>IVR/Live Phone</a:t>
-                      </a:r>
-                    </a:p>
-                  </a:txBody>
-                  <a:tcPr/>
-                </a:tc>
-                <a:tc>
-                  <a:txBody>
-                    <a:bodyPr/>
-                    <a:lstStyle/>
-                    <a:p>
-                      <a:r>
-                        <a:rPr lang="en-US" b="0" dirty="0">
-                          <a:solidFill>
-                            <a:schemeClr val="tx1"/>
-                          </a:solidFill>
-                        </a:rPr>
-                        <a:t>5.17</a:t>
-                      </a:r>
-                    </a:p>
-                  </a:txBody>
-                  <a:tcPr/>
-                </a:tc>
-                <a:tc>
-                  <a:txBody>
-                    <a:bodyPr/>
-                    <a:lstStyle/>
-                    <a:p>
-                      <a:r>
-                        <a:rPr lang="en-US" b="0" dirty="0">
-                          <a:solidFill>
-                            <a:schemeClr val="tx1"/>
-                          </a:solidFill>
-                        </a:rPr>
-                        <a:t>0.37</a:t>
-                      </a:r>
-                    </a:p>
-                  </a:txBody>
-                  <a:tcPr/>
-                </a:tc>
-                <a:tc>
-                  <a:txBody>
-                    <a:bodyPr/>
-                    <a:lstStyle/>
-                    <a:p>
-                      <a:r>
-                        <a:rPr lang="en-US" b="0" dirty="0">
-                          <a:solidFill>
-                            <a:schemeClr val="tx1"/>
-                          </a:solidFill>
-                        </a:rPr>
-                        <a:t>27</a:t>
-                      </a:r>
-                    </a:p>
-                  </a:txBody>
-                  <a:tcPr/>
-                </a:tc>
-                <a:extLst>
-                  <a:ext uri="{0D108BD9-81ED-4DB2-BD59-A6C34878D82A}">
-                    <a16:rowId xmlns:a16="http://schemas.microsoft.com/office/drawing/2014/main" val="3316648138"/>
-                  </a:ext>
-                </a:extLst>
-              </a:tr>
-              <a:tr h="354932">
-                <a:tc>
-                  <a:txBody>
-                    <a:bodyPr/>
-                    <a:lstStyle/>
-                    <a:p>
-                      <a:r>
-                        <a:rPr lang="en-US" b="0" dirty="0">
-                          <a:solidFill>
-                            <a:schemeClr val="tx1"/>
-                          </a:solidFill>
-                        </a:rPr>
-                        <a:t>IVR/Online</a:t>
-                      </a:r>
-                    </a:p>
-                  </a:txBody>
-                  <a:tcPr/>
-                </a:tc>
-                <a:tc>
-                  <a:txBody>
-                    <a:bodyPr/>
-                    <a:lstStyle/>
-                    <a:p>
-                      <a:r>
-                        <a:rPr lang="en-US" b="0" dirty="0">
-                          <a:solidFill>
-                            <a:schemeClr val="tx1"/>
-                          </a:solidFill>
-                        </a:rPr>
-                        <a:t>4.70</a:t>
-                      </a:r>
-                    </a:p>
-                  </a:txBody>
-                  <a:tcPr/>
-                </a:tc>
-                <a:tc>
-                  <a:txBody>
-                    <a:bodyPr/>
-                    <a:lstStyle/>
-                    <a:p>
-                      <a:r>
-                        <a:rPr lang="en-US" b="0" dirty="0">
-                          <a:solidFill>
-                            <a:schemeClr val="tx1"/>
-                          </a:solidFill>
-                        </a:rPr>
-                        <a:t>-0.82</a:t>
-                      </a:r>
-                    </a:p>
-                  </a:txBody>
-                  <a:tcPr/>
-                </a:tc>
-                <a:tc>
-                  <a:txBody>
-                    <a:bodyPr/>
-                    <a:lstStyle/>
-                    <a:p>
-                      <a:r>
-                        <a:rPr lang="en-US" b="0" dirty="0">
-                          <a:solidFill>
-                            <a:schemeClr val="tx1"/>
-                          </a:solidFill>
-                        </a:rPr>
-                        <a:t>907</a:t>
-                      </a:r>
-                    </a:p>
-                  </a:txBody>
-                  <a:tcPr/>
-                </a:tc>
-                <a:extLst>
-                  <a:ext uri="{0D108BD9-81ED-4DB2-BD59-A6C34878D82A}">
-                    <a16:rowId xmlns:a16="http://schemas.microsoft.com/office/drawing/2014/main" val="2671842589"/>
-                  </a:ext>
-                </a:extLst>
-              </a:tr>
-              <a:tr h="354932">
-                <a:tc>
-                  <a:txBody>
-                    <a:bodyPr/>
-                    <a:lstStyle/>
-                    <a:p>
-                      <a:r>
-                        <a:rPr lang="en-US" b="0" dirty="0">
-                          <a:solidFill>
-                            <a:schemeClr val="tx1"/>
-                          </a:solidFill>
-                        </a:rPr>
-                        <a:t>IVR/Online/Live</a:t>
-                      </a:r>
-                    </a:p>
-                  </a:txBody>
-                  <a:tcPr/>
-                </a:tc>
-                <a:tc>
-                  <a:txBody>
-                    <a:bodyPr/>
-                    <a:lstStyle/>
-                    <a:p>
-                      <a:r>
-                        <a:rPr lang="en-US" b="0" dirty="0">
-                          <a:solidFill>
-                            <a:schemeClr val="tx1"/>
-                          </a:solidFill>
-                        </a:rPr>
-                        <a:t>4.45</a:t>
-                      </a:r>
-                    </a:p>
-                  </a:txBody>
-                  <a:tcPr/>
-                </a:tc>
-                <a:tc>
-                  <a:txBody>
-                    <a:bodyPr/>
-                    <a:lstStyle/>
-                    <a:p>
-                      <a:r>
-                        <a:rPr lang="en-US" b="0" dirty="0">
-                          <a:solidFill>
-                            <a:schemeClr val="tx1"/>
-                          </a:solidFill>
-                        </a:rPr>
-                        <a:t>0.13</a:t>
-                      </a:r>
-                    </a:p>
-                  </a:txBody>
-                  <a:tcPr/>
-                </a:tc>
-                <a:tc>
-                  <a:txBody>
-                    <a:bodyPr/>
-                    <a:lstStyle/>
-                    <a:p>
-                      <a:r>
-                        <a:rPr lang="en-US" b="0" dirty="0">
-                          <a:solidFill>
-                            <a:schemeClr val="tx1"/>
-                          </a:solidFill>
-                        </a:rPr>
-                        <a:t>826</a:t>
-                      </a:r>
-                    </a:p>
-                  </a:txBody>
-                  <a:tcPr/>
-                </a:tc>
-                <a:extLst>
-                  <a:ext uri="{0D108BD9-81ED-4DB2-BD59-A6C34878D82A}">
-                    <a16:rowId xmlns:a16="http://schemas.microsoft.com/office/drawing/2014/main" val="4206394795"/>
-                  </a:ext>
-                </a:extLst>
-              </a:tr>
-              <a:tr h="354932">
-                <a:tc>
-                  <a:txBody>
-                    <a:bodyPr/>
-                    <a:lstStyle/>
-                    <a:p>
-                      <a:r>
-                        <a:rPr lang="en-US" b="0" dirty="0">
-                          <a:solidFill>
-                            <a:schemeClr val="tx1"/>
-                          </a:solidFill>
-                        </a:rPr>
-                        <a:t>IVR/Online/Live/Text</a:t>
-                      </a:r>
-                    </a:p>
-                  </a:txBody>
-                  <a:tcPr/>
-                </a:tc>
-                <a:tc>
-                  <a:txBody>
-                    <a:bodyPr/>
-                    <a:lstStyle/>
-                    <a:p>
-                      <a:r>
-                        <a:rPr lang="en-US" b="0" dirty="0">
-                          <a:solidFill>
-                            <a:schemeClr val="tx1"/>
-                          </a:solidFill>
-                        </a:rPr>
-                        <a:t>10.86</a:t>
-                      </a:r>
-                    </a:p>
-                  </a:txBody>
-                  <a:tcPr/>
-                </a:tc>
-                <a:tc>
-                  <a:txBody>
-                    <a:bodyPr/>
-                    <a:lstStyle/>
-                    <a:p>
-                      <a:r>
-                        <a:rPr lang="en-US" b="0" dirty="0">
-                          <a:solidFill>
-                            <a:schemeClr val="tx1"/>
-                          </a:solidFill>
-                        </a:rPr>
-                        <a:t>-10.86</a:t>
-                      </a:r>
-                    </a:p>
-                  </a:txBody>
-                  <a:tcPr/>
-                </a:tc>
-                <a:tc>
-                  <a:txBody>
-                    <a:bodyPr/>
-                    <a:lstStyle/>
-                    <a:p>
-                      <a:r>
-                        <a:rPr lang="en-US" b="0" dirty="0">
-                          <a:solidFill>
-                            <a:schemeClr val="tx1"/>
-                          </a:solidFill>
-                        </a:rPr>
-                        <a:t>3</a:t>
-                      </a:r>
-                    </a:p>
-                  </a:txBody>
-                  <a:tcPr/>
-                </a:tc>
-                <a:extLst>
-                  <a:ext uri="{0D108BD9-81ED-4DB2-BD59-A6C34878D82A}">
-                    <a16:rowId xmlns:a16="http://schemas.microsoft.com/office/drawing/2014/main" val="3560250464"/>
-                  </a:ext>
-                </a:extLst>
-              </a:tr>
-              <a:tr h="354932">
-                <a:tc>
-                  <a:txBody>
-                    <a:bodyPr/>
-                    <a:lstStyle/>
-                    <a:p>
-                      <a:r>
-                        <a:rPr lang="en-US" b="0" dirty="0">
-                          <a:solidFill>
-                            <a:schemeClr val="tx1"/>
-                          </a:solidFill>
-                        </a:rPr>
-                        <a:t>IVR/Online/Text</a:t>
-                      </a:r>
-                    </a:p>
-                  </a:txBody>
-                  <a:tcPr/>
-                </a:tc>
-                <a:tc>
-                  <a:txBody>
-                    <a:bodyPr/>
-                    <a:lstStyle/>
-                    <a:p>
-                      <a:r>
-                        <a:rPr lang="en-US" b="0" dirty="0">
-                          <a:solidFill>
-                            <a:schemeClr val="tx1"/>
-                          </a:solidFill>
-                        </a:rPr>
-                        <a:t>3.94</a:t>
-                      </a:r>
-                    </a:p>
-                  </a:txBody>
-                  <a:tcPr/>
-                </a:tc>
-                <a:tc>
-                  <a:txBody>
-                    <a:bodyPr/>
-                    <a:lstStyle/>
-                    <a:p>
-                      <a:r>
-                        <a:rPr lang="en-US" b="0" dirty="0">
-                          <a:solidFill>
-                            <a:schemeClr val="tx1"/>
-                          </a:solidFill>
-                        </a:rPr>
-                        <a:t>0.22</a:t>
-                      </a:r>
-                    </a:p>
-                  </a:txBody>
-                  <a:tcPr/>
-                </a:tc>
-                <a:tc>
-                  <a:txBody>
-                    <a:bodyPr/>
-                    <a:lstStyle/>
-                    <a:p>
-                      <a:r>
-                        <a:rPr lang="en-US" b="0" dirty="0">
-                          <a:solidFill>
-                            <a:schemeClr val="tx1"/>
-                          </a:solidFill>
-                        </a:rPr>
-                        <a:t>340</a:t>
-                      </a:r>
-                    </a:p>
-                  </a:txBody>
-                  <a:tcPr/>
-                </a:tc>
-                <a:extLst>
-                  <a:ext uri="{0D108BD9-81ED-4DB2-BD59-A6C34878D82A}">
-                    <a16:rowId xmlns:a16="http://schemas.microsoft.com/office/drawing/2014/main" val="1609378962"/>
-                  </a:ext>
-                </a:extLst>
-              </a:tr>
-              <a:tr h="354932">
-                <a:tc>
-                  <a:txBody>
-                    <a:bodyPr/>
-                    <a:lstStyle/>
-                    <a:p>
-                      <a:r>
-                        <a:rPr lang="en-US" b="0" dirty="0">
-                          <a:solidFill>
-                            <a:schemeClr val="tx1"/>
-                          </a:solidFill>
-                        </a:rPr>
-                        <a:t>Landline</a:t>
-                      </a:r>
-                    </a:p>
-                  </a:txBody>
-                  <a:tcPr/>
-                </a:tc>
-                <a:tc>
-                  <a:txBody>
-                    <a:bodyPr/>
-                    <a:lstStyle/>
-                    <a:p>
-                      <a:r>
-                        <a:rPr lang="en-US" b="0" dirty="0">
-                          <a:solidFill>
-                            <a:schemeClr val="tx1"/>
-                          </a:solidFill>
-                        </a:rPr>
-                        <a:t>2.86</a:t>
-                      </a:r>
-                    </a:p>
-                  </a:txBody>
-                  <a:tcPr/>
-                </a:tc>
-                <a:tc>
-                  <a:txBody>
-                    <a:bodyPr/>
-                    <a:lstStyle/>
-                    <a:p>
-                      <a:r>
-                        <a:rPr lang="en-US" b="0" dirty="0">
-                          <a:solidFill>
-                            <a:schemeClr val="tx1"/>
-                          </a:solidFill>
-                        </a:rPr>
-                        <a:t>2.24</a:t>
-                      </a:r>
-                    </a:p>
-                  </a:txBody>
-                  <a:tcPr/>
-                </a:tc>
-                <a:tc>
-                  <a:txBody>
-                    <a:bodyPr/>
-                    <a:lstStyle/>
-                    <a:p>
-                      <a:r>
-                        <a:rPr lang="en-US" b="0" dirty="0">
-                          <a:solidFill>
-                            <a:schemeClr val="tx1"/>
-                          </a:solidFill>
-                        </a:rPr>
-                        <a:t>10</a:t>
-                      </a:r>
-                    </a:p>
-                  </a:txBody>
-                  <a:tcPr/>
-                </a:tc>
-                <a:extLst>
-                  <a:ext uri="{0D108BD9-81ED-4DB2-BD59-A6C34878D82A}">
-                    <a16:rowId xmlns:a16="http://schemas.microsoft.com/office/drawing/2014/main" val="3807389512"/>
-                  </a:ext>
-                </a:extLst>
-              </a:tr>
-              <a:tr h="354932">
-                <a:tc>
-                  <a:txBody>
-                    <a:bodyPr/>
-                    <a:lstStyle/>
-                    <a:p>
-                      <a:r>
-                        <a:rPr lang="en-US" b="0" dirty="0">
-                          <a:solidFill>
-                            <a:schemeClr val="tx1"/>
-                          </a:solidFill>
-                        </a:rPr>
-                        <a:t>Live</a:t>
-                      </a:r>
-                    </a:p>
-                  </a:txBody>
-                  <a:tcPr/>
-                </a:tc>
-                <a:tc>
-                  <a:txBody>
-                    <a:bodyPr/>
-                    <a:lstStyle/>
-                    <a:p>
-                      <a:r>
-                        <a:rPr lang="en-US" b="0" dirty="0">
-                          <a:solidFill>
-                            <a:schemeClr val="tx1"/>
-                          </a:solidFill>
-                        </a:rPr>
-                        <a:t>4.72</a:t>
-                      </a:r>
-                    </a:p>
-                  </a:txBody>
-                  <a:tcPr/>
-                </a:tc>
-                <a:tc>
-                  <a:txBody>
-                    <a:bodyPr/>
-                    <a:lstStyle/>
-                    <a:p>
-                      <a:r>
-                        <a:rPr lang="en-US" b="0" dirty="0">
-                          <a:solidFill>
-                            <a:schemeClr val="tx1"/>
-                          </a:solidFill>
-                        </a:rPr>
-                        <a:t>0.10</a:t>
-                      </a:r>
-                    </a:p>
-                  </a:txBody>
-                  <a:tcPr/>
-                </a:tc>
-                <a:tc>
-                  <a:txBody>
-                    <a:bodyPr/>
-                    <a:lstStyle/>
-                    <a:p>
-                      <a:r>
-                        <a:rPr lang="en-US" b="0" dirty="0">
-                          <a:solidFill>
-                            <a:schemeClr val="tx1"/>
-                          </a:solidFill>
-                        </a:rPr>
-                        <a:t>2494</a:t>
-                      </a:r>
-                    </a:p>
-                  </a:txBody>
-                  <a:tcPr/>
-                </a:tc>
-                <a:extLst>
-                  <a:ext uri="{0D108BD9-81ED-4DB2-BD59-A6C34878D82A}">
-                    <a16:rowId xmlns:a16="http://schemas.microsoft.com/office/drawing/2014/main" val="336548314"/>
-                  </a:ext>
-                </a:extLst>
-              </a:tr>
-              <a:tr h="354932">
-                <a:tc>
-                  <a:txBody>
-                    <a:bodyPr/>
-                    <a:lstStyle/>
-                    <a:p>
-                      <a:r>
-                        <a:rPr lang="en-US" b="0" dirty="0">
-                          <a:solidFill>
-                            <a:schemeClr val="tx1"/>
-                          </a:solidFill>
-                        </a:rPr>
-                        <a:t>Live Phone</a:t>
-                      </a:r>
-                    </a:p>
-                  </a:txBody>
-                  <a:tcPr/>
-                </a:tc>
-                <a:tc>
-                  <a:txBody>
-                    <a:bodyPr/>
-                    <a:lstStyle/>
-                    <a:p>
-                      <a:r>
-                        <a:rPr lang="en-US" b="0" dirty="0">
-                          <a:solidFill>
-                            <a:schemeClr val="tx1"/>
-                          </a:solidFill>
-                        </a:rPr>
-                        <a:t>5.13</a:t>
-                      </a:r>
-                    </a:p>
-                  </a:txBody>
-                  <a:tcPr/>
-                </a:tc>
-                <a:tc>
-                  <a:txBody>
-                    <a:bodyPr/>
-                    <a:lstStyle/>
-                    <a:p>
-                      <a:r>
-                        <a:rPr lang="en-US" b="0" dirty="0">
-                          <a:solidFill>
-                            <a:schemeClr val="tx1"/>
-                          </a:solidFill>
-                        </a:rPr>
-                        <a:t>-0.40</a:t>
-                      </a:r>
-                    </a:p>
-                  </a:txBody>
-                  <a:tcPr/>
-                </a:tc>
-                <a:tc>
-                  <a:txBody>
-                    <a:bodyPr/>
-                    <a:lstStyle/>
-                    <a:p>
-                      <a:r>
-                        <a:rPr lang="en-US" b="0" dirty="0">
-                          <a:solidFill>
-                            <a:schemeClr val="tx1"/>
-                          </a:solidFill>
-                        </a:rPr>
-                        <a:t>598</a:t>
-                      </a:r>
-                    </a:p>
-                  </a:txBody>
-                  <a:tcPr/>
-                </a:tc>
-                <a:extLst>
-                  <a:ext uri="{0D108BD9-81ED-4DB2-BD59-A6C34878D82A}">
-                    <a16:rowId xmlns:a16="http://schemas.microsoft.com/office/drawing/2014/main" val="3626969270"/>
-                  </a:ext>
-                </a:extLst>
-              </a:tr>
-              <a:tr h="354932">
-                <a:tc>
-                  <a:txBody>
-                    <a:bodyPr/>
-                    <a:lstStyle/>
-                    <a:p>
-                      <a:r>
-                        <a:rPr lang="en-US" b="0" dirty="0">
-                          <a:solidFill>
-                            <a:schemeClr val="tx1"/>
-                          </a:solidFill>
-                        </a:rPr>
-                        <a:t>Live Phone/Online</a:t>
-                      </a:r>
-                    </a:p>
-                  </a:txBody>
-                  <a:tcPr/>
-                </a:tc>
-                <a:tc>
-                  <a:txBody>
-                    <a:bodyPr/>
-                    <a:lstStyle/>
-                    <a:p>
-                      <a:r>
-                        <a:rPr lang="en-US" b="0" dirty="0">
-                          <a:solidFill>
-                            <a:schemeClr val="tx1"/>
-                          </a:solidFill>
-                        </a:rPr>
-                        <a:t>3.87</a:t>
-                      </a:r>
-                    </a:p>
-                  </a:txBody>
-                  <a:tcPr/>
-                </a:tc>
-                <a:tc>
-                  <a:txBody>
-                    <a:bodyPr/>
-                    <a:lstStyle/>
-                    <a:p>
-                      <a:r>
-                        <a:rPr lang="en-US" b="0" dirty="0">
-                          <a:solidFill>
-                            <a:schemeClr val="tx1"/>
-                          </a:solidFill>
-                        </a:rPr>
-                        <a:t>-1.54</a:t>
-                      </a:r>
-                    </a:p>
-                  </a:txBody>
-                  <a:tcPr/>
-                </a:tc>
-                <a:tc>
-                  <a:txBody>
-                    <a:bodyPr/>
-                    <a:lstStyle/>
-                    <a:p>
-                      <a:r>
-                        <a:rPr lang="en-US" b="0" dirty="0">
-                          <a:solidFill>
-                            <a:schemeClr val="tx1"/>
-                          </a:solidFill>
-                        </a:rPr>
-                        <a:t>25</a:t>
-                      </a:r>
-                    </a:p>
-                  </a:txBody>
-                  <a:tcPr/>
-                </a:tc>
-                <a:extLst>
-                  <a:ext uri="{0D108BD9-81ED-4DB2-BD59-A6C34878D82A}">
-                    <a16:rowId xmlns:a16="http://schemas.microsoft.com/office/drawing/2014/main" val="2291312772"/>
-                  </a:ext>
-                </a:extLst>
-              </a:tr>
-              <a:tr h="354932">
-                <a:tc>
-                  <a:txBody>
-                    <a:bodyPr/>
-                    <a:lstStyle/>
-                    <a:p>
-                      <a:r>
-                        <a:rPr lang="en-US" b="0" dirty="0">
-                          <a:solidFill>
-                            <a:schemeClr val="tx1"/>
-                          </a:solidFill>
-                        </a:rPr>
-                        <a:t>Live*</a:t>
-                      </a:r>
-                    </a:p>
-                  </a:txBody>
-                  <a:tcPr/>
-                </a:tc>
-                <a:tc>
-                  <a:txBody>
-                    <a:bodyPr/>
-                    <a:lstStyle/>
-                    <a:p>
-                      <a:r>
-                        <a:rPr lang="en-US" b="0" dirty="0">
-                          <a:solidFill>
-                            <a:schemeClr val="tx1"/>
-                          </a:solidFill>
-                        </a:rPr>
-                        <a:t>5.23</a:t>
-                      </a:r>
-                    </a:p>
-                  </a:txBody>
-                  <a:tcPr/>
-                </a:tc>
-                <a:tc>
-                  <a:txBody>
-                    <a:bodyPr/>
-                    <a:lstStyle/>
-                    <a:p>
-                      <a:r>
-                        <a:rPr lang="en-US" b="0" dirty="0">
-                          <a:solidFill>
-                            <a:schemeClr val="tx1"/>
-                          </a:solidFill>
-                        </a:rPr>
-                        <a:t>0.10</a:t>
-                      </a:r>
-                    </a:p>
-                  </a:txBody>
-                  <a:tcPr/>
-                </a:tc>
-                <a:tc>
-                  <a:txBody>
-                    <a:bodyPr/>
-                    <a:lstStyle/>
-                    <a:p>
-                      <a:r>
-                        <a:rPr lang="en-US" b="0" dirty="0">
-                          <a:solidFill>
-                            <a:schemeClr val="tx1"/>
-                          </a:solidFill>
-                        </a:rPr>
-                        <a:t>661</a:t>
-                      </a:r>
-                    </a:p>
-                  </a:txBody>
-                  <a:tcPr/>
-                </a:tc>
-                <a:extLst>
-                  <a:ext uri="{0D108BD9-81ED-4DB2-BD59-A6C34878D82A}">
-                    <a16:rowId xmlns:a16="http://schemas.microsoft.com/office/drawing/2014/main" val="954480776"/>
-                  </a:ext>
-                </a:extLst>
-              </a:tr>
-              <a:tr h="354932">
-                <a:tc>
-                  <a:txBody>
-                    <a:bodyPr/>
-                    <a:lstStyle/>
-                    <a:p>
-                      <a:r>
-                        <a:rPr lang="en-US" b="0" dirty="0">
-                          <a:solidFill>
-                            <a:schemeClr val="tx1"/>
-                          </a:solidFill>
-                        </a:rPr>
-                        <a:t>Mail</a:t>
-                      </a:r>
-                    </a:p>
-                  </a:txBody>
-                  <a:tcPr/>
-                </a:tc>
-                <a:tc>
-                  <a:txBody>
-                    <a:bodyPr/>
-                    <a:lstStyle/>
-                    <a:p>
-                      <a:r>
-                        <a:rPr lang="en-US" b="0" dirty="0">
-                          <a:solidFill>
-                            <a:schemeClr val="tx1"/>
-                          </a:solidFill>
-                        </a:rPr>
-                        <a:t>4.46</a:t>
-                      </a:r>
-                    </a:p>
-                  </a:txBody>
-                  <a:tcPr/>
-                </a:tc>
-                <a:tc>
-                  <a:txBody>
-                    <a:bodyPr/>
-                    <a:lstStyle/>
-                    <a:p>
-                      <a:r>
-                        <a:rPr lang="en-US" b="0" dirty="0">
-                          <a:solidFill>
-                            <a:schemeClr val="tx1"/>
-                          </a:solidFill>
-                        </a:rPr>
-                        <a:t>3.57</a:t>
-                      </a:r>
-                    </a:p>
-                  </a:txBody>
-                  <a:tcPr/>
-                </a:tc>
-                <a:tc>
-                  <a:txBody>
-                    <a:bodyPr/>
-                    <a:lstStyle/>
-                    <a:p>
-                      <a:r>
-                        <a:rPr lang="en-US" b="0" dirty="0">
-                          <a:solidFill>
-                            <a:schemeClr val="tx1"/>
-                          </a:solidFill>
-                        </a:rPr>
-                        <a:t>17</a:t>
-                      </a:r>
-                    </a:p>
-                  </a:txBody>
-                  <a:tcPr/>
-                </a:tc>
-                <a:extLst>
-                  <a:ext uri="{0D108BD9-81ED-4DB2-BD59-A6C34878D82A}">
-                    <a16:rowId xmlns:a16="http://schemas.microsoft.com/office/drawing/2014/main" val="1157388773"/>
-                  </a:ext>
-                </a:extLst>
-              </a:tr>
-              <a:tr h="354932">
-                <a:tc>
-                  <a:txBody>
-                    <a:bodyPr/>
-                    <a:lstStyle/>
-                    <a:p>
-                      <a:r>
-                        <a:rPr lang="en-US" b="0" dirty="0">
-                          <a:solidFill>
-                            <a:schemeClr val="tx1"/>
-                          </a:solidFill>
-                        </a:rPr>
-                        <a:t>Online</a:t>
-                      </a:r>
-                    </a:p>
-                  </a:txBody>
-                  <a:tcPr/>
-                </a:tc>
-                <a:tc>
-                  <a:txBody>
-                    <a:bodyPr/>
-                    <a:lstStyle/>
-                    <a:p>
-                      <a:r>
-                        <a:rPr lang="en-US" b="0" dirty="0">
-                          <a:solidFill>
-                            <a:schemeClr val="tx1"/>
-                          </a:solidFill>
-                        </a:rPr>
-                        <a:t>5.08</a:t>
-                      </a:r>
-                    </a:p>
-                  </a:txBody>
-                  <a:tcPr/>
-                </a:tc>
-                <a:tc>
-                  <a:txBody>
-                    <a:bodyPr/>
-                    <a:lstStyle/>
-                    <a:p>
-                      <a:r>
-                        <a:rPr lang="en-US" b="0" dirty="0">
-                          <a:solidFill>
-                            <a:schemeClr val="tx1"/>
-                          </a:solidFill>
-                        </a:rPr>
-                        <a:t>0.96</a:t>
-                      </a:r>
-                    </a:p>
-                  </a:txBody>
-                  <a:tcPr/>
-                </a:tc>
-                <a:tc>
-                  <a:txBody>
-                    <a:bodyPr/>
-                    <a:lstStyle/>
-                    <a:p>
-                      <a:r>
-                        <a:rPr lang="en-US" b="0" dirty="0">
-                          <a:solidFill>
-                            <a:schemeClr val="tx1"/>
-                          </a:solidFill>
-                        </a:rPr>
-                        <a:t>1322</a:t>
-                      </a:r>
-                    </a:p>
-                  </a:txBody>
-                  <a:tcPr/>
-                </a:tc>
-                <a:extLst>
-                  <a:ext uri="{0D108BD9-81ED-4DB2-BD59-A6C34878D82A}">
-                    <a16:rowId xmlns:a16="http://schemas.microsoft.com/office/drawing/2014/main" val="3247879838"/>
-                  </a:ext>
-                </a:extLst>
-              </a:tr>
-              <a:tr h="354932">
-                <a:tc>
-                  <a:txBody>
-                    <a:bodyPr/>
-                    <a:lstStyle/>
-                    <a:p>
-                      <a:r>
-                        <a:rPr lang="en-US" b="0" dirty="0">
-                          <a:solidFill>
-                            <a:schemeClr val="tx1"/>
-                          </a:solidFill>
-                        </a:rPr>
-                        <a:t>Online/Live</a:t>
-                      </a:r>
-                    </a:p>
-                  </a:txBody>
-                  <a:tcPr/>
-                </a:tc>
-                <a:tc>
-                  <a:txBody>
-                    <a:bodyPr/>
-                    <a:lstStyle/>
-                    <a:p>
-                      <a:r>
-                        <a:rPr lang="en-US" b="0" dirty="0">
-                          <a:solidFill>
-                            <a:schemeClr val="tx1"/>
-                          </a:solidFill>
-                        </a:rPr>
-                        <a:t>6.00</a:t>
-                      </a:r>
-                    </a:p>
-                  </a:txBody>
-                  <a:tcPr/>
-                </a:tc>
-                <a:tc>
-                  <a:txBody>
-                    <a:bodyPr/>
-                    <a:lstStyle/>
-                    <a:p>
-                      <a:r>
-                        <a:rPr lang="en-US" b="0" dirty="0">
-                          <a:solidFill>
-                            <a:schemeClr val="tx1"/>
-                          </a:solidFill>
-                        </a:rPr>
-                        <a:t>0.59</a:t>
-                      </a:r>
-                    </a:p>
-                  </a:txBody>
-                  <a:tcPr/>
-                </a:tc>
-                <a:tc>
-                  <a:txBody>
-                    <a:bodyPr/>
-                    <a:lstStyle/>
-                    <a:p>
-                      <a:r>
-                        <a:rPr lang="en-US" b="0" dirty="0">
-                          <a:solidFill>
-                            <a:schemeClr val="tx1"/>
-                          </a:solidFill>
-                        </a:rPr>
-                        <a:t>207</a:t>
-                      </a:r>
-                    </a:p>
-                  </a:txBody>
-                  <a:tcPr/>
-                </a:tc>
-                <a:extLst>
-                  <a:ext uri="{0D108BD9-81ED-4DB2-BD59-A6C34878D82A}">
-                    <a16:rowId xmlns:a16="http://schemas.microsoft.com/office/drawing/2014/main" val="3372829261"/>
-                  </a:ext>
-                </a:extLst>
-              </a:tr>
-              <a:tr h="354932">
-                <a:tc>
-                  <a:txBody>
-                    <a:bodyPr/>
-                    <a:lstStyle/>
-                    <a:p>
-                      <a:r>
-                        <a:rPr lang="en-US" b="0" dirty="0">
-                          <a:solidFill>
-                            <a:schemeClr val="tx1"/>
-                          </a:solidFill>
-                        </a:rPr>
-                        <a:t>Online/Live/Mail</a:t>
-                      </a:r>
-                    </a:p>
-                  </a:txBody>
-                  <a:tcPr/>
-                </a:tc>
-                <a:tc>
-                  <a:txBody>
-                    <a:bodyPr/>
-                    <a:lstStyle/>
-                    <a:p>
-                      <a:r>
-                        <a:rPr lang="en-US" b="0" dirty="0">
-                          <a:solidFill>
-                            <a:schemeClr val="tx1"/>
-                          </a:solidFill>
-                        </a:rPr>
-                        <a:t>7.04</a:t>
-                      </a:r>
-                    </a:p>
-                  </a:txBody>
-                  <a:tcPr/>
-                </a:tc>
-                <a:tc>
-                  <a:txBody>
-                    <a:bodyPr/>
-                    <a:lstStyle/>
-                    <a:p>
-                      <a:r>
-                        <a:rPr lang="en-US" b="0" dirty="0">
-                          <a:solidFill>
-                            <a:schemeClr val="tx1"/>
-                          </a:solidFill>
-                        </a:rPr>
-                        <a:t>1.07</a:t>
-                      </a:r>
-                    </a:p>
-                  </a:txBody>
-                  <a:tcPr/>
-                </a:tc>
-                <a:tc>
-                  <a:txBody>
-                    <a:bodyPr/>
-                    <a:lstStyle/>
-                    <a:p>
-                      <a:r>
-                        <a:rPr lang="en-US" b="0" dirty="0">
-                          <a:solidFill>
-                            <a:schemeClr val="tx1"/>
-                          </a:solidFill>
-                        </a:rPr>
-                        <a:t>43</a:t>
-                      </a:r>
-                    </a:p>
-                  </a:txBody>
-                  <a:tcPr/>
-                </a:tc>
-                <a:extLst>
-                  <a:ext uri="{0D108BD9-81ED-4DB2-BD59-A6C34878D82A}">
-                    <a16:rowId xmlns:a16="http://schemas.microsoft.com/office/drawing/2014/main" val="3918649444"/>
-                  </a:ext>
-                </a:extLst>
-              </a:tr>
-              <a:tr h="354932">
-                <a:tc>
-                  <a:txBody>
-                    <a:bodyPr/>
-                    <a:lstStyle/>
-                    <a:p>
-                      <a:r>
-                        <a:rPr lang="en-US" b="0" dirty="0">
-                          <a:solidFill>
-                            <a:schemeClr val="tx1"/>
-                          </a:solidFill>
-                        </a:rPr>
-                        <a:t>Nan</a:t>
-                      </a:r>
-                    </a:p>
-                  </a:txBody>
-                  <a:tcPr/>
-                </a:tc>
-                <a:tc>
-                  <a:txBody>
-                    <a:bodyPr/>
-                    <a:lstStyle/>
-                    <a:p>
-                      <a:r>
-                        <a:rPr lang="en-US" b="0" dirty="0">
-                          <a:solidFill>
-                            <a:schemeClr val="tx1"/>
-                          </a:solidFill>
-                        </a:rPr>
-                        <a:t>34.07</a:t>
-                      </a:r>
-                    </a:p>
-                  </a:txBody>
-                  <a:tcPr/>
-                </a:tc>
-                <a:tc>
-                  <a:txBody>
-                    <a:bodyPr/>
-                    <a:lstStyle/>
-                    <a:p>
-                      <a:r>
-                        <a:rPr lang="en-US" b="0" dirty="0">
-                          <a:solidFill>
-                            <a:schemeClr val="tx1"/>
-                          </a:solidFill>
-                        </a:rPr>
-                        <a:t>34.07</a:t>
-                      </a:r>
-                    </a:p>
-                  </a:txBody>
-                  <a:tcPr/>
-                </a:tc>
-                <a:tc>
-                  <a:txBody>
-                    <a:bodyPr/>
-                    <a:lstStyle/>
-                    <a:p>
-                      <a:r>
-                        <a:rPr lang="en-US" b="0" dirty="0">
-                          <a:solidFill>
-                            <a:schemeClr val="tx1"/>
-                          </a:solidFill>
-                        </a:rPr>
-                        <a:t>2</a:t>
-                      </a:r>
-                    </a:p>
-                  </a:txBody>
-                  <a:tcPr/>
-                </a:tc>
-                <a:extLst>
-                  <a:ext uri="{0D108BD9-81ED-4DB2-BD59-A6C34878D82A}">
-                    <a16:rowId xmlns:a16="http://schemas.microsoft.com/office/drawing/2014/main" val="1343074188"/>
-                  </a:ext>
-                </a:extLst>
-              </a:tr>
-            </a:tbl>
-          </a:graphicData>
-        </a:graphic>
-      </p:graphicFrame>
+          </p:nvPr>
+        </p:nvSpPr>
+        <p:spPr/>
+        <p:txBody>
+          <a:bodyPr/>
+          <a:lstStyle/>
+          <a:p>
+            <a:r>
+              <a:rPr lang="en-US" dirty="0"/>
+              <a:t>359 pollsters with multiple, partisan polls</a:t>
+            </a:r>
+          </a:p>
+          <a:p>
+            <a:r>
+              <a:rPr lang="en-US" dirty="0"/>
+              <a:t>Only around 6% of pollsters have a standard deviation of bias &gt; 10</a:t>
+            </a:r>
+          </a:p>
+          <a:p>
+            <a:r>
+              <a:rPr lang="en-US" dirty="0"/>
+              <a:t>Only 1% have a standard deviation of error &gt; 10</a:t>
+            </a:r>
+          </a:p>
+        </p:txBody>
+      </p:sp>
+      <p:pic>
+        <p:nvPicPr>
+          <p:cNvPr id="6" name="Picture 5">
+            <a:extLst>
+              <a:ext uri="{FF2B5EF4-FFF2-40B4-BE49-F238E27FC236}">
+                <a16:creationId xmlns:a16="http://schemas.microsoft.com/office/drawing/2014/main" id="{33295DDE-36B9-419F-9B23-98132B9FC201}"/>
+              </a:ext>
+            </a:extLst>
+          </p:cNvPr>
+          <p:cNvPicPr>
+            <a:picLocks noChangeAspect="1"/>
+          </p:cNvPicPr>
+          <p:nvPr/>
+        </p:nvPicPr>
+        <p:blipFill>
+          <a:blip r:embed="rId2">
+            <a:extLst>
+              <a:ext uri="{28A0092B-C50C-407E-A947-70E740481C1C}">
+                <a14:useLocalDpi xmlns:a14="http://schemas.microsoft.com/office/drawing/2010/main" val="0"/>
+              </a:ext>
+            </a:extLst>
+          </a:blip>
+          <a:stretch>
+            <a:fillRect/>
+          </a:stretch>
+        </p:blipFill>
+        <p:spPr>
+          <a:xfrm>
+            <a:off x="838200" y="3356232"/>
+            <a:ext cx="4852506" cy="3315455"/>
+          </a:xfrm>
+          <a:prstGeom prst="rect">
+            <a:avLst/>
+          </a:prstGeom>
+        </p:spPr>
+      </p:pic>
+      <p:pic>
+        <p:nvPicPr>
+          <p:cNvPr id="9" name="Picture 8">
+            <a:extLst>
+              <a:ext uri="{FF2B5EF4-FFF2-40B4-BE49-F238E27FC236}">
+                <a16:creationId xmlns:a16="http://schemas.microsoft.com/office/drawing/2014/main" id="{0219C7C3-E6AB-45E6-B1EA-7E5172362370}"/>
+              </a:ext>
+            </a:extLst>
+          </p:cNvPr>
+          <p:cNvPicPr>
+            <a:picLocks noChangeAspect="1"/>
+          </p:cNvPicPr>
+          <p:nvPr/>
+        </p:nvPicPr>
+        <p:blipFill>
+          <a:blip r:embed="rId3">
+            <a:extLst>
+              <a:ext uri="{28A0092B-C50C-407E-A947-70E740481C1C}">
+                <a14:useLocalDpi xmlns:a14="http://schemas.microsoft.com/office/drawing/2010/main" val="0"/>
+              </a:ext>
+            </a:extLst>
+          </a:blip>
+          <a:stretch>
+            <a:fillRect/>
+          </a:stretch>
+        </p:blipFill>
+        <p:spPr>
+          <a:xfrm>
+            <a:off x="6096000" y="3356231"/>
+            <a:ext cx="4852506" cy="3315455"/>
+          </a:xfrm>
+          <a:prstGeom prst="rect">
+            <a:avLst/>
+          </a:prstGeom>
+        </p:spPr>
+      </p:pic>
     </p:spTree>
     <p:extLst>
       <p:ext uri="{BB962C8B-B14F-4D97-AF65-F5344CB8AC3E}">
-        <p14:creationId xmlns:p14="http://schemas.microsoft.com/office/powerpoint/2010/main" val="2111158342"/>
+        <p14:creationId xmlns:p14="http://schemas.microsoft.com/office/powerpoint/2010/main" val="179199502"/>
       </p:ext>
     </p:extLst>
   </p:cSld>
   <p:clrMapOvr>
     <a:masterClrMapping/>
   </p:clrMapOvr>
+  <p:timing>
+    <p:tnLst>
+      <p:par>
+        <p:cTn id="1" dur="indefinite" restart="never" nodeType="tmRoot">
+          <p:childTnLst>
+            <p:seq concurrent="1" nextAc="seek">
+              <p:cTn id="2" dur="indefinite" nodeType="mainSeq">
+                <p:childTnLst>
+                  <p:par>
+                    <p:cTn id="3" fill="hold">
+                      <p:stCondLst>
+                        <p:cond delay="indefinite"/>
+                      </p:stCondLst>
+                      <p:childTnLst>
+                        <p:par>
+                          <p:cTn id="4" fill="hold">
+                            <p:stCondLst>
+                              <p:cond delay="0"/>
+                            </p:stCondLst>
+                            <p:childTnLst>
+                              <p:par>
+                                <p:cTn id="5" presetID="1" presetClass="entr" presetSubtype="0" fill="hold" grpId="0" nodeType="clickEffect">
+                                  <p:stCondLst>
+                                    <p:cond delay="0"/>
+                                  </p:stCondLst>
+                                  <p:childTnLst>
+                                    <p:set>
+                                      <p:cBhvr>
+                                        <p:cTn id="6" dur="1" fill="hold">
+                                          <p:stCondLst>
+                                            <p:cond delay="0"/>
+                                          </p:stCondLst>
+                                        </p:cTn>
+                                        <p:tgtEl>
+                                          <p:spTgt spid="3">
+                                            <p:txEl>
+                                              <p:pRg st="0" end="0"/>
+                                            </p:txEl>
+                                          </p:spTgt>
+                                        </p:tgtEl>
+                                        <p:attrNameLst>
+                                          <p:attrName>style.visibility</p:attrName>
+                                        </p:attrNameLst>
+                                      </p:cBhvr>
+                                      <p:to>
+                                        <p:strVal val="visible"/>
+                                      </p:to>
+                                    </p:set>
+                                  </p:childTnLst>
+                                </p:cTn>
+                              </p:par>
+                            </p:childTnLst>
+                          </p:cTn>
+                        </p:par>
+                      </p:childTnLst>
+                    </p:cTn>
+                  </p:par>
+                  <p:par>
+                    <p:cTn id="7" fill="hold">
+                      <p:stCondLst>
+                        <p:cond delay="indefinite"/>
+                      </p:stCondLst>
+                      <p:childTnLst>
+                        <p:par>
+                          <p:cTn id="8" fill="hold">
+                            <p:stCondLst>
+                              <p:cond delay="0"/>
+                            </p:stCondLst>
+                            <p:childTnLst>
+                              <p:par>
+                                <p:cTn id="9" presetID="1" presetClass="entr" presetSubtype="0" fill="hold" grpId="0" nodeType="clickEffect">
+                                  <p:stCondLst>
+                                    <p:cond delay="0"/>
+                                  </p:stCondLst>
+                                  <p:childTnLst>
+                                    <p:set>
+                                      <p:cBhvr>
+                                        <p:cTn id="10" dur="1" fill="hold">
+                                          <p:stCondLst>
+                                            <p:cond delay="0"/>
+                                          </p:stCondLst>
+                                        </p:cTn>
+                                        <p:tgtEl>
+                                          <p:spTgt spid="3">
+                                            <p:txEl>
+                                              <p:pRg st="1" end="1"/>
+                                            </p:txEl>
+                                          </p:spTgt>
+                                        </p:tgtEl>
+                                        <p:attrNameLst>
+                                          <p:attrName>style.visibility</p:attrName>
+                                        </p:attrNameLst>
+                                      </p:cBhvr>
+                                      <p:to>
+                                        <p:strVal val="visible"/>
+                                      </p:to>
+                                    </p:set>
+                                  </p:childTnLst>
+                                </p:cTn>
+                              </p:par>
+                            </p:childTnLst>
+                          </p:cTn>
+                        </p:par>
+                      </p:childTnLst>
+                    </p:cTn>
+                  </p:par>
+                  <p:par>
+                    <p:cTn id="11" fill="hold">
+                      <p:stCondLst>
+                        <p:cond delay="indefinite"/>
+                      </p:stCondLst>
+                      <p:childTnLst>
+                        <p:par>
+                          <p:cTn id="12" fill="hold">
+                            <p:stCondLst>
+                              <p:cond delay="0"/>
+                            </p:stCondLst>
+                            <p:childTnLst>
+                              <p:par>
+                                <p:cTn id="13" presetID="1" presetClass="entr" presetSubtype="0" fill="hold" grpId="0" nodeType="clickEffect">
+                                  <p:stCondLst>
+                                    <p:cond delay="0"/>
+                                  </p:stCondLst>
+                                  <p:childTnLst>
+                                    <p:set>
+                                      <p:cBhvr>
+                                        <p:cTn id="14" dur="1" fill="hold">
+                                          <p:stCondLst>
+                                            <p:cond delay="0"/>
+                                          </p:stCondLst>
+                                        </p:cTn>
+                                        <p:tgtEl>
+                                          <p:spTgt spid="3">
+                                            <p:txEl>
+                                              <p:pRg st="2" end="2"/>
+                                            </p:txEl>
+                                          </p:spTgt>
+                                        </p:tgtEl>
+                                        <p:attrNameLst>
+                                          <p:attrName>style.visibility</p:attrName>
+                                        </p:attrNameLst>
+                                      </p:cBhvr>
+                                      <p:to>
+                                        <p:strVal val="visible"/>
+                                      </p:to>
+                                    </p:set>
+                                  </p:childTnLst>
+                                </p:cTn>
+                              </p:par>
+                            </p:childTnLst>
+                          </p:cTn>
+                        </p:par>
+                      </p:childTnLst>
+                    </p:cTn>
+                  </p:par>
+                  <p:par>
+                    <p:cTn id="15" fill="hold">
+                      <p:stCondLst>
+                        <p:cond delay="indefinite"/>
+                      </p:stCondLst>
+                      <p:childTnLst>
+                        <p:par>
+                          <p:cTn id="16" fill="hold">
+                            <p:stCondLst>
+                              <p:cond delay="0"/>
+                            </p:stCondLst>
+                            <p:childTnLst>
+                              <p:par>
+                                <p:cTn id="17" presetID="1" presetClass="entr" presetSubtype="0" fill="hold" nodeType="clickEffect">
+                                  <p:stCondLst>
+                                    <p:cond delay="0"/>
+                                  </p:stCondLst>
+                                  <p:childTnLst>
+                                    <p:set>
+                                      <p:cBhvr>
+                                        <p:cTn id="18" dur="1" fill="hold">
+                                          <p:stCondLst>
+                                            <p:cond delay="0"/>
+                                          </p:stCondLst>
+                                        </p:cTn>
+                                        <p:tgtEl>
+                                          <p:spTgt spid="6"/>
+                                        </p:tgtEl>
+                                        <p:attrNameLst>
+                                          <p:attrName>style.visibility</p:attrName>
+                                        </p:attrNameLst>
+                                      </p:cBhvr>
+                                      <p:to>
+                                        <p:strVal val="visible"/>
+                                      </p:to>
+                                    </p:set>
+                                  </p:childTnLst>
+                                </p:cTn>
+                              </p:par>
+                            </p:childTnLst>
+                          </p:cTn>
+                        </p:par>
+                      </p:childTnLst>
+                    </p:cTn>
+                  </p:par>
+                  <p:par>
+                    <p:cTn id="19" fill="hold">
+                      <p:stCondLst>
+                        <p:cond delay="indefinite"/>
+                      </p:stCondLst>
+                      <p:childTnLst>
+                        <p:par>
+                          <p:cTn id="20" fill="hold">
+                            <p:stCondLst>
+                              <p:cond delay="0"/>
+                            </p:stCondLst>
+                            <p:childTnLst>
+                              <p:par>
+                                <p:cTn id="21" presetID="1" presetClass="entr" presetSubtype="0" fill="hold" nodeType="clickEffect">
+                                  <p:stCondLst>
+                                    <p:cond delay="0"/>
+                                  </p:stCondLst>
+                                  <p:childTnLst>
+                                    <p:set>
+                                      <p:cBhvr>
+                                        <p:cTn id="22" dur="1" fill="hold">
+                                          <p:stCondLst>
+                                            <p:cond delay="0"/>
+                                          </p:stCondLst>
+                                        </p:cTn>
+                                        <p:tgtEl>
+                                          <p:spTgt spid="9"/>
+                                        </p:tgtEl>
+                                        <p:attrNameLst>
+                                          <p:attrName>style.visibility</p:attrName>
+                                        </p:attrNameLst>
+                                      </p:cBhvr>
+                                      <p:to>
+                                        <p:strVal val="visible"/>
+                                      </p:to>
+                                    </p:set>
+                                  </p:childTnLst>
+                                </p:cTn>
+                              </p:par>
+                            </p:childTnLst>
+                          </p:cTn>
+                        </p:par>
+                      </p:childTnLst>
+                    </p:cTn>
+                  </p:par>
+                </p:childTnLst>
+              </p:cTn>
+              <p:prevCondLst>
+                <p:cond evt="onPrev" delay="0">
+                  <p:tgtEl>
+                    <p:sldTgt/>
+                  </p:tgtEl>
+                </p:cond>
+              </p:prevCondLst>
+              <p:nextCondLst>
+                <p:cond evt="onNext" delay="0">
+                  <p:tgtEl>
+                    <p:sldTgt/>
+                  </p:tgtEl>
+                </p:cond>
+              </p:nextCondLst>
+            </p:seq>
+          </p:childTnLst>
+        </p:cTn>
+      </p:par>
+    </p:tnLst>
+    <p:bldLst>
+      <p:bldP spid="3" grpId="0" build="p"/>
+    </p:bldLst>
+  </p:timing>
 </p:sld>
 </file>
 
@@ -8040,7 +8897,7 @@
           <p:cNvPr id="2" name="Title 1">
             <a:extLst>
               <a:ext uri="{FF2B5EF4-FFF2-40B4-BE49-F238E27FC236}">
-                <a16:creationId xmlns:a16="http://schemas.microsoft.com/office/drawing/2014/main" id="{CB37EB5B-8937-4B3A-9B80-96AF6CFFD36A}"/>
+                <a16:creationId xmlns:a16="http://schemas.microsoft.com/office/drawing/2014/main" id="{93024CBC-BD05-4908-82FE-538E0AA17D49}"/>
               </a:ext>
             </a:extLst>
           </p:cNvPr>
@@ -8058,7 +8915,7 @@
           <a:p>
             <a:r>
               <a:rPr lang="en-US" dirty="0"/>
-              <a:t>Polling over time</a:t>
+              <a:t>Polling type</a:t>
             </a:r>
           </a:p>
         </p:txBody>
@@ -8068,7 +8925,7 @@
           <p:cNvPr id="5" name="Content Placeholder 4">
             <a:extLst>
               <a:ext uri="{FF2B5EF4-FFF2-40B4-BE49-F238E27FC236}">
-                <a16:creationId xmlns:a16="http://schemas.microsoft.com/office/drawing/2014/main" id="{55FA14E1-B10C-412F-B5B6-F30998C0B000}"/>
+                <a16:creationId xmlns:a16="http://schemas.microsoft.com/office/drawing/2014/main" id="{2E407C65-178F-4874-BE8F-24048BFF466F}"/>
               </a:ext>
             </a:extLst>
           </p:cNvPr>
@@ -8093,8 +8950,8 @@
         </p:blipFill>
         <p:spPr>
           <a:xfrm>
-            <a:off x="987507" y="2198759"/>
-            <a:ext cx="4852506" cy="3544107"/>
+            <a:off x="665480" y="2961470"/>
+            <a:ext cx="4776288" cy="3531405"/>
           </a:xfrm>
         </p:spPr>
       </p:pic>
@@ -8103,7 +8960,7 @@
           <p:cNvPr id="7" name="Picture 6">
             <a:extLst>
               <a:ext uri="{FF2B5EF4-FFF2-40B4-BE49-F238E27FC236}">
-                <a16:creationId xmlns:a16="http://schemas.microsoft.com/office/drawing/2014/main" id="{4E503697-A644-4745-8A20-973E3B8EF59D}"/>
+                <a16:creationId xmlns:a16="http://schemas.microsoft.com/office/drawing/2014/main" id="{C48ACE18-E181-4D7E-8995-E037EF3EF286}"/>
               </a:ext>
             </a:extLst>
           </p:cNvPr>
@@ -8126,24 +8983,203 @@
         </p:blipFill>
         <p:spPr>
           <a:xfrm>
-            <a:off x="6539403" y="2198760"/>
-            <a:ext cx="4814397" cy="3544107"/>
+            <a:off x="6313329" y="2961469"/>
+            <a:ext cx="4877911" cy="3531405"/>
           </a:xfrm>
           <a:prstGeom prst="rect">
             <a:avLst/>
           </a:prstGeom>
         </p:spPr>
       </p:pic>
+      <p:sp>
+        <p:nvSpPr>
+          <p:cNvPr id="3" name="TextBox 2">
+            <a:extLst>
+              <a:ext uri="{FF2B5EF4-FFF2-40B4-BE49-F238E27FC236}">
+                <a16:creationId xmlns:a16="http://schemas.microsoft.com/office/drawing/2014/main" id="{E268A058-75F7-410E-829A-3E83D9859BF6}"/>
+              </a:ext>
+            </a:extLst>
+          </p:cNvPr>
+          <p:cNvSpPr txBox="1"/>
+          <p:nvPr/>
+        </p:nvSpPr>
+        <p:spPr>
+          <a:xfrm>
+            <a:off x="665480" y="1605280"/>
+            <a:ext cx="10957560" cy="1200329"/>
+          </a:xfrm>
+          <a:prstGeom prst="rect">
+            <a:avLst/>
+          </a:prstGeom>
+          <a:noFill/>
+        </p:spPr>
+        <p:txBody>
+          <a:bodyPr wrap="square" rtlCol="0">
+            <a:spAutoFit/>
+          </a:bodyPr>
+          <a:lstStyle/>
+          <a:p>
+            <a:pPr marL="285750" indent="-285750">
+              <a:buFont typeface="Arial" panose="020B0604020202020204" pitchFamily="34" charset="0"/>
+              <a:buChar char="•"/>
+            </a:pPr>
+            <a:r>
+              <a:rPr lang="en-US" sz="2400" dirty="0"/>
+              <a:t>All polls are about equally wrong</a:t>
+            </a:r>
+          </a:p>
+          <a:p>
+            <a:pPr marL="285750" indent="-285750">
+              <a:buFont typeface="Arial" panose="020B0604020202020204" pitchFamily="34" charset="0"/>
+              <a:buChar char="•"/>
+            </a:pPr>
+            <a:r>
+              <a:rPr lang="en-US" sz="2400" dirty="0"/>
+              <a:t>Some tend to overestimate the Republican (bias &gt; 0) or Democrat (bias &lt;0)</a:t>
+            </a:r>
+          </a:p>
+          <a:p>
+            <a:pPr marL="285750" indent="-285750">
+              <a:buFont typeface="Arial" panose="020B0604020202020204" pitchFamily="34" charset="0"/>
+              <a:buChar char="•"/>
+            </a:pPr>
+            <a:r>
+              <a:rPr lang="en-US" sz="2400" dirty="0"/>
+              <a:t>Hybrid: Any mix of methods</a:t>
+            </a:r>
+          </a:p>
+        </p:txBody>
+      </p:sp>
     </p:spTree>
     <p:extLst>
       <p:ext uri="{BB962C8B-B14F-4D97-AF65-F5344CB8AC3E}">
-        <p14:creationId xmlns:p14="http://schemas.microsoft.com/office/powerpoint/2010/main" val="2806335964"/>
+        <p14:creationId xmlns:p14="http://schemas.microsoft.com/office/powerpoint/2010/main" val="3691390061"/>
       </p:ext>
     </p:extLst>
   </p:cSld>
   <p:clrMapOvr>
     <a:masterClrMapping/>
   </p:clrMapOvr>
+  <p:timing>
+    <p:tnLst>
+      <p:par>
+        <p:cTn id="1" dur="indefinite" restart="never" nodeType="tmRoot">
+          <p:childTnLst>
+            <p:seq concurrent="1" nextAc="seek">
+              <p:cTn id="2" dur="indefinite" nodeType="mainSeq">
+                <p:childTnLst>
+                  <p:par>
+                    <p:cTn id="3" fill="hold">
+                      <p:stCondLst>
+                        <p:cond delay="indefinite"/>
+                      </p:stCondLst>
+                      <p:childTnLst>
+                        <p:par>
+                          <p:cTn id="4" fill="hold">
+                            <p:stCondLst>
+                              <p:cond delay="0"/>
+                            </p:stCondLst>
+                            <p:childTnLst>
+                              <p:par>
+                                <p:cTn id="5" presetID="1" presetClass="entr" presetSubtype="0" fill="hold" nodeType="clickEffect">
+                                  <p:stCondLst>
+                                    <p:cond delay="0"/>
+                                  </p:stCondLst>
+                                  <p:childTnLst>
+                                    <p:set>
+                                      <p:cBhvr>
+                                        <p:cTn id="6" dur="1" fill="hold">
+                                          <p:stCondLst>
+                                            <p:cond delay="0"/>
+                                          </p:stCondLst>
+                                        </p:cTn>
+                                        <p:tgtEl>
+                                          <p:spTgt spid="5"/>
+                                        </p:tgtEl>
+                                        <p:attrNameLst>
+                                          <p:attrName>style.visibility</p:attrName>
+                                        </p:attrNameLst>
+                                      </p:cBhvr>
+                                      <p:to>
+                                        <p:strVal val="visible"/>
+                                      </p:to>
+                                    </p:set>
+                                  </p:childTnLst>
+                                </p:cTn>
+                              </p:par>
+                            </p:childTnLst>
+                          </p:cTn>
+                        </p:par>
+                      </p:childTnLst>
+                    </p:cTn>
+                  </p:par>
+                  <p:par>
+                    <p:cTn id="7" fill="hold">
+                      <p:stCondLst>
+                        <p:cond delay="indefinite"/>
+                      </p:stCondLst>
+                      <p:childTnLst>
+                        <p:par>
+                          <p:cTn id="8" fill="hold">
+                            <p:stCondLst>
+                              <p:cond delay="0"/>
+                            </p:stCondLst>
+                            <p:childTnLst>
+                              <p:par>
+                                <p:cTn id="9" presetID="1" presetClass="entr" presetSubtype="0" fill="hold" nodeType="clickEffect">
+                                  <p:stCondLst>
+                                    <p:cond delay="0"/>
+                                  </p:stCondLst>
+                                  <p:childTnLst>
+                                    <p:set>
+                                      <p:cBhvr>
+                                        <p:cTn id="10" dur="1" fill="hold">
+                                          <p:stCondLst>
+                                            <p:cond delay="0"/>
+                                          </p:stCondLst>
+                                        </p:cTn>
+                                        <p:tgtEl>
+                                          <p:spTgt spid="7"/>
+                                        </p:tgtEl>
+                                        <p:attrNameLst>
+                                          <p:attrName>style.visibility</p:attrName>
+                                        </p:attrNameLst>
+                                      </p:cBhvr>
+                                      <p:to>
+                                        <p:strVal val="visible"/>
+                                      </p:to>
+                                    </p:set>
+                                  </p:childTnLst>
+                                </p:cTn>
+                              </p:par>
+                            </p:childTnLst>
+                          </p:cTn>
+                        </p:par>
+                      </p:childTnLst>
+                    </p:cTn>
+                  </p:par>
+                </p:childTnLst>
+              </p:cTn>
+              <p:prevCondLst>
+                <p:cond evt="onPrev" delay="0">
+                  <p:tgtEl>
+                    <p:sldTgt/>
+                  </p:tgtEl>
+                </p:cond>
+              </p:prevCondLst>
+              <p:nextCondLst>
+                <p:cond evt="onNext" delay="0">
+                  <p:tgtEl>
+                    <p:sldTgt/>
+                  </p:tgtEl>
+                </p:cond>
+              </p:nextCondLst>
+            </p:seq>
+          </p:childTnLst>
+        </p:cTn>
+      </p:par>
+    </p:tnLst>
+  </p:timing>
 </p:sld>
 </file>
 
